--- a/각종 파일 및 SQL, 참고 문헌 등/프로젝트 PPT 최강류이홍.pptx
+++ b/각종 파일 및 SQL, 참고 문헌 등/프로젝트 PPT 최강류이홍.pptx
@@ -2,10 +2,10 @@
 <file path=ppt/presentation.xml><?xml version="1.0" encoding="utf-8"?>
 <p:presentation xmlns:a="http://schemas.openxmlformats.org/drawingml/2006/main" xmlns:r="http://schemas.openxmlformats.org/officeDocument/2006/relationships" xmlns:p="http://schemas.openxmlformats.org/presentationml/2006/main" saveSubsetFonts="1">
   <p:sldMasterIdLst>
-    <p:sldMasterId id="2147483648" r:id="rId1"/>
+    <p:sldMasterId id="2147483726" r:id="rId1"/>
   </p:sldMasterIdLst>
   <p:notesMasterIdLst>
-    <p:notesMasterId r:id="rId16"/>
+    <p:notesMasterId r:id="rId21"/>
   </p:notesMasterIdLst>
   <p:sldIdLst>
     <p:sldId id="256" r:id="rId2"/>
@@ -22,14 +22,19 @@
     <p:sldId id="271" r:id="rId13"/>
     <p:sldId id="272" r:id="rId14"/>
     <p:sldId id="273" r:id="rId15"/>
+    <p:sldId id="274" r:id="rId16"/>
+    <p:sldId id="275" r:id="rId17"/>
+    <p:sldId id="276" r:id="rId18"/>
+    <p:sldId id="277" r:id="rId19"/>
+    <p:sldId id="278" r:id="rId20"/>
   </p:sldIdLst>
   <p:sldSz cx="9144000" cy="6858000" type="screen4x3"/>
   <p:notesSz cx="6858000" cy="9144000"/>
   <p:defaultTextStyle>
     <a:defPPr>
-      <a:defRPr lang="ko-KR"/>
+      <a:defRPr lang="en-US"/>
     </a:defPPr>
-    <a:lvl1pPr marL="0" algn="l" defTabSz="914400" rtl="0" eaLnBrk="1" latinLnBrk="1" hangingPunct="1">
+    <a:lvl1pPr marL="0" algn="l" defTabSz="914400" rtl="0" eaLnBrk="1" latinLnBrk="0" hangingPunct="1">
       <a:defRPr sz="1800" kern="1200">
         <a:solidFill>
           <a:schemeClr val="tx1"/>
@@ -39,7 +44,7 @@
         <a:cs typeface="+mn-cs"/>
       </a:defRPr>
     </a:lvl1pPr>
-    <a:lvl2pPr marL="457200" algn="l" defTabSz="914400" rtl="0" eaLnBrk="1" latinLnBrk="1" hangingPunct="1">
+    <a:lvl2pPr marL="457200" algn="l" defTabSz="914400" rtl="0" eaLnBrk="1" latinLnBrk="0" hangingPunct="1">
       <a:defRPr sz="1800" kern="1200">
         <a:solidFill>
           <a:schemeClr val="tx1"/>
@@ -49,7 +54,7 @@
         <a:cs typeface="+mn-cs"/>
       </a:defRPr>
     </a:lvl2pPr>
-    <a:lvl3pPr marL="914400" algn="l" defTabSz="914400" rtl="0" eaLnBrk="1" latinLnBrk="1" hangingPunct="1">
+    <a:lvl3pPr marL="914400" algn="l" defTabSz="914400" rtl="0" eaLnBrk="1" latinLnBrk="0" hangingPunct="1">
       <a:defRPr sz="1800" kern="1200">
         <a:solidFill>
           <a:schemeClr val="tx1"/>
@@ -59,7 +64,7 @@
         <a:cs typeface="+mn-cs"/>
       </a:defRPr>
     </a:lvl3pPr>
-    <a:lvl4pPr marL="1371600" algn="l" defTabSz="914400" rtl="0" eaLnBrk="1" latinLnBrk="1" hangingPunct="1">
+    <a:lvl4pPr marL="1371600" algn="l" defTabSz="914400" rtl="0" eaLnBrk="1" latinLnBrk="0" hangingPunct="1">
       <a:defRPr sz="1800" kern="1200">
         <a:solidFill>
           <a:schemeClr val="tx1"/>
@@ -69,7 +74,7 @@
         <a:cs typeface="+mn-cs"/>
       </a:defRPr>
     </a:lvl4pPr>
-    <a:lvl5pPr marL="1828800" algn="l" defTabSz="914400" rtl="0" eaLnBrk="1" latinLnBrk="1" hangingPunct="1">
+    <a:lvl5pPr marL="1828800" algn="l" defTabSz="914400" rtl="0" eaLnBrk="1" latinLnBrk="0" hangingPunct="1">
       <a:defRPr sz="1800" kern="1200">
         <a:solidFill>
           <a:schemeClr val="tx1"/>
@@ -79,7 +84,7 @@
         <a:cs typeface="+mn-cs"/>
       </a:defRPr>
     </a:lvl5pPr>
-    <a:lvl6pPr marL="2286000" algn="l" defTabSz="914400" rtl="0" eaLnBrk="1" latinLnBrk="1" hangingPunct="1">
+    <a:lvl6pPr marL="2286000" algn="l" defTabSz="914400" rtl="0" eaLnBrk="1" latinLnBrk="0" hangingPunct="1">
       <a:defRPr sz="1800" kern="1200">
         <a:solidFill>
           <a:schemeClr val="tx1"/>
@@ -89,7 +94,7 @@
         <a:cs typeface="+mn-cs"/>
       </a:defRPr>
     </a:lvl6pPr>
-    <a:lvl7pPr marL="2743200" algn="l" defTabSz="914400" rtl="0" eaLnBrk="1" latinLnBrk="1" hangingPunct="1">
+    <a:lvl7pPr marL="2743200" algn="l" defTabSz="914400" rtl="0" eaLnBrk="1" latinLnBrk="0" hangingPunct="1">
       <a:defRPr sz="1800" kern="1200">
         <a:solidFill>
           <a:schemeClr val="tx1"/>
@@ -99,7 +104,7 @@
         <a:cs typeface="+mn-cs"/>
       </a:defRPr>
     </a:lvl7pPr>
-    <a:lvl8pPr marL="3200400" algn="l" defTabSz="914400" rtl="0" eaLnBrk="1" latinLnBrk="1" hangingPunct="1">
+    <a:lvl8pPr marL="3200400" algn="l" defTabSz="914400" rtl="0" eaLnBrk="1" latinLnBrk="0" hangingPunct="1">
       <a:defRPr sz="1800" kern="1200">
         <a:solidFill>
           <a:schemeClr val="tx1"/>
@@ -109,7 +114,7 @@
         <a:cs typeface="+mn-cs"/>
       </a:defRPr>
     </a:lvl8pPr>
-    <a:lvl9pPr marL="3657600" algn="l" defTabSz="914400" rtl="0" eaLnBrk="1" latinLnBrk="1" hangingPunct="1">
+    <a:lvl9pPr marL="3657600" algn="l" defTabSz="914400" rtl="0" eaLnBrk="1" latinLnBrk="0" hangingPunct="1">
       <a:defRPr sz="1800" kern="1200">
         <a:solidFill>
           <a:schemeClr val="tx1"/>
@@ -651,7 +656,7 @@
           <a:p>
             <a:fld id="{796A67B0-16AB-465B-8292-01C81A41391B}" type="slidenum">
               <a:rPr lang="ko-KR" altLang="en-US" smtClean="0"/>
-              <a:t>8</a:t>
+              <a:t>7</a:t>
             </a:fld>
             <a:endParaRPr lang="ko-KR" altLang="en-US"/>
           </a:p>
@@ -660,7 +665,7 @@
     </p:spTree>
     <p:extLst>
       <p:ext uri="{BB962C8B-B14F-4D97-AF65-F5344CB8AC3E}">
-        <p14:creationId xmlns:p14="http://schemas.microsoft.com/office/powerpoint/2010/main" val="1272490277"/>
+        <p14:creationId xmlns:p14="http://schemas.microsoft.com/office/powerpoint/2010/main" val="577690357"/>
       </p:ext>
     </p:extLst>
   </p:cSld>
@@ -735,6 +740,90 @@
           <a:p>
             <a:fld id="{796A67B0-16AB-465B-8292-01C81A41391B}" type="slidenum">
               <a:rPr lang="ko-KR" altLang="en-US" smtClean="0"/>
+              <a:t>8</a:t>
+            </a:fld>
+            <a:endParaRPr lang="ko-KR" altLang="en-US"/>
+          </a:p>
+        </p:txBody>
+      </p:sp>
+    </p:spTree>
+    <p:extLst>
+      <p:ext uri="{BB962C8B-B14F-4D97-AF65-F5344CB8AC3E}">
+        <p14:creationId xmlns:p14="http://schemas.microsoft.com/office/powerpoint/2010/main" val="1272490277"/>
+      </p:ext>
+    </p:extLst>
+  </p:cSld>
+  <p:clrMapOvr>
+    <a:masterClrMapping/>
+  </p:clrMapOvr>
+</p:notes>
+</file>
+
+<file path=ppt/notesSlides/notesSlide4.xml><?xml version="1.0" encoding="utf-8"?>
+<p:notes xmlns:a="http://schemas.openxmlformats.org/drawingml/2006/main" xmlns:r="http://schemas.openxmlformats.org/officeDocument/2006/relationships" xmlns:p="http://schemas.openxmlformats.org/presentationml/2006/main">
+  <p:cSld>
+    <p:spTree>
+      <p:nvGrpSpPr>
+        <p:cNvPr id="1" name=""/>
+        <p:cNvGrpSpPr/>
+        <p:nvPr/>
+      </p:nvGrpSpPr>
+      <p:grpSpPr>
+        <a:xfrm>
+          <a:off x="0" y="0"/>
+          <a:ext cx="0" cy="0"/>
+          <a:chOff x="0" y="0"/>
+          <a:chExt cx="0" cy="0"/>
+        </a:xfrm>
+      </p:grpSpPr>
+      <p:sp>
+        <p:nvSpPr>
+          <p:cNvPr id="2" name="슬라이드 이미지 개체 틀 1"/>
+          <p:cNvSpPr>
+            <a:spLocks noGrp="1" noRot="1" noChangeAspect="1"/>
+          </p:cNvSpPr>
+          <p:nvPr>
+            <p:ph type="sldImg"/>
+          </p:nvPr>
+        </p:nvSpPr>
+        <p:spPr/>
+      </p:sp>
+      <p:sp>
+        <p:nvSpPr>
+          <p:cNvPr id="3" name="슬라이드 노트 개체 틀 2"/>
+          <p:cNvSpPr>
+            <a:spLocks noGrp="1"/>
+          </p:cNvSpPr>
+          <p:nvPr>
+            <p:ph type="body" idx="1"/>
+          </p:nvPr>
+        </p:nvSpPr>
+        <p:spPr/>
+        <p:txBody>
+          <a:bodyPr/>
+          <a:lstStyle/>
+          <a:p>
+            <a:endParaRPr kumimoji="1" lang="ko-Kore-KR" altLang="en-US" dirty="0"/>
+          </a:p>
+        </p:txBody>
+      </p:sp>
+      <p:sp>
+        <p:nvSpPr>
+          <p:cNvPr id="4" name="슬라이드 번호 개체 틀 3"/>
+          <p:cNvSpPr>
+            <a:spLocks noGrp="1"/>
+          </p:cNvSpPr>
+          <p:nvPr>
+            <p:ph type="sldNum" sz="quarter" idx="5"/>
+          </p:nvPr>
+        </p:nvSpPr>
+        <p:spPr/>
+        <p:txBody>
+          <a:bodyPr/>
+          <a:lstStyle/>
+          <a:p>
+            <a:fld id="{796A67B0-16AB-465B-8292-01C81A41391B}" type="slidenum">
+              <a:rPr lang="ko-KR" altLang="en-US" smtClean="0"/>
               <a:t>9</a:t>
             </a:fld>
             <a:endParaRPr lang="ko-KR" altLang="en-US"/>
@@ -755,7 +844,7 @@
 </file>
 
 <file path=ppt/slideLayouts/slideLayout1.xml><?xml version="1.0" encoding="utf-8"?>
-<p:sldLayout xmlns:a="http://schemas.openxmlformats.org/drawingml/2006/main" xmlns:r="http://schemas.openxmlformats.org/officeDocument/2006/relationships" xmlns:p="http://schemas.openxmlformats.org/presentationml/2006/main" type="title" preserve="1">
+<p:sldLayout xmlns:a="http://schemas.openxmlformats.org/drawingml/2006/main" xmlns:r="http://schemas.openxmlformats.org/officeDocument/2006/relationships" xmlns:p="http://schemas.openxmlformats.org/presentationml/2006/main" showMasterSp="0" type="title" preserve="1">
   <p:cSld name="제목 슬라이드">
     <p:spTree>
       <p:nvGrpSpPr>
@@ -773,85 +862,416 @@
       </p:grpSpPr>
       <p:sp>
         <p:nvSpPr>
-          <p:cNvPr id="2" name="제목 1"/>
+          <p:cNvPr id="7" name="Rectangle 6"/>
+          <p:cNvSpPr/>
+          <p:nvPr/>
+        </p:nvSpPr>
+        <p:spPr>
+          <a:xfrm>
+            <a:off x="685800" y="1346947"/>
+            <a:ext cx="7772400" cy="80683"/>
+          </a:xfrm>
+          <a:prstGeom prst="rect">
+            <a:avLst/>
+          </a:prstGeom>
+          <a:blipFill dpi="0" rotWithShape="1">
+            <a:blip r:embed="rId2">
+              <a:alphaModFix amt="80000"/>
+              <a:lum bright="70000" contrast="-70000"/>
+              <a:extLst>
+                <a:ext uri="{BEBA8EAE-BF5A-486C-A8C5-ECC9F3942E4B}">
+                  <a14:imgProps xmlns:a14="http://schemas.microsoft.com/office/drawing/2010/main">
+                    <a14:imgLayer r:embed="rId3">
+                      <a14:imgEffect>
+                        <a14:sharpenSoften amount="61000"/>
+                      </a14:imgEffect>
+                    </a14:imgLayer>
+                  </a14:imgProps>
+                </a:ext>
+                <a:ext uri="{28A0092B-C50C-407E-A947-70E740481C1C}">
+                  <a14:useLocalDpi xmlns:a14="http://schemas.microsoft.com/office/drawing/2010/main" val="0"/>
+                </a:ext>
+              </a:extLst>
+            </a:blip>
+            <a:srcRect/>
+            <a:tile tx="0" ty="-762000" sx="92000" sy="89000" flip="xy" algn="ctr"/>
+          </a:blipFill>
+          <a:ln>
+            <a:noFill/>
+          </a:ln>
+        </p:spPr>
+        <p:style>
+          <a:lnRef idx="2">
+            <a:schemeClr val="accent1">
+              <a:shade val="50000"/>
+            </a:schemeClr>
+          </a:lnRef>
+          <a:fillRef idx="1">
+            <a:schemeClr val="accent1"/>
+          </a:fillRef>
+          <a:effectRef idx="0">
+            <a:schemeClr val="accent1"/>
+          </a:effectRef>
+          <a:fontRef idx="minor">
+            <a:schemeClr val="lt1"/>
+          </a:fontRef>
+        </p:style>
+        <p:txBody>
+          <a:bodyPr rtlCol="0" anchor="ctr"/>
+          <a:lstStyle/>
+          <a:p>
+            <a:pPr algn="ctr"/>
+            <a:endParaRPr lang="en-US"/>
+          </a:p>
+        </p:txBody>
+      </p:sp>
+      <p:sp>
+        <p:nvSpPr>
+          <p:cNvPr id="8" name="Rectangle 7"/>
+          <p:cNvSpPr/>
+          <p:nvPr/>
+        </p:nvSpPr>
+        <p:spPr>
+          <a:xfrm>
+            <a:off x="685800" y="4282763"/>
+            <a:ext cx="7772400" cy="80683"/>
+          </a:xfrm>
+          <a:prstGeom prst="rect">
+            <a:avLst/>
+          </a:prstGeom>
+          <a:blipFill dpi="0" rotWithShape="1">
+            <a:blip r:embed="rId2">
+              <a:alphaModFix amt="80000"/>
+              <a:lum bright="70000" contrast="-70000"/>
+              <a:extLst>
+                <a:ext uri="{BEBA8EAE-BF5A-486C-A8C5-ECC9F3942E4B}">
+                  <a14:imgProps xmlns:a14="http://schemas.microsoft.com/office/drawing/2010/main">
+                    <a14:imgLayer r:embed="rId3">
+                      <a14:imgEffect>
+                        <a14:sharpenSoften amount="61000"/>
+                      </a14:imgEffect>
+                    </a14:imgLayer>
+                  </a14:imgProps>
+                </a:ext>
+                <a:ext uri="{28A0092B-C50C-407E-A947-70E740481C1C}">
+                  <a14:useLocalDpi xmlns:a14="http://schemas.microsoft.com/office/drawing/2010/main" val="0"/>
+                </a:ext>
+              </a:extLst>
+            </a:blip>
+            <a:srcRect/>
+            <a:tile tx="0" ty="-717550" sx="92000" sy="89000" flip="xy" algn="ctr"/>
+          </a:blipFill>
+          <a:ln>
+            <a:noFill/>
+          </a:ln>
+        </p:spPr>
+        <p:style>
+          <a:lnRef idx="2">
+            <a:schemeClr val="accent1">
+              <a:shade val="50000"/>
+            </a:schemeClr>
+          </a:lnRef>
+          <a:fillRef idx="1">
+            <a:schemeClr val="accent1"/>
+          </a:fillRef>
+          <a:effectRef idx="0">
+            <a:schemeClr val="accent1"/>
+          </a:effectRef>
+          <a:fontRef idx="minor">
+            <a:schemeClr val="lt1"/>
+          </a:fontRef>
+        </p:style>
+        <p:txBody>
+          <a:bodyPr rtlCol="0" anchor="ctr"/>
+          <a:lstStyle/>
+          <a:p>
+            <a:pPr algn="ctr"/>
+            <a:endParaRPr lang="en-US"/>
+          </a:p>
+        </p:txBody>
+      </p:sp>
+      <p:sp>
+        <p:nvSpPr>
+          <p:cNvPr id="9" name="Rectangle 8"/>
+          <p:cNvSpPr/>
+          <p:nvPr/>
+        </p:nvSpPr>
+        <p:spPr>
+          <a:xfrm>
+            <a:off x="685800" y="1484779"/>
+            <a:ext cx="7772400" cy="2743200"/>
+          </a:xfrm>
+          <a:prstGeom prst="rect">
+            <a:avLst/>
+          </a:prstGeom>
+          <a:blipFill dpi="0" rotWithShape="1">
+            <a:blip r:embed="rId2">
+              <a:alphaModFix amt="80000"/>
+              <a:lum bright="70000" contrast="-70000"/>
+              <a:extLst>
+                <a:ext uri="{BEBA8EAE-BF5A-486C-A8C5-ECC9F3942E4B}">
+                  <a14:imgProps xmlns:a14="http://schemas.microsoft.com/office/drawing/2010/main">
+                    <a14:imgLayer r:embed="rId3">
+                      <a14:imgEffect>
+                        <a14:sharpenSoften amount="61000"/>
+                      </a14:imgEffect>
+                    </a14:imgLayer>
+                  </a14:imgProps>
+                </a:ext>
+                <a:ext uri="{28A0092B-C50C-407E-A947-70E740481C1C}">
+                  <a14:useLocalDpi xmlns:a14="http://schemas.microsoft.com/office/drawing/2010/main" val="0"/>
+                </a:ext>
+              </a:extLst>
+            </a:blip>
+            <a:srcRect/>
+            <a:tile tx="0" ty="-704850" sx="92000" sy="89000" flip="xy" algn="ctr"/>
+          </a:blipFill>
+          <a:ln>
+            <a:noFill/>
+          </a:ln>
+        </p:spPr>
+        <p:style>
+          <a:lnRef idx="2">
+            <a:schemeClr val="accent1">
+              <a:shade val="50000"/>
+            </a:schemeClr>
+          </a:lnRef>
+          <a:fillRef idx="1">
+            <a:schemeClr val="accent1"/>
+          </a:fillRef>
+          <a:effectRef idx="0">
+            <a:schemeClr val="accent1"/>
+          </a:effectRef>
+          <a:fontRef idx="minor">
+            <a:schemeClr val="lt1"/>
+          </a:fontRef>
+        </p:style>
+        <p:txBody>
+          <a:bodyPr rtlCol="0" anchor="ctr"/>
+          <a:lstStyle/>
+          <a:p>
+            <a:pPr algn="ctr"/>
+            <a:endParaRPr lang="en-US"/>
+          </a:p>
+        </p:txBody>
+      </p:sp>
+      <p:grpSp>
+        <p:nvGrpSpPr>
+          <p:cNvPr id="10" name="Group 9"/>
+          <p:cNvGrpSpPr>
+            <a:grpSpLocks noChangeAspect="1"/>
+          </p:cNvGrpSpPr>
+          <p:nvPr/>
+        </p:nvGrpSpPr>
+        <p:grpSpPr>
+          <a:xfrm>
+            <a:off x="7234780" y="4107023"/>
+            <a:ext cx="914400" cy="914400"/>
+            <a:chOff x="9685338" y="4460675"/>
+            <a:chExt cx="1080904" cy="1080902"/>
+          </a:xfrm>
+        </p:grpSpPr>
+        <p:sp>
+          <p:nvSpPr>
+            <p:cNvPr id="11" name="Oval 10"/>
+            <p:cNvSpPr/>
+            <p:nvPr/>
+          </p:nvSpPr>
+          <p:spPr>
+            <a:xfrm>
+              <a:off x="9685338" y="4460675"/>
+              <a:ext cx="1080904" cy="1080902"/>
+            </a:xfrm>
+            <a:prstGeom prst="ellipse">
+              <a:avLst/>
+            </a:prstGeom>
+            <a:blipFill dpi="0" rotWithShape="1">
+              <a:blip r:embed="rId4">
+                <a:duotone>
+                  <a:schemeClr val="accent1">
+                    <a:shade val="45000"/>
+                    <a:satMod val="135000"/>
+                  </a:schemeClr>
+                  <a:prstClr val="white"/>
+                </a:duotone>
+                <a:extLst>
+                  <a:ext uri="{BEBA8EAE-BF5A-486C-A8C5-ECC9F3942E4B}">
+                    <a14:imgProps xmlns:a14="http://schemas.microsoft.com/office/drawing/2010/main">
+                      <a14:imgLayer r:embed="rId5">
+                        <a14:imgEffect>
+                          <a14:saturation sat="95000"/>
+                        </a14:imgEffect>
+                      </a14:imgLayer>
+                    </a14:imgProps>
+                  </a:ext>
+                </a:extLst>
+              </a:blip>
+              <a:srcRect/>
+              <a:tile tx="0" ty="0" sx="85000" sy="85000" flip="none" algn="tl"/>
+            </a:blipFill>
+            <a:ln w="25400" cap="flat" cmpd="sng" algn="ctr">
+              <a:noFill/>
+              <a:prstDash val="solid"/>
+            </a:ln>
+            <a:effectLst/>
+          </p:spPr>
+          <p:txBody>
+            <a:bodyPr lIns="0" tIns="0" rIns="0" bIns="0" rtlCol="0" anchor="ctr"/>
+            <a:lstStyle/>
+            <a:p>
+              <a:pPr marL="0" marR="0" lvl="0" indent="0" algn="ctr" defTabSz="914400" eaLnBrk="1" fontAlgn="auto" latinLnBrk="0" hangingPunct="1">
+                <a:lnSpc>
+                  <a:spcPct val="100000"/>
+                </a:lnSpc>
+                <a:spcBef>
+                  <a:spcPts val="0"/>
+                </a:spcBef>
+                <a:spcAft>
+                  <a:spcPts val="0"/>
+                </a:spcAft>
+                <a:buClrTx/>
+                <a:buSzTx/>
+                <a:buFontTx/>
+                <a:buNone/>
+                <a:tabLst/>
+                <a:defRPr/>
+              </a:pPr>
+              <a:endParaRPr kumimoji="0" lang="en-US" sz="2000" b="0" i="0" u="none" strike="noStrike" kern="0" cap="none" spc="0" normalizeH="0" baseline="0" noProof="0" dirty="0">
+                <a:ln>
+                  <a:noFill/>
+                </a:ln>
+                <a:solidFill>
+                  <a:prstClr val="white"/>
+                </a:solidFill>
+                <a:effectLst/>
+                <a:uLnTx/>
+                <a:uFillTx/>
+                <a:latin typeface="Rockwell Extra Bold" pitchFamily="18" charset="0"/>
+                <a:ea typeface="+mn-ea"/>
+                <a:cs typeface="+mn-cs"/>
+              </a:endParaRPr>
+            </a:p>
+          </p:txBody>
+        </p:sp>
+        <p:sp>
+          <p:nvSpPr>
+            <p:cNvPr id="12" name="Oval 11"/>
+            <p:cNvSpPr/>
+            <p:nvPr/>
+          </p:nvSpPr>
+          <p:spPr>
+            <a:xfrm>
+              <a:off x="9793429" y="4568765"/>
+              <a:ext cx="864723" cy="864722"/>
+            </a:xfrm>
+            <a:prstGeom prst="ellipse">
+              <a:avLst/>
+            </a:prstGeom>
+            <a:noFill/>
+            <a:ln w="25400" cap="flat" cmpd="sng" algn="ctr">
+              <a:solidFill>
+                <a:sysClr val="window" lastClr="FFFFFF"/>
+              </a:solidFill>
+              <a:prstDash val="solid"/>
+            </a:ln>
+            <a:effectLst/>
+          </p:spPr>
+          <p:txBody>
+            <a:bodyPr rtlCol="0" anchor="ctr"/>
+            <a:lstStyle/>
+            <a:p>
+              <a:pPr marL="0" marR="0" lvl="0" indent="0" algn="ctr" defTabSz="914400" eaLnBrk="1" fontAlgn="auto" latinLnBrk="0" hangingPunct="1">
+                <a:lnSpc>
+                  <a:spcPct val="100000"/>
+                </a:lnSpc>
+                <a:spcBef>
+                  <a:spcPts val="0"/>
+                </a:spcBef>
+                <a:spcAft>
+                  <a:spcPts val="0"/>
+                </a:spcAft>
+                <a:buClrTx/>
+                <a:buSzTx/>
+                <a:buFontTx/>
+                <a:buNone/>
+                <a:tabLst/>
+                <a:defRPr/>
+              </a:pPr>
+              <a:endParaRPr kumimoji="0" lang="en-US" sz="1800" b="0" i="0" u="none" strike="noStrike" kern="0" cap="none" spc="0" normalizeH="0" baseline="0" noProof="0" dirty="0">
+                <a:ln>
+                  <a:noFill/>
+                </a:ln>
+                <a:solidFill>
+                  <a:prstClr val="white"/>
+                </a:solidFill>
+                <a:effectLst/>
+                <a:uLnTx/>
+                <a:uFillTx/>
+                <a:latin typeface="Calibri"/>
+                <a:ea typeface="+mn-ea"/>
+                <a:cs typeface="+mn-cs"/>
+              </a:endParaRPr>
+            </a:p>
+          </p:txBody>
+        </p:sp>
+      </p:grpSp>
+      <p:sp>
+        <p:nvSpPr>
+          <p:cNvPr id="2" name="Title 1"/>
           <p:cNvSpPr>
             <a:spLocks noGrp="1"/>
           </p:cNvSpPr>
           <p:nvPr>
-            <p:ph type="ctrTitle" hasCustomPrompt="1"/>
+            <p:ph type="ctrTitle"/>
           </p:nvPr>
         </p:nvSpPr>
         <p:spPr>
           <a:xfrm>
-            <a:off x="539552" y="1628801"/>
-            <a:ext cx="7772400" cy="792087"/>
+            <a:off x="788670" y="1432223"/>
+            <a:ext cx="7593330" cy="3035808"/>
           </a:xfrm>
         </p:spPr>
         <p:txBody>
-          <a:bodyPr>
-            <a:normAutofit/>
-            <a:scene3d>
-              <a:camera prst="orthographicFront">
-                <a:rot lat="0" lon="0" rev="0"/>
-              </a:camera>
-              <a:lightRig rig="contrasting" dir="t">
-                <a:rot lat="0" lon="0" rev="4500000"/>
-              </a:lightRig>
-            </a:scene3d>
-            <a:sp3d contourW="6350" prstMaterial="metal">
-              <a:bevelT w="127000" h="31750" prst="relaxedInset"/>
-              <a:contourClr>
-                <a:schemeClr val="accent1">
-                  <a:shade val="75000"/>
-                </a:schemeClr>
-              </a:contourClr>
-            </a:sp3d>
+          <a:bodyPr anchor="ctr">
+            <a:noAutofit/>
           </a:bodyPr>
           <a:lstStyle>
             <a:lvl1pPr algn="l">
-              <a:defRPr sz="3200" b="1" cap="all" spc="0">
-                <a:ln w="0">
-                  <a:solidFill>
-                    <a:schemeClr val="accent6">
-                      <a:lumMod val="50000"/>
-                    </a:schemeClr>
-                  </a:solidFill>
-                </a:ln>
-                <a:solidFill>
-                  <a:schemeClr val="accent6">
-                    <a:lumMod val="75000"/>
-                  </a:schemeClr>
-                </a:solidFill>
-                <a:effectLst>
-                  <a:reflection blurRad="12700" stA="50000" endPos="50000" dist="5000" dir="5400000" sy="-100000" rotWithShape="0"/>
-                </a:effectLst>
-                <a:latin typeface="나눔고딕" pitchFamily="50" charset="-127"/>
-                <a:ea typeface="나눔고딕" pitchFamily="50" charset="-127"/>
+              <a:lnSpc>
+                <a:spcPct val="80000"/>
+              </a:lnSpc>
+              <a:defRPr sz="6400" b="0" cap="all" baseline="0">
+                <a:blipFill dpi="0" rotWithShape="1">
+                  <a:blip r:embed="rId4"/>
+                  <a:srcRect/>
+                  <a:tile tx="6350" ty="-127000" sx="65000" sy="64000" flip="none" algn="tl"/>
+                </a:blipFill>
               </a:defRPr>
             </a:lvl1pPr>
           </a:lstStyle>
           <a:p>
             <a:r>
-              <a:rPr lang="ko-KR" altLang="en-US" dirty="0"/>
-              <a:t>포트폴리오제목</a:t>
-            </a:r>
-          </a:p>
-        </p:txBody>
-      </p:sp>
-      <p:sp>
-        <p:nvSpPr>
-          <p:cNvPr id="3" name="부제목 2"/>
+              <a:rPr lang="ko-KR" altLang="en-US"/>
+              <a:t>마스터 제목 스타일 편집</a:t>
+            </a:r>
+            <a:endParaRPr lang="en-US" dirty="0"/>
+          </a:p>
+        </p:txBody>
+      </p:sp>
+      <p:sp>
+        <p:nvSpPr>
+          <p:cNvPr id="3" name="Subtitle 2"/>
           <p:cNvSpPr>
             <a:spLocks noGrp="1"/>
           </p:cNvSpPr>
           <p:nvPr>
-            <p:ph type="subTitle" idx="1" hasCustomPrompt="1"/>
+            <p:ph type="subTitle" idx="1"/>
           </p:nvPr>
         </p:nvSpPr>
         <p:spPr>
           <a:xfrm>
-            <a:off x="539552" y="2420888"/>
-            <a:ext cx="6400800" cy="1752600"/>
+            <a:off x="802386" y="4389120"/>
+            <a:ext cx="5918454" cy="1069848"/>
           </a:xfrm>
         </p:spPr>
         <p:txBody>
@@ -861,121 +1281,57 @@
           <a:lstStyle>
             <a:lvl1pPr marL="0" indent="0" algn="l">
               <a:buNone/>
-              <a:defRPr sz="1800">
+              <a:defRPr sz="1800" b="0">
                 <a:solidFill>
-                  <a:srgbClr val="002060"/>
+                  <a:schemeClr val="tx1"/>
                 </a:solidFill>
-                <a:latin typeface="나눔고딕" pitchFamily="50" charset="-127"/>
-                <a:ea typeface="나눔고딕" pitchFamily="50" charset="-127"/>
               </a:defRPr>
             </a:lvl1pPr>
             <a:lvl2pPr marL="457200" indent="0" algn="ctr">
               <a:buNone/>
-              <a:defRPr>
-                <a:solidFill>
-                  <a:schemeClr val="tx1">
-                    <a:tint val="75000"/>
-                  </a:schemeClr>
-                </a:solidFill>
-              </a:defRPr>
+              <a:defRPr sz="2800"/>
             </a:lvl2pPr>
             <a:lvl3pPr marL="914400" indent="0" algn="ctr">
               <a:buNone/>
-              <a:defRPr>
-                <a:solidFill>
-                  <a:schemeClr val="tx1">
-                    <a:tint val="75000"/>
-                  </a:schemeClr>
-                </a:solidFill>
-              </a:defRPr>
+              <a:defRPr sz="2400"/>
             </a:lvl3pPr>
             <a:lvl4pPr marL="1371600" indent="0" algn="ctr">
               <a:buNone/>
-              <a:defRPr>
-                <a:solidFill>
-                  <a:schemeClr val="tx1">
-                    <a:tint val="75000"/>
-                  </a:schemeClr>
-                </a:solidFill>
-              </a:defRPr>
+              <a:defRPr sz="2000"/>
             </a:lvl4pPr>
             <a:lvl5pPr marL="1828800" indent="0" algn="ctr">
               <a:buNone/>
-              <a:defRPr>
-                <a:solidFill>
-                  <a:schemeClr val="tx1">
-                    <a:tint val="75000"/>
-                  </a:schemeClr>
-                </a:solidFill>
-              </a:defRPr>
+              <a:defRPr sz="2000"/>
             </a:lvl5pPr>
             <a:lvl6pPr marL="2286000" indent="0" algn="ctr">
               <a:buNone/>
-              <a:defRPr>
-                <a:solidFill>
-                  <a:schemeClr val="tx1">
-                    <a:tint val="75000"/>
-                  </a:schemeClr>
-                </a:solidFill>
-              </a:defRPr>
+              <a:defRPr sz="2000"/>
             </a:lvl6pPr>
             <a:lvl7pPr marL="2743200" indent="0" algn="ctr">
               <a:buNone/>
-              <a:defRPr>
-                <a:solidFill>
-                  <a:schemeClr val="tx1">
-                    <a:tint val="75000"/>
-                  </a:schemeClr>
-                </a:solidFill>
-              </a:defRPr>
+              <a:defRPr sz="2000"/>
             </a:lvl7pPr>
             <a:lvl8pPr marL="3200400" indent="0" algn="ctr">
               <a:buNone/>
-              <a:defRPr>
-                <a:solidFill>
-                  <a:schemeClr val="tx1">
-                    <a:tint val="75000"/>
-                  </a:schemeClr>
-                </a:solidFill>
-              </a:defRPr>
+              <a:defRPr sz="2000"/>
             </a:lvl8pPr>
             <a:lvl9pPr marL="3657600" indent="0" algn="ctr">
               <a:buNone/>
-              <a:defRPr>
-                <a:solidFill>
-                  <a:schemeClr val="tx1">
-                    <a:tint val="75000"/>
-                  </a:schemeClr>
-                </a:solidFill>
-              </a:defRPr>
+              <a:defRPr sz="2000"/>
             </a:lvl9pPr>
           </a:lstStyle>
           <a:p>
             <a:r>
-              <a:rPr lang="ko-KR" altLang="en-US" dirty="0"/>
-              <a:t>작성 날짜 </a:t>
-            </a:r>
-            <a:r>
-              <a:rPr lang="en-US" altLang="ko-KR" dirty="0"/>
-              <a:t>: 20XX-MM-DD</a:t>
-            </a:r>
-          </a:p>
-          <a:p>
-            <a:r>
-              <a:rPr lang="ko-KR" altLang="en-US" dirty="0"/>
-              <a:t>작성자 </a:t>
-            </a:r>
-            <a:r>
-              <a:rPr lang="en-US" altLang="ko-KR" dirty="0"/>
-              <a:t>: OOO</a:t>
-            </a:r>
-            <a:endParaRPr lang="ko-KR" altLang="en-US" dirty="0"/>
-          </a:p>
-        </p:txBody>
-      </p:sp>
-      <p:sp>
-        <p:nvSpPr>
-          <p:cNvPr id="4" name="날짜 개체 틀 3"/>
+              <a:rPr lang="ko-KR" altLang="en-US"/>
+              <a:t>클릭하여 마스터 부제목 스타일 편집</a:t>
+            </a:r>
+            <a:endParaRPr lang="en-US" dirty="0"/>
+          </a:p>
+        </p:txBody>
+      </p:sp>
+      <p:sp>
+        <p:nvSpPr>
+          <p:cNvPr id="4" name="Date Placeholder 3"/>
           <p:cNvSpPr>
             <a:spLocks noGrp="1"/>
           </p:cNvSpPr>
@@ -998,7 +1354,7 @@
       </p:sp>
       <p:sp>
         <p:nvSpPr>
-          <p:cNvPr id="5" name="바닥글 개체 틀 4"/>
+          <p:cNvPr id="5" name="Footer Placeholder 4"/>
           <p:cNvSpPr>
             <a:spLocks noGrp="1"/>
           </p:cNvSpPr>
@@ -1006,7 +1362,12 @@
             <p:ph type="ftr" sz="quarter" idx="11"/>
           </p:nvPr>
         </p:nvSpPr>
-        <p:spPr/>
+        <p:spPr>
+          <a:xfrm>
+            <a:off x="812805" y="6272785"/>
+            <a:ext cx="4745736" cy="365125"/>
+          </a:xfrm>
+        </p:spPr>
         <p:txBody>
           <a:bodyPr/>
           <a:lstStyle/>
@@ -1017,7 +1378,7 @@
       </p:sp>
       <p:sp>
         <p:nvSpPr>
-          <p:cNvPr id="6" name="슬라이드 번호 개체 틀 5"/>
+          <p:cNvPr id="6" name="Slide Number Placeholder 5"/>
           <p:cNvSpPr>
             <a:spLocks noGrp="1"/>
           </p:cNvSpPr>
@@ -1025,10 +1386,19 @@
             <p:ph type="sldNum" sz="quarter" idx="12"/>
           </p:nvPr>
         </p:nvSpPr>
-        <p:spPr/>
+        <p:spPr>
+          <a:xfrm>
+            <a:off x="7244280" y="4227195"/>
+            <a:ext cx="895401" cy="640080"/>
+          </a:xfrm>
+        </p:spPr>
         <p:txBody>
           <a:bodyPr/>
-          <a:lstStyle/>
+          <a:lstStyle>
+            <a:lvl1pPr>
+              <a:defRPr sz="2800" b="1"/>
+            </a:lvl1pPr>
+          </a:lstStyle>
           <a:p>
             <a:fld id="{4655D361-B732-4CD6-8B12-FDB6C56F7EA5}" type="slidenum">
               <a:rPr lang="ko-KR" altLang="en-US" smtClean="0"/>
@@ -1041,7 +1411,7 @@
     </p:spTree>
     <p:extLst>
       <p:ext uri="{BB962C8B-B14F-4D97-AF65-F5344CB8AC3E}">
-        <p14:creationId xmlns:p14="http://schemas.microsoft.com/office/powerpoint/2010/main" val="3663092445"/>
+        <p14:creationId xmlns:p14="http://schemas.microsoft.com/office/powerpoint/2010/main" val="212396397"/>
       </p:ext>
     </p:extLst>
   </p:cSld>
@@ -1052,258 +1422,6 @@
 </file>
 
 <file path=ppt/slideLayouts/slideLayout10.xml><?xml version="1.0" encoding="utf-8"?>
-<p:sldLayout xmlns:a="http://schemas.openxmlformats.org/drawingml/2006/main" xmlns:r="http://schemas.openxmlformats.org/officeDocument/2006/relationships" xmlns:p="http://schemas.openxmlformats.org/presentationml/2006/main" type="picTx" preserve="1">
-  <p:cSld name="캡션 있는 그림">
-    <p:spTree>
-      <p:nvGrpSpPr>
-        <p:cNvPr id="1" name=""/>
-        <p:cNvGrpSpPr/>
-        <p:nvPr/>
-      </p:nvGrpSpPr>
-      <p:grpSpPr>
-        <a:xfrm>
-          <a:off x="0" y="0"/>
-          <a:ext cx="0" cy="0"/>
-          <a:chOff x="0" y="0"/>
-          <a:chExt cx="0" cy="0"/>
-        </a:xfrm>
-      </p:grpSpPr>
-      <p:sp>
-        <p:nvSpPr>
-          <p:cNvPr id="2" name="제목 1"/>
-          <p:cNvSpPr>
-            <a:spLocks noGrp="1"/>
-          </p:cNvSpPr>
-          <p:nvPr>
-            <p:ph type="title"/>
-          </p:nvPr>
-        </p:nvSpPr>
-        <p:spPr>
-          <a:xfrm>
-            <a:off x="1792288" y="4800600"/>
-            <a:ext cx="5486400" cy="566738"/>
-          </a:xfrm>
-        </p:spPr>
-        <p:txBody>
-          <a:bodyPr anchor="b"/>
-          <a:lstStyle>
-            <a:lvl1pPr algn="l">
-              <a:defRPr sz="2000" b="1"/>
-            </a:lvl1pPr>
-          </a:lstStyle>
-          <a:p>
-            <a:r>
-              <a:rPr lang="ko-KR" altLang="en-US"/>
-              <a:t>마스터 제목 스타일 편집</a:t>
-            </a:r>
-          </a:p>
-        </p:txBody>
-      </p:sp>
-      <p:sp>
-        <p:nvSpPr>
-          <p:cNvPr id="3" name="그림 개체 틀 2"/>
-          <p:cNvSpPr>
-            <a:spLocks noGrp="1"/>
-          </p:cNvSpPr>
-          <p:nvPr>
-            <p:ph type="pic" idx="1"/>
-          </p:nvPr>
-        </p:nvSpPr>
-        <p:spPr>
-          <a:xfrm>
-            <a:off x="1792288" y="612775"/>
-            <a:ext cx="5486400" cy="4114800"/>
-          </a:xfrm>
-        </p:spPr>
-        <p:txBody>
-          <a:bodyPr/>
-          <a:lstStyle>
-            <a:lvl1pPr marL="0" indent="0">
-              <a:buNone/>
-              <a:defRPr sz="3200"/>
-            </a:lvl1pPr>
-            <a:lvl2pPr marL="457200" indent="0">
-              <a:buNone/>
-              <a:defRPr sz="2800"/>
-            </a:lvl2pPr>
-            <a:lvl3pPr marL="914400" indent="0">
-              <a:buNone/>
-              <a:defRPr sz="2400"/>
-            </a:lvl3pPr>
-            <a:lvl4pPr marL="1371600" indent="0">
-              <a:buNone/>
-              <a:defRPr sz="2000"/>
-            </a:lvl4pPr>
-            <a:lvl5pPr marL="1828800" indent="0">
-              <a:buNone/>
-              <a:defRPr sz="2000"/>
-            </a:lvl5pPr>
-            <a:lvl6pPr marL="2286000" indent="0">
-              <a:buNone/>
-              <a:defRPr sz="2000"/>
-            </a:lvl6pPr>
-            <a:lvl7pPr marL="2743200" indent="0">
-              <a:buNone/>
-              <a:defRPr sz="2000"/>
-            </a:lvl7pPr>
-            <a:lvl8pPr marL="3200400" indent="0">
-              <a:buNone/>
-              <a:defRPr sz="2000"/>
-            </a:lvl8pPr>
-            <a:lvl9pPr marL="3657600" indent="0">
-              <a:buNone/>
-              <a:defRPr sz="2000"/>
-            </a:lvl9pPr>
-          </a:lstStyle>
-          <a:p>
-            <a:endParaRPr lang="ko-KR" altLang="en-US"/>
-          </a:p>
-        </p:txBody>
-      </p:sp>
-      <p:sp>
-        <p:nvSpPr>
-          <p:cNvPr id="4" name="텍스트 개체 틀 3"/>
-          <p:cNvSpPr>
-            <a:spLocks noGrp="1"/>
-          </p:cNvSpPr>
-          <p:nvPr>
-            <p:ph type="body" sz="half" idx="2"/>
-          </p:nvPr>
-        </p:nvSpPr>
-        <p:spPr>
-          <a:xfrm>
-            <a:off x="1792288" y="5367338"/>
-            <a:ext cx="5486400" cy="804862"/>
-          </a:xfrm>
-        </p:spPr>
-        <p:txBody>
-          <a:bodyPr/>
-          <a:lstStyle>
-            <a:lvl1pPr marL="0" indent="0">
-              <a:buNone/>
-              <a:defRPr sz="1400"/>
-            </a:lvl1pPr>
-            <a:lvl2pPr marL="457200" indent="0">
-              <a:buNone/>
-              <a:defRPr sz="1200"/>
-            </a:lvl2pPr>
-            <a:lvl3pPr marL="914400" indent="0">
-              <a:buNone/>
-              <a:defRPr sz="1000"/>
-            </a:lvl3pPr>
-            <a:lvl4pPr marL="1371600" indent="0">
-              <a:buNone/>
-              <a:defRPr sz="900"/>
-            </a:lvl4pPr>
-            <a:lvl5pPr marL="1828800" indent="0">
-              <a:buNone/>
-              <a:defRPr sz="900"/>
-            </a:lvl5pPr>
-            <a:lvl6pPr marL="2286000" indent="0">
-              <a:buNone/>
-              <a:defRPr sz="900"/>
-            </a:lvl6pPr>
-            <a:lvl7pPr marL="2743200" indent="0">
-              <a:buNone/>
-              <a:defRPr sz="900"/>
-            </a:lvl7pPr>
-            <a:lvl8pPr marL="3200400" indent="0">
-              <a:buNone/>
-              <a:defRPr sz="900"/>
-            </a:lvl8pPr>
-            <a:lvl9pPr marL="3657600" indent="0">
-              <a:buNone/>
-              <a:defRPr sz="900"/>
-            </a:lvl9pPr>
-          </a:lstStyle>
-          <a:p>
-            <a:pPr lvl="0"/>
-            <a:r>
-              <a:rPr lang="ko-KR" altLang="en-US"/>
-              <a:t>마스터 텍스트 스타일을 편집합니다</a:t>
-            </a:r>
-          </a:p>
-        </p:txBody>
-      </p:sp>
-      <p:sp>
-        <p:nvSpPr>
-          <p:cNvPr id="5" name="날짜 개체 틀 4"/>
-          <p:cNvSpPr>
-            <a:spLocks noGrp="1"/>
-          </p:cNvSpPr>
-          <p:nvPr>
-            <p:ph type="dt" sz="half" idx="10"/>
-          </p:nvPr>
-        </p:nvSpPr>
-        <p:spPr/>
-        <p:txBody>
-          <a:bodyPr/>
-          <a:lstStyle/>
-          <a:p>
-            <a:fld id="{606CF9F9-D6A0-44AF-9347-9D35EE806363}" type="datetimeFigureOut">
-              <a:rPr lang="ko-KR" altLang="en-US" smtClean="0"/>
-              <a:t>2021. 11. 1.</a:t>
-            </a:fld>
-            <a:endParaRPr lang="ko-KR" altLang="en-US"/>
-          </a:p>
-        </p:txBody>
-      </p:sp>
-      <p:sp>
-        <p:nvSpPr>
-          <p:cNvPr id="6" name="바닥글 개체 틀 5"/>
-          <p:cNvSpPr>
-            <a:spLocks noGrp="1"/>
-          </p:cNvSpPr>
-          <p:nvPr>
-            <p:ph type="ftr" sz="quarter" idx="11"/>
-          </p:nvPr>
-        </p:nvSpPr>
-        <p:spPr/>
-        <p:txBody>
-          <a:bodyPr/>
-          <a:lstStyle/>
-          <a:p>
-            <a:endParaRPr lang="ko-KR" altLang="en-US"/>
-          </a:p>
-        </p:txBody>
-      </p:sp>
-      <p:sp>
-        <p:nvSpPr>
-          <p:cNvPr id="7" name="슬라이드 번호 개체 틀 6"/>
-          <p:cNvSpPr>
-            <a:spLocks noGrp="1"/>
-          </p:cNvSpPr>
-          <p:nvPr>
-            <p:ph type="sldNum" sz="quarter" idx="12"/>
-          </p:nvPr>
-        </p:nvSpPr>
-        <p:spPr/>
-        <p:txBody>
-          <a:bodyPr/>
-          <a:lstStyle/>
-          <a:p>
-            <a:fld id="{4655D361-B732-4CD6-8B12-FDB6C56F7EA5}" type="slidenum">
-              <a:rPr lang="ko-KR" altLang="en-US" smtClean="0"/>
-              <a:t>‹#›</a:t>
-            </a:fld>
-            <a:endParaRPr lang="ko-KR" altLang="en-US"/>
-          </a:p>
-        </p:txBody>
-      </p:sp>
-    </p:spTree>
-    <p:extLst>
-      <p:ext uri="{BB962C8B-B14F-4D97-AF65-F5344CB8AC3E}">
-        <p14:creationId xmlns:p14="http://schemas.microsoft.com/office/powerpoint/2010/main" val="238969907"/>
-      </p:ext>
-    </p:extLst>
-  </p:cSld>
-  <p:clrMapOvr>
-    <a:masterClrMapping/>
-  </p:clrMapOvr>
-</p:sldLayout>
-</file>
-
-<file path=ppt/slideLayouts/slideLayout11.xml><?xml version="1.0" encoding="utf-8"?>
 <p:sldLayout xmlns:a="http://schemas.openxmlformats.org/drawingml/2006/main" xmlns:r="http://schemas.openxmlformats.org/officeDocument/2006/relationships" xmlns:p="http://schemas.openxmlformats.org/presentationml/2006/main" type="vertTx" preserve="1">
   <p:cSld name="제목 및 세로 텍스트">
     <p:spTree>
@@ -1322,7 +1440,7 @@
       </p:grpSpPr>
       <p:sp>
         <p:nvSpPr>
-          <p:cNvPr id="2" name="제목 1"/>
+          <p:cNvPr id="2" name="Title 1"/>
           <p:cNvSpPr>
             <a:spLocks noGrp="1"/>
           </p:cNvSpPr>
@@ -1339,12 +1457,13 @@
               <a:rPr lang="ko-KR" altLang="en-US"/>
               <a:t>마스터 제목 스타일 편집</a:t>
             </a:r>
-          </a:p>
-        </p:txBody>
-      </p:sp>
-      <p:sp>
-        <p:nvSpPr>
-          <p:cNvPr id="3" name="세로 텍스트 개체 틀 2"/>
+            <a:endParaRPr lang="en-US"/>
+          </a:p>
+        </p:txBody>
+      </p:sp>
+      <p:sp>
+        <p:nvSpPr>
+          <p:cNvPr id="3" name="Vertical Text Placeholder 2"/>
           <p:cNvSpPr>
             <a:spLocks noGrp="1"/>
           </p:cNvSpPr>
@@ -1360,42 +1479,43 @@
             <a:pPr lvl="0"/>
             <a:r>
               <a:rPr lang="ko-KR" altLang="en-US"/>
-              <a:t>마스터 텍스트 스타일을 편집합니다</a:t>
+              <a:t>마스터 텍스트 스타일을 편집하려면 클릭</a:t>
             </a:r>
           </a:p>
           <a:p>
             <a:pPr lvl="1"/>
             <a:r>
               <a:rPr lang="ko-KR" altLang="en-US"/>
-              <a:t>둘째 수준</a:t>
+              <a:t>두 번째 수준</a:t>
             </a:r>
           </a:p>
           <a:p>
             <a:pPr lvl="2"/>
             <a:r>
               <a:rPr lang="ko-KR" altLang="en-US"/>
-              <a:t>셋째 수준</a:t>
+              <a:t>세 번째 수준</a:t>
             </a:r>
           </a:p>
           <a:p>
             <a:pPr lvl="3"/>
             <a:r>
               <a:rPr lang="ko-KR" altLang="en-US"/>
-              <a:t>넷째 수준</a:t>
+              <a:t>네 번째 수준</a:t>
             </a:r>
           </a:p>
           <a:p>
             <a:pPr lvl="4"/>
             <a:r>
               <a:rPr lang="ko-KR" altLang="en-US"/>
-              <a:t>다섯째 수준</a:t>
-            </a:r>
-          </a:p>
-        </p:txBody>
-      </p:sp>
-      <p:sp>
-        <p:nvSpPr>
-          <p:cNvPr id="4" name="날짜 개체 틀 3"/>
+              <a:t>다섯 번째 수준</a:t>
+            </a:r>
+            <a:endParaRPr lang="en-US"/>
+          </a:p>
+        </p:txBody>
+      </p:sp>
+      <p:sp>
+        <p:nvSpPr>
+          <p:cNvPr id="7" name="Date Placeholder 6"/>
           <p:cNvSpPr>
             <a:spLocks noGrp="1"/>
           </p:cNvSpPr>
@@ -1418,7 +1538,7 @@
       </p:sp>
       <p:sp>
         <p:nvSpPr>
-          <p:cNvPr id="5" name="바닥글 개체 틀 4"/>
+          <p:cNvPr id="8" name="Footer Placeholder 7"/>
           <p:cNvSpPr>
             <a:spLocks noGrp="1"/>
           </p:cNvSpPr>
@@ -1437,7 +1557,7 @@
       </p:sp>
       <p:sp>
         <p:nvSpPr>
-          <p:cNvPr id="6" name="슬라이드 번호 개체 틀 5"/>
+          <p:cNvPr id="9" name="Slide Number Placeholder 8"/>
           <p:cNvSpPr>
             <a:spLocks noGrp="1"/>
           </p:cNvSpPr>
@@ -1461,7 +1581,7 @@
     </p:spTree>
     <p:extLst>
       <p:ext uri="{BB962C8B-B14F-4D97-AF65-F5344CB8AC3E}">
-        <p14:creationId xmlns:p14="http://schemas.microsoft.com/office/powerpoint/2010/main" val="3077416414"/>
+        <p14:creationId xmlns:p14="http://schemas.microsoft.com/office/powerpoint/2010/main" val="740833055"/>
       </p:ext>
     </p:extLst>
   </p:cSld>
@@ -1471,7 +1591,7 @@
 </p:sldLayout>
 </file>
 
-<file path=ppt/slideLayouts/slideLayout12.xml><?xml version="1.0" encoding="utf-8"?>
+<file path=ppt/slideLayouts/slideLayout11.xml><?xml version="1.0" encoding="utf-8"?>
 <p:sldLayout xmlns:a="http://schemas.openxmlformats.org/drawingml/2006/main" xmlns:r="http://schemas.openxmlformats.org/officeDocument/2006/relationships" xmlns:p="http://schemas.openxmlformats.org/presentationml/2006/main" type="vertTitleAndTx" preserve="1">
   <p:cSld name="세로 제목 및 텍스트">
     <p:spTree>
@@ -1490,7 +1610,7 @@
       </p:grpSpPr>
       <p:sp>
         <p:nvSpPr>
-          <p:cNvPr id="2" name="세로 제목 1"/>
+          <p:cNvPr id="2" name="Vertical Title 1"/>
           <p:cNvSpPr>
             <a:spLocks noGrp="1"/>
           </p:cNvSpPr>
@@ -1500,24 +1620,29 @@
         </p:nvSpPr>
         <p:spPr>
           <a:xfrm>
-            <a:off x="6629400" y="274638"/>
-            <a:ext cx="2057400" cy="5851525"/>
+            <a:off x="6543675" y="533400"/>
+            <a:ext cx="1914525" cy="5638800"/>
           </a:xfrm>
         </p:spPr>
         <p:txBody>
           <a:bodyPr vert="eaVert"/>
-          <a:lstStyle/>
+          <a:lstStyle>
+            <a:lvl1pPr>
+              <a:defRPr b="0"/>
+            </a:lvl1pPr>
+          </a:lstStyle>
           <a:p>
             <a:r>
               <a:rPr lang="ko-KR" altLang="en-US"/>
               <a:t>마스터 제목 스타일 편집</a:t>
             </a:r>
-          </a:p>
-        </p:txBody>
-      </p:sp>
-      <p:sp>
-        <p:nvSpPr>
-          <p:cNvPr id="3" name="세로 텍스트 개체 틀 2"/>
+            <a:endParaRPr lang="en-US" dirty="0"/>
+          </a:p>
+        </p:txBody>
+      </p:sp>
+      <p:sp>
+        <p:nvSpPr>
+          <p:cNvPr id="3" name="Vertical Text Placeholder 2"/>
           <p:cNvSpPr>
             <a:spLocks noGrp="1"/>
           </p:cNvSpPr>
@@ -1527,8 +1652,8 @@
         </p:nvSpPr>
         <p:spPr>
           <a:xfrm>
-            <a:off x="457200" y="274638"/>
-            <a:ext cx="6019800" cy="5851525"/>
+            <a:off x="800100" y="533400"/>
+            <a:ext cx="5629275" cy="5638800"/>
           </a:xfrm>
         </p:spPr>
         <p:txBody>
@@ -1538,42 +1663,43 @@
             <a:pPr lvl="0"/>
             <a:r>
               <a:rPr lang="ko-KR" altLang="en-US"/>
-              <a:t>마스터 텍스트 스타일을 편집합니다</a:t>
+              <a:t>마스터 텍스트 스타일을 편집하려면 클릭</a:t>
             </a:r>
           </a:p>
           <a:p>
             <a:pPr lvl="1"/>
             <a:r>
               <a:rPr lang="ko-KR" altLang="en-US"/>
-              <a:t>둘째 수준</a:t>
+              <a:t>두 번째 수준</a:t>
             </a:r>
           </a:p>
           <a:p>
             <a:pPr lvl="2"/>
             <a:r>
               <a:rPr lang="ko-KR" altLang="en-US"/>
-              <a:t>셋째 수준</a:t>
+              <a:t>세 번째 수준</a:t>
             </a:r>
           </a:p>
           <a:p>
             <a:pPr lvl="3"/>
             <a:r>
               <a:rPr lang="ko-KR" altLang="en-US"/>
-              <a:t>넷째 수준</a:t>
+              <a:t>네 번째 수준</a:t>
             </a:r>
           </a:p>
           <a:p>
             <a:pPr lvl="4"/>
             <a:r>
               <a:rPr lang="ko-KR" altLang="en-US"/>
-              <a:t>다섯째 수준</a:t>
-            </a:r>
-          </a:p>
-        </p:txBody>
-      </p:sp>
-      <p:sp>
-        <p:nvSpPr>
-          <p:cNvPr id="4" name="날짜 개체 틀 3"/>
+              <a:t>다섯 번째 수준</a:t>
+            </a:r>
+            <a:endParaRPr lang="en-US" dirty="0"/>
+          </a:p>
+        </p:txBody>
+      </p:sp>
+      <p:sp>
+        <p:nvSpPr>
+          <p:cNvPr id="7" name="Date Placeholder 6"/>
           <p:cNvSpPr>
             <a:spLocks noGrp="1"/>
           </p:cNvSpPr>
@@ -1596,7 +1722,7 @@
       </p:sp>
       <p:sp>
         <p:nvSpPr>
-          <p:cNvPr id="5" name="바닥글 개체 틀 4"/>
+          <p:cNvPr id="8" name="Footer Placeholder 7"/>
           <p:cNvSpPr>
             <a:spLocks noGrp="1"/>
           </p:cNvSpPr>
@@ -1615,7 +1741,7 @@
       </p:sp>
       <p:sp>
         <p:nvSpPr>
-          <p:cNvPr id="6" name="슬라이드 번호 개체 틀 5"/>
+          <p:cNvPr id="9" name="Slide Number Placeholder 8"/>
           <p:cNvSpPr>
             <a:spLocks noGrp="1"/>
           </p:cNvSpPr>
@@ -1639,7 +1765,7 @@
     </p:spTree>
     <p:extLst>
       <p:ext uri="{BB962C8B-B14F-4D97-AF65-F5344CB8AC3E}">
-        <p14:creationId xmlns:p14="http://schemas.microsoft.com/office/powerpoint/2010/main" val="3100971746"/>
+        <p14:creationId xmlns:p14="http://schemas.microsoft.com/office/powerpoint/2010/main" val="2326656681"/>
       </p:ext>
     </p:extLst>
   </p:cSld>
@@ -1649,8 +1775,8 @@
 </p:sldLayout>
 </file>
 
-<file path=ppt/slideLayouts/slideLayout2.xml><?xml version="1.0" encoding="utf-8"?>
-<p:sldLayout xmlns:a="http://schemas.openxmlformats.org/drawingml/2006/main" xmlns:r="http://schemas.openxmlformats.org/officeDocument/2006/relationships" xmlns:p="http://schemas.openxmlformats.org/presentationml/2006/main" preserve="1" userDrawn="1">
+<file path=ppt/slideLayouts/slideLayout12.xml><?xml version="1.0" encoding="utf-8"?>
+<p:sldLayout xmlns:a="http://schemas.openxmlformats.org/drawingml/2006/main" xmlns:r="http://schemas.openxmlformats.org/officeDocument/2006/relationships" xmlns:p="http://schemas.openxmlformats.org/presentationml/2006/main" userDrawn="1">
   <p:cSld name="사용자 지정 레이아웃">
     <p:spTree>
       <p:nvGrpSpPr>
@@ -2096,7 +2222,7 @@
     </p:spTree>
     <p:extLst>
       <p:ext uri="{BB962C8B-B14F-4D97-AF65-F5344CB8AC3E}">
-        <p14:creationId xmlns:p14="http://schemas.microsoft.com/office/powerpoint/2010/main" val="3325023992"/>
+        <p14:creationId xmlns:p14="http://schemas.microsoft.com/office/powerpoint/2010/main" val="292045962"/>
       </p:ext>
     </p:extLst>
   </p:cSld>
@@ -2106,7 +2232,7 @@
 </p:sldLayout>
 </file>
 
-<file path=ppt/slideLayouts/slideLayout3.xml><?xml version="1.0" encoding="utf-8"?>
+<file path=ppt/slideLayouts/slideLayout2.xml><?xml version="1.0" encoding="utf-8"?>
 <p:sldLayout xmlns:a="http://schemas.openxmlformats.org/drawingml/2006/main" xmlns:r="http://schemas.openxmlformats.org/officeDocument/2006/relationships" xmlns:p="http://schemas.openxmlformats.org/presentationml/2006/main" type="obj" preserve="1">
   <p:cSld name="제목 및 내용">
     <p:spTree>
@@ -2125,7 +2251,7 @@
       </p:grpSpPr>
       <p:sp>
         <p:nvSpPr>
-          <p:cNvPr id="2" name="제목 1"/>
+          <p:cNvPr id="2" name="Title 1"/>
           <p:cNvSpPr>
             <a:spLocks noGrp="1"/>
           </p:cNvSpPr>
@@ -2135,56 +2261,20 @@
         </p:nvSpPr>
         <p:spPr/>
         <p:txBody>
-          <a:bodyPr>
-            <a:scene3d>
-              <a:camera prst="orthographicFront">
-                <a:rot lat="0" lon="0" rev="0"/>
-              </a:camera>
-              <a:lightRig rig="contrasting" dir="t">
-                <a:rot lat="0" lon="0" rev="4500000"/>
-              </a:lightRig>
-            </a:scene3d>
-            <a:sp3d contourW="6350" prstMaterial="metal">
-              <a:bevelT w="127000" h="31750" prst="relaxedInset"/>
-              <a:contourClr>
-                <a:schemeClr val="accent1">
-                  <a:shade val="75000"/>
-                </a:schemeClr>
-              </a:contourClr>
-            </a:sp3d>
-          </a:bodyPr>
-          <a:lstStyle>
-            <a:lvl1pPr>
-              <a:defRPr b="1" cap="all" spc="0">
-                <a:ln w="0">
-                  <a:solidFill>
-                    <a:schemeClr val="accent4">
-                      <a:lumMod val="75000"/>
-                    </a:schemeClr>
-                  </a:solidFill>
-                </a:ln>
-                <a:solidFill>
-                  <a:schemeClr val="accent4">
-                    <a:lumMod val="75000"/>
-                  </a:schemeClr>
-                </a:solidFill>
-                <a:effectLst>
-                  <a:reflection blurRad="12700" stA="50000" endPos="50000" dist="5000" dir="5400000" sy="-100000" rotWithShape="0"/>
-                </a:effectLst>
-              </a:defRPr>
-            </a:lvl1pPr>
-          </a:lstStyle>
+          <a:bodyPr/>
+          <a:lstStyle/>
           <a:p>
             <a:r>
               <a:rPr lang="ko-KR" altLang="en-US"/>
               <a:t>마스터 제목 스타일 편집</a:t>
             </a:r>
-          </a:p>
-        </p:txBody>
-      </p:sp>
-      <p:sp>
-        <p:nvSpPr>
-          <p:cNvPr id="3" name="내용 개체 틀 2"/>
+            <a:endParaRPr lang="en-US" dirty="0"/>
+          </a:p>
+        </p:txBody>
+      </p:sp>
+      <p:sp>
+        <p:nvSpPr>
+          <p:cNvPr id="3" name="Content Placeholder 2"/>
           <p:cNvSpPr>
             <a:spLocks noGrp="1"/>
           </p:cNvSpPr>
@@ -2199,43 +2289,44 @@
           <a:p>
             <a:pPr lvl="0"/>
             <a:r>
-              <a:rPr lang="ko-KR" altLang="en-US" dirty="0"/>
-              <a:t>마스터 텍스트 스타일을 편집합니다</a:t>
+              <a:rPr lang="ko-KR" altLang="en-US"/>
+              <a:t>마스터 텍스트 스타일을 편집하려면 클릭</a:t>
             </a:r>
           </a:p>
           <a:p>
             <a:pPr lvl="1"/>
             <a:r>
-              <a:rPr lang="ko-KR" altLang="en-US" dirty="0"/>
-              <a:t>둘째 수준</a:t>
+              <a:rPr lang="ko-KR" altLang="en-US"/>
+              <a:t>두 번째 수준</a:t>
             </a:r>
           </a:p>
           <a:p>
             <a:pPr lvl="2"/>
             <a:r>
-              <a:rPr lang="ko-KR" altLang="en-US" dirty="0"/>
-              <a:t>셋째 수준</a:t>
+              <a:rPr lang="ko-KR" altLang="en-US"/>
+              <a:t>세 번째 수준</a:t>
             </a:r>
           </a:p>
           <a:p>
             <a:pPr lvl="3"/>
             <a:r>
-              <a:rPr lang="ko-KR" altLang="en-US" dirty="0"/>
-              <a:t>넷째 수준</a:t>
+              <a:rPr lang="ko-KR" altLang="en-US"/>
+              <a:t>네 번째 수준</a:t>
             </a:r>
           </a:p>
           <a:p>
             <a:pPr lvl="4"/>
             <a:r>
-              <a:rPr lang="ko-KR" altLang="en-US" dirty="0"/>
-              <a:t>다섯째 수준</a:t>
-            </a:r>
-          </a:p>
-        </p:txBody>
-      </p:sp>
-      <p:sp>
-        <p:nvSpPr>
-          <p:cNvPr id="4" name="날짜 개체 틀 3"/>
+              <a:rPr lang="ko-KR" altLang="en-US"/>
+              <a:t>다섯 번째 수준</a:t>
+            </a:r>
+            <a:endParaRPr lang="en-US" dirty="0"/>
+          </a:p>
+        </p:txBody>
+      </p:sp>
+      <p:sp>
+        <p:nvSpPr>
+          <p:cNvPr id="7" name="Date Placeholder 6"/>
           <p:cNvSpPr>
             <a:spLocks noGrp="1"/>
           </p:cNvSpPr>
@@ -2258,7 +2349,7 @@
       </p:sp>
       <p:sp>
         <p:nvSpPr>
-          <p:cNvPr id="5" name="바닥글 개체 틀 4"/>
+          <p:cNvPr id="8" name="Footer Placeholder 7"/>
           <p:cNvSpPr>
             <a:spLocks noGrp="1"/>
           </p:cNvSpPr>
@@ -2277,7 +2368,7 @@
       </p:sp>
       <p:sp>
         <p:nvSpPr>
-          <p:cNvPr id="6" name="슬라이드 번호 개체 틀 5"/>
+          <p:cNvPr id="9" name="Slide Number Placeholder 8"/>
           <p:cNvSpPr>
             <a:spLocks noGrp="1"/>
           </p:cNvSpPr>
@@ -2301,7 +2392,7 @@
     </p:spTree>
     <p:extLst>
       <p:ext uri="{BB962C8B-B14F-4D97-AF65-F5344CB8AC3E}">
-        <p14:creationId xmlns:p14="http://schemas.microsoft.com/office/powerpoint/2010/main" val="1170028916"/>
+        <p14:creationId xmlns:p14="http://schemas.microsoft.com/office/powerpoint/2010/main" val="4124090127"/>
       </p:ext>
     </p:extLst>
   </p:cSld>
@@ -2311,8 +2402,8 @@
 </p:sldLayout>
 </file>
 
-<file path=ppt/slideLayouts/slideLayout4.xml><?xml version="1.0" encoding="utf-8"?>
-<p:sldLayout xmlns:a="http://schemas.openxmlformats.org/drawingml/2006/main" xmlns:r="http://schemas.openxmlformats.org/officeDocument/2006/relationships" xmlns:p="http://schemas.openxmlformats.org/presentationml/2006/main" type="secHead" preserve="1">
+<file path=ppt/slideLayouts/slideLayout3.xml><?xml version="1.0" encoding="utf-8"?>
+<p:sldLayout xmlns:a="http://schemas.openxmlformats.org/drawingml/2006/main" xmlns:r="http://schemas.openxmlformats.org/officeDocument/2006/relationships" xmlns:p="http://schemas.openxmlformats.org/presentationml/2006/main" showMasterSp="0" type="secHead" preserve="1">
   <p:cSld name="구역 머리글">
     <p:spTree>
       <p:nvGrpSpPr>
@@ -2330,7 +2421,72 @@
       </p:grpSpPr>
       <p:sp>
         <p:nvSpPr>
-          <p:cNvPr id="2" name="제목 1"/>
+          <p:cNvPr id="7" name="Rectangle 6"/>
+          <p:cNvSpPr/>
+          <p:nvPr/>
+        </p:nvSpPr>
+        <p:spPr>
+          <a:xfrm>
+            <a:off x="0" y="4917989"/>
+            <a:ext cx="9144000" cy="1940010"/>
+          </a:xfrm>
+          <a:prstGeom prst="rect">
+            <a:avLst/>
+          </a:prstGeom>
+          <a:blipFill dpi="0" rotWithShape="1">
+            <a:blip r:embed="rId2">
+              <a:alphaModFix amt="80000"/>
+              <a:lum bright="70000" contrast="-70000"/>
+              <a:extLst>
+                <a:ext uri="{BEBA8EAE-BF5A-486C-A8C5-ECC9F3942E4B}">
+                  <a14:imgProps xmlns:a14="http://schemas.microsoft.com/office/drawing/2010/main">
+                    <a14:imgLayer r:embed="rId3">
+                      <a14:imgEffect>
+                        <a14:sharpenSoften amount="61000"/>
+                      </a14:imgEffect>
+                    </a14:imgLayer>
+                  </a14:imgProps>
+                </a:ext>
+                <a:ext uri="{28A0092B-C50C-407E-A947-70E740481C1C}">
+                  <a14:useLocalDpi xmlns:a14="http://schemas.microsoft.com/office/drawing/2010/main" val="0"/>
+                </a:ext>
+              </a:extLst>
+            </a:blip>
+            <a:srcRect/>
+            <a:tile tx="0" ty="-704850" sx="92000" sy="89000" flip="xy" algn="ctr"/>
+          </a:blipFill>
+          <a:ln>
+            <a:noFill/>
+          </a:ln>
+        </p:spPr>
+        <p:style>
+          <a:lnRef idx="2">
+            <a:schemeClr val="accent1">
+              <a:shade val="50000"/>
+            </a:schemeClr>
+          </a:lnRef>
+          <a:fillRef idx="1">
+            <a:schemeClr val="accent1"/>
+          </a:fillRef>
+          <a:effectRef idx="0">
+            <a:schemeClr val="accent1"/>
+          </a:effectRef>
+          <a:fontRef idx="minor">
+            <a:schemeClr val="lt1"/>
+          </a:fontRef>
+        </p:style>
+        <p:txBody>
+          <a:bodyPr rtlCol="0" anchor="ctr"/>
+          <a:lstStyle/>
+          <a:p>
+            <a:pPr algn="ctr"/>
+            <a:endParaRPr lang="en-US"/>
+          </a:p>
+        </p:txBody>
+      </p:sp>
+      <p:sp>
+        <p:nvSpPr>
+          <p:cNvPr id="2" name="Title 1"/>
           <p:cNvSpPr>
             <a:spLocks noGrp="1"/>
           </p:cNvSpPr>
@@ -2340,15 +2496,20 @@
         </p:nvSpPr>
         <p:spPr>
           <a:xfrm>
-            <a:off x="722313" y="4406900"/>
-            <a:ext cx="7772400" cy="1362075"/>
+            <a:off x="1625346" y="1225296"/>
+            <a:ext cx="6960870" cy="3520440"/>
           </a:xfrm>
         </p:spPr>
         <p:txBody>
-          <a:bodyPr anchor="t"/>
+          <a:bodyPr anchor="ctr">
+            <a:normAutofit/>
+          </a:bodyPr>
           <a:lstStyle>
-            <a:lvl1pPr algn="l">
-              <a:defRPr sz="4000" b="1" cap="all"/>
+            <a:lvl1pPr>
+              <a:lnSpc>
+                <a:spcPct val="80000"/>
+              </a:lnSpc>
+              <a:defRPr sz="6400" b="0"/>
             </a:lvl1pPr>
           </a:lstStyle>
           <a:p>
@@ -2356,12 +2517,13 @@
               <a:rPr lang="ko-KR" altLang="en-US"/>
               <a:t>마스터 제목 스타일 편집</a:t>
             </a:r>
-          </a:p>
-        </p:txBody>
-      </p:sp>
-      <p:sp>
-        <p:nvSpPr>
-          <p:cNvPr id="3" name="텍스트 개체 틀 2"/>
+            <a:endParaRPr lang="en-US" dirty="0"/>
+          </a:p>
+        </p:txBody>
+      </p:sp>
+      <p:sp>
+        <p:nvSpPr>
+          <p:cNvPr id="3" name="Text Placeholder 2"/>
           <p:cNvSpPr>
             <a:spLocks noGrp="1"/>
           </p:cNvSpPr>
@@ -2371,19 +2533,21 @@
         </p:nvSpPr>
         <p:spPr>
           <a:xfrm>
-            <a:off x="722313" y="2906713"/>
-            <a:ext cx="7772400" cy="1500187"/>
+            <a:off x="1624330" y="5020056"/>
+            <a:ext cx="6789420" cy="1066800"/>
           </a:xfrm>
         </p:spPr>
         <p:txBody>
-          <a:bodyPr anchor="b"/>
+          <a:bodyPr anchor="t">
+            <a:normAutofit/>
+          </a:bodyPr>
           <a:lstStyle>
             <a:lvl1pPr marL="0" indent="0">
               <a:buNone/>
-              <a:defRPr sz="2000">
+              <a:defRPr sz="1800" b="0">
                 <a:solidFill>
-                  <a:schemeClr val="tx1">
-                    <a:tint val="75000"/>
+                  <a:schemeClr val="accent1">
+                    <a:lumMod val="50000"/>
                   </a:schemeClr>
                 </a:solidFill>
               </a:defRPr>
@@ -2473,14 +2637,14 @@
             <a:pPr lvl="0"/>
             <a:r>
               <a:rPr lang="ko-KR" altLang="en-US"/>
-              <a:t>마스터 텍스트 스타일을 편집합니다</a:t>
-            </a:r>
-          </a:p>
-        </p:txBody>
-      </p:sp>
-      <p:sp>
-        <p:nvSpPr>
-          <p:cNvPr id="4" name="날짜 개체 틀 3"/>
+              <a:t>마스터 텍스트 스타일을 편집하려면 클릭</a:t>
+            </a:r>
+          </a:p>
+        </p:txBody>
+      </p:sp>
+      <p:sp>
+        <p:nvSpPr>
+          <p:cNvPr id="4" name="Date Placeholder 3"/>
           <p:cNvSpPr>
             <a:spLocks noGrp="1"/>
           </p:cNvSpPr>
@@ -2488,10 +2652,25 @@
             <p:ph type="dt" sz="half" idx="10"/>
           </p:nvPr>
         </p:nvSpPr>
-        <p:spPr/>
+        <p:spPr>
+          <a:xfrm>
+            <a:off x="6445251" y="6272785"/>
+            <a:ext cx="1983232" cy="365125"/>
+          </a:xfrm>
+        </p:spPr>
         <p:txBody>
           <a:bodyPr/>
-          <a:lstStyle/>
+          <a:lstStyle>
+            <a:lvl1pPr>
+              <a:defRPr>
+                <a:solidFill>
+                  <a:schemeClr val="accent1">
+                    <a:lumMod val="50000"/>
+                  </a:schemeClr>
+                </a:solidFill>
+              </a:defRPr>
+            </a:lvl1pPr>
+          </a:lstStyle>
           <a:p>
             <a:fld id="{606CF9F9-D6A0-44AF-9347-9D35EE806363}" type="datetimeFigureOut">
               <a:rPr lang="ko-KR" altLang="en-US" smtClean="0"/>
@@ -2503,7 +2682,7 @@
       </p:sp>
       <p:sp>
         <p:nvSpPr>
-          <p:cNvPr id="5" name="바닥글 개체 틀 4"/>
+          <p:cNvPr id="5" name="Footer Placeholder 4"/>
           <p:cNvSpPr>
             <a:spLocks noGrp="1"/>
           </p:cNvSpPr>
@@ -2511,18 +2690,193 @@
             <p:ph type="ftr" sz="quarter" idx="11"/>
           </p:nvPr>
         </p:nvSpPr>
-        <p:spPr/>
+        <p:spPr>
+          <a:xfrm>
+            <a:off x="1636099" y="6272784"/>
+            <a:ext cx="4745736" cy="365125"/>
+          </a:xfrm>
+        </p:spPr>
         <p:txBody>
           <a:bodyPr/>
-          <a:lstStyle/>
+          <a:lstStyle>
+            <a:lvl1pPr>
+              <a:defRPr>
+                <a:solidFill>
+                  <a:schemeClr val="accent1">
+                    <a:lumMod val="50000"/>
+                  </a:schemeClr>
+                </a:solidFill>
+              </a:defRPr>
+            </a:lvl1pPr>
+          </a:lstStyle>
           <a:p>
             <a:endParaRPr lang="ko-KR" altLang="en-US"/>
           </a:p>
         </p:txBody>
       </p:sp>
-      <p:sp>
-        <p:nvSpPr>
-          <p:cNvPr id="6" name="슬라이드 번호 개체 틀 5"/>
+      <p:grpSp>
+        <p:nvGrpSpPr>
+          <p:cNvPr id="8" name="Group 7"/>
+          <p:cNvGrpSpPr>
+            <a:grpSpLocks noChangeAspect="1"/>
+          </p:cNvGrpSpPr>
+          <p:nvPr/>
+        </p:nvGrpSpPr>
+        <p:grpSpPr>
+          <a:xfrm>
+            <a:off x="633862" y="2430623"/>
+            <a:ext cx="914400" cy="914400"/>
+            <a:chOff x="9685338" y="4460675"/>
+            <a:chExt cx="1080904" cy="1080902"/>
+          </a:xfrm>
+        </p:grpSpPr>
+        <p:sp>
+          <p:nvSpPr>
+            <p:cNvPr id="9" name="Oval 8"/>
+            <p:cNvSpPr/>
+            <p:nvPr/>
+          </p:nvSpPr>
+          <p:spPr>
+            <a:xfrm>
+              <a:off x="9685338" y="4460675"/>
+              <a:ext cx="1080904" cy="1080902"/>
+            </a:xfrm>
+            <a:prstGeom prst="ellipse">
+              <a:avLst/>
+            </a:prstGeom>
+            <a:blipFill dpi="0" rotWithShape="1">
+              <a:blip r:embed="rId4">
+                <a:duotone>
+                  <a:schemeClr val="accent1">
+                    <a:shade val="45000"/>
+                    <a:satMod val="135000"/>
+                  </a:schemeClr>
+                  <a:prstClr val="white"/>
+                </a:duotone>
+                <a:extLst>
+                  <a:ext uri="{BEBA8EAE-BF5A-486C-A8C5-ECC9F3942E4B}">
+                    <a14:imgProps xmlns:a14="http://schemas.microsoft.com/office/drawing/2010/main">
+                      <a14:imgLayer r:embed="rId5">
+                        <a14:imgEffect>
+                          <a14:saturation sat="95000"/>
+                        </a14:imgEffect>
+                      </a14:imgLayer>
+                    </a14:imgProps>
+                  </a:ext>
+                </a:extLst>
+              </a:blip>
+              <a:srcRect/>
+              <a:tile tx="0" ty="0" sx="85000" sy="85000" flip="none" algn="tl"/>
+            </a:blipFill>
+            <a:ln w="25400" cap="flat" cmpd="sng" algn="ctr">
+              <a:noFill/>
+              <a:prstDash val="solid"/>
+            </a:ln>
+            <a:effectLst/>
+          </p:spPr>
+          <p:txBody>
+            <a:bodyPr lIns="0" tIns="0" rIns="0" bIns="0" rtlCol="0" anchor="ctr"/>
+            <a:lstStyle/>
+            <a:p>
+              <a:pPr marL="0" marR="0" lvl="0" indent="0" algn="ctr" defTabSz="914400" eaLnBrk="1" fontAlgn="auto" latinLnBrk="0" hangingPunct="1">
+                <a:lnSpc>
+                  <a:spcPct val="100000"/>
+                </a:lnSpc>
+                <a:spcBef>
+                  <a:spcPts val="0"/>
+                </a:spcBef>
+                <a:spcAft>
+                  <a:spcPts val="0"/>
+                </a:spcAft>
+                <a:buClrTx/>
+                <a:buSzTx/>
+                <a:buFontTx/>
+                <a:buNone/>
+                <a:tabLst/>
+                <a:defRPr/>
+              </a:pPr>
+              <a:endParaRPr kumimoji="0" lang="en-US" sz="2000" b="0" i="0" u="none" strike="noStrike" kern="0" cap="none" spc="0" normalizeH="0" baseline="0" noProof="0" dirty="0">
+                <a:ln>
+                  <a:noFill/>
+                </a:ln>
+                <a:solidFill>
+                  <a:prstClr val="white"/>
+                </a:solidFill>
+                <a:effectLst/>
+                <a:uLnTx/>
+                <a:uFillTx/>
+                <a:latin typeface="Rockwell Extra Bold" pitchFamily="18" charset="0"/>
+                <a:ea typeface="+mn-ea"/>
+                <a:cs typeface="+mn-cs"/>
+              </a:endParaRPr>
+            </a:p>
+          </p:txBody>
+        </p:sp>
+        <p:sp>
+          <p:nvSpPr>
+            <p:cNvPr id="10" name="Oval 9"/>
+            <p:cNvSpPr/>
+            <p:nvPr/>
+          </p:nvSpPr>
+          <p:spPr>
+            <a:xfrm>
+              <a:off x="9793429" y="4568765"/>
+              <a:ext cx="864723" cy="864722"/>
+            </a:xfrm>
+            <a:prstGeom prst="ellipse">
+              <a:avLst/>
+            </a:prstGeom>
+            <a:noFill/>
+            <a:ln w="25400" cap="flat" cmpd="sng" algn="ctr">
+              <a:solidFill>
+                <a:sysClr val="window" lastClr="FFFFFF"/>
+              </a:solidFill>
+              <a:prstDash val="solid"/>
+            </a:ln>
+            <a:effectLst/>
+          </p:spPr>
+          <p:txBody>
+            <a:bodyPr rtlCol="0" anchor="ctr"/>
+            <a:lstStyle/>
+            <a:p>
+              <a:pPr marL="0" marR="0" lvl="0" indent="0" algn="ctr" defTabSz="914400" eaLnBrk="1" fontAlgn="auto" latinLnBrk="0" hangingPunct="1">
+                <a:lnSpc>
+                  <a:spcPct val="100000"/>
+                </a:lnSpc>
+                <a:spcBef>
+                  <a:spcPts val="0"/>
+                </a:spcBef>
+                <a:spcAft>
+                  <a:spcPts val="0"/>
+                </a:spcAft>
+                <a:buClrTx/>
+                <a:buSzTx/>
+                <a:buFontTx/>
+                <a:buNone/>
+                <a:tabLst/>
+                <a:defRPr/>
+              </a:pPr>
+              <a:endParaRPr kumimoji="0" lang="en-US" sz="1800" b="0" i="0" u="none" strike="noStrike" kern="0" cap="none" spc="0" normalizeH="0" baseline="0" noProof="0" dirty="0">
+                <a:ln>
+                  <a:noFill/>
+                </a:ln>
+                <a:solidFill>
+                  <a:prstClr val="white"/>
+                </a:solidFill>
+                <a:effectLst/>
+                <a:uLnTx/>
+                <a:uFillTx/>
+                <a:latin typeface="Calibri"/>
+                <a:ea typeface="+mn-ea"/>
+                <a:cs typeface="+mn-cs"/>
+              </a:endParaRPr>
+            </a:p>
+          </p:txBody>
+        </p:sp>
+      </p:grpSp>
+      <p:sp>
+        <p:nvSpPr>
+          <p:cNvPr id="6" name="Slide Number Placeholder 5"/>
           <p:cNvSpPr>
             <a:spLocks noGrp="1"/>
           </p:cNvSpPr>
@@ -2530,10 +2884,19 @@
             <p:ph type="sldNum" sz="quarter" idx="12"/>
           </p:nvPr>
         </p:nvSpPr>
-        <p:spPr/>
+        <p:spPr>
+          <a:xfrm>
+            <a:off x="645450" y="2508607"/>
+            <a:ext cx="891224" cy="720332"/>
+          </a:xfrm>
+        </p:spPr>
         <p:txBody>
           <a:bodyPr/>
-          <a:lstStyle/>
+          <a:lstStyle>
+            <a:lvl1pPr>
+              <a:defRPr sz="2800"/>
+            </a:lvl1pPr>
+          </a:lstStyle>
           <a:p>
             <a:fld id="{4655D361-B732-4CD6-8B12-FDB6C56F7EA5}" type="slidenum">
               <a:rPr lang="ko-KR" altLang="en-US" smtClean="0"/>
@@ -2546,7 +2909,7 @@
     </p:spTree>
     <p:extLst>
       <p:ext uri="{BB962C8B-B14F-4D97-AF65-F5344CB8AC3E}">
-        <p14:creationId xmlns:p14="http://schemas.microsoft.com/office/powerpoint/2010/main" val="2810972865"/>
+        <p14:creationId xmlns:p14="http://schemas.microsoft.com/office/powerpoint/2010/main" val="719413968"/>
       </p:ext>
     </p:extLst>
   </p:cSld>
@@ -2556,7 +2919,7 @@
 </p:sldLayout>
 </file>
 
-<file path=ppt/slideLayouts/slideLayout5.xml><?xml version="1.0" encoding="utf-8"?>
+<file path=ppt/slideLayouts/slideLayout4.xml><?xml version="1.0" encoding="utf-8"?>
 <p:sldLayout xmlns:a="http://schemas.openxmlformats.org/drawingml/2006/main" xmlns:r="http://schemas.openxmlformats.org/officeDocument/2006/relationships" xmlns:p="http://schemas.openxmlformats.org/presentationml/2006/main" type="twoObj" preserve="1">
   <p:cSld name="콘텐츠 2개">
     <p:spTree>
@@ -2575,7 +2938,7 @@
       </p:grpSpPr>
       <p:sp>
         <p:nvSpPr>
-          <p:cNvPr id="2" name="제목 1"/>
+          <p:cNvPr id="2" name="Title 1"/>
           <p:cNvSpPr>
             <a:spLocks noGrp="1"/>
           </p:cNvSpPr>
@@ -2592,12 +2955,13 @@
               <a:rPr lang="ko-KR" altLang="en-US"/>
               <a:t>마스터 제목 스타일 편집</a:t>
             </a:r>
-          </a:p>
-        </p:txBody>
-      </p:sp>
-      <p:sp>
-        <p:nvSpPr>
-          <p:cNvPr id="3" name="내용 개체 틀 2"/>
+            <a:endParaRPr lang="en-US" dirty="0"/>
+          </a:p>
+        </p:txBody>
+      </p:sp>
+      <p:sp>
+        <p:nvSpPr>
+          <p:cNvPr id="3" name="Content Placeholder 2"/>
           <p:cNvSpPr>
             <a:spLocks noGrp="1"/>
           </p:cNvSpPr>
@@ -2607,27 +2971,27 @@
         </p:nvSpPr>
         <p:spPr>
           <a:xfrm>
-            <a:off x="457200" y="1600200"/>
-            <a:ext cx="4038600" cy="4525963"/>
+            <a:off x="685800" y="2194560"/>
+            <a:ext cx="3657600" cy="3977640"/>
           </a:xfrm>
         </p:spPr>
         <p:txBody>
           <a:bodyPr/>
           <a:lstStyle>
             <a:lvl1pPr>
-              <a:defRPr sz="2800"/>
+              <a:defRPr sz="2000"/>
             </a:lvl1pPr>
             <a:lvl2pPr>
-              <a:defRPr sz="2400"/>
+              <a:defRPr sz="1800"/>
             </a:lvl2pPr>
             <a:lvl3pPr>
-              <a:defRPr sz="2000"/>
+              <a:defRPr sz="1600"/>
             </a:lvl3pPr>
             <a:lvl4pPr>
-              <a:defRPr sz="1800"/>
+              <a:defRPr sz="1600"/>
             </a:lvl4pPr>
             <a:lvl5pPr>
-              <a:defRPr sz="1800"/>
+              <a:defRPr sz="1600"/>
             </a:lvl5pPr>
             <a:lvl6pPr>
               <a:defRPr sz="1800"/>
@@ -2646,42 +3010,43 @@
             <a:pPr lvl="0"/>
             <a:r>
               <a:rPr lang="ko-KR" altLang="en-US"/>
-              <a:t>마스터 텍스트 스타일을 편집합니다</a:t>
+              <a:t>마스터 텍스트 스타일을 편집하려면 클릭</a:t>
             </a:r>
           </a:p>
           <a:p>
             <a:pPr lvl="1"/>
             <a:r>
               <a:rPr lang="ko-KR" altLang="en-US"/>
-              <a:t>둘째 수준</a:t>
+              <a:t>두 번째 수준</a:t>
             </a:r>
           </a:p>
           <a:p>
             <a:pPr lvl="2"/>
             <a:r>
               <a:rPr lang="ko-KR" altLang="en-US"/>
-              <a:t>셋째 수준</a:t>
+              <a:t>세 번째 수준</a:t>
             </a:r>
           </a:p>
           <a:p>
             <a:pPr lvl="3"/>
             <a:r>
               <a:rPr lang="ko-KR" altLang="en-US"/>
-              <a:t>넷째 수준</a:t>
+              <a:t>네 번째 수준</a:t>
             </a:r>
           </a:p>
           <a:p>
             <a:pPr lvl="4"/>
             <a:r>
               <a:rPr lang="ko-KR" altLang="en-US"/>
-              <a:t>다섯째 수준</a:t>
-            </a:r>
-          </a:p>
-        </p:txBody>
-      </p:sp>
-      <p:sp>
-        <p:nvSpPr>
-          <p:cNvPr id="4" name="내용 개체 틀 3"/>
+              <a:t>다섯 번째 수준</a:t>
+            </a:r>
+            <a:endParaRPr lang="en-US" dirty="0"/>
+          </a:p>
+        </p:txBody>
+      </p:sp>
+      <p:sp>
+        <p:nvSpPr>
+          <p:cNvPr id="4" name="Content Placeholder 3"/>
           <p:cNvSpPr>
             <a:spLocks noGrp="1"/>
           </p:cNvSpPr>
@@ -2691,27 +3056,27 @@
         </p:nvSpPr>
         <p:spPr>
           <a:xfrm>
-            <a:off x="4648200" y="1600200"/>
-            <a:ext cx="4038600" cy="4525963"/>
+            <a:off x="4792218" y="2194560"/>
+            <a:ext cx="3657600" cy="3977640"/>
           </a:xfrm>
         </p:spPr>
         <p:txBody>
           <a:bodyPr/>
           <a:lstStyle>
             <a:lvl1pPr>
-              <a:defRPr sz="2800"/>
+              <a:defRPr sz="2000"/>
             </a:lvl1pPr>
             <a:lvl2pPr>
-              <a:defRPr sz="2400"/>
+              <a:defRPr sz="1800"/>
             </a:lvl2pPr>
             <a:lvl3pPr>
-              <a:defRPr sz="2000"/>
+              <a:defRPr sz="1600"/>
             </a:lvl3pPr>
             <a:lvl4pPr>
-              <a:defRPr sz="1800"/>
+              <a:defRPr sz="1600"/>
             </a:lvl4pPr>
             <a:lvl5pPr>
-              <a:defRPr sz="1800"/>
+              <a:defRPr sz="1600"/>
             </a:lvl5pPr>
             <a:lvl6pPr>
               <a:defRPr sz="1800"/>
@@ -2730,42 +3095,43 @@
             <a:pPr lvl="0"/>
             <a:r>
               <a:rPr lang="ko-KR" altLang="en-US"/>
-              <a:t>마스터 텍스트 스타일을 편집합니다</a:t>
+              <a:t>마스터 텍스트 스타일을 편집하려면 클릭</a:t>
             </a:r>
           </a:p>
           <a:p>
             <a:pPr lvl="1"/>
             <a:r>
               <a:rPr lang="ko-KR" altLang="en-US"/>
-              <a:t>둘째 수준</a:t>
+              <a:t>두 번째 수준</a:t>
             </a:r>
           </a:p>
           <a:p>
             <a:pPr lvl="2"/>
             <a:r>
               <a:rPr lang="ko-KR" altLang="en-US"/>
-              <a:t>셋째 수준</a:t>
+              <a:t>세 번째 수준</a:t>
             </a:r>
           </a:p>
           <a:p>
             <a:pPr lvl="3"/>
             <a:r>
               <a:rPr lang="ko-KR" altLang="en-US"/>
-              <a:t>넷째 수준</a:t>
+              <a:t>네 번째 수준</a:t>
             </a:r>
           </a:p>
           <a:p>
             <a:pPr lvl="4"/>
             <a:r>
               <a:rPr lang="ko-KR" altLang="en-US"/>
-              <a:t>다섯째 수준</a:t>
-            </a:r>
-          </a:p>
-        </p:txBody>
-      </p:sp>
-      <p:sp>
-        <p:nvSpPr>
-          <p:cNvPr id="5" name="날짜 개체 틀 4"/>
+              <a:t>다섯 번째 수준</a:t>
+            </a:r>
+            <a:endParaRPr lang="en-US" dirty="0"/>
+          </a:p>
+        </p:txBody>
+      </p:sp>
+      <p:sp>
+        <p:nvSpPr>
+          <p:cNvPr id="5" name="Date Placeholder 4"/>
           <p:cNvSpPr>
             <a:spLocks noGrp="1"/>
           </p:cNvSpPr>
@@ -2788,7 +3154,7 @@
       </p:sp>
       <p:sp>
         <p:nvSpPr>
-          <p:cNvPr id="6" name="바닥글 개체 틀 5"/>
+          <p:cNvPr id="6" name="Footer Placeholder 5"/>
           <p:cNvSpPr>
             <a:spLocks noGrp="1"/>
           </p:cNvSpPr>
@@ -2807,7 +3173,7 @@
       </p:sp>
       <p:sp>
         <p:nvSpPr>
-          <p:cNvPr id="7" name="슬라이드 번호 개체 틀 6"/>
+          <p:cNvPr id="7" name="Slide Number Placeholder 6"/>
           <p:cNvSpPr>
             <a:spLocks noGrp="1"/>
           </p:cNvSpPr>
@@ -2831,7 +3197,7 @@
     </p:spTree>
     <p:extLst>
       <p:ext uri="{BB962C8B-B14F-4D97-AF65-F5344CB8AC3E}">
-        <p14:creationId xmlns:p14="http://schemas.microsoft.com/office/powerpoint/2010/main" val="2887490899"/>
+        <p14:creationId xmlns:p14="http://schemas.microsoft.com/office/powerpoint/2010/main" val="441251311"/>
       </p:ext>
     </p:extLst>
   </p:cSld>
@@ -2841,8 +3207,8 @@
 </p:sldLayout>
 </file>
 
-<file path=ppt/slideLayouts/slideLayout6.xml><?xml version="1.0" encoding="utf-8"?>
-<p:sldLayout xmlns:a="http://schemas.openxmlformats.org/drawingml/2006/main" xmlns:r="http://schemas.openxmlformats.org/officeDocument/2006/relationships" xmlns:p="http://schemas.openxmlformats.org/presentationml/2006/main" type="twoTxTwoObj" preserve="1">
+<file path=ppt/slideLayouts/slideLayout5.xml><?xml version="1.0" encoding="utf-8"?>
+<p:sldLayout xmlns:a="http://schemas.openxmlformats.org/drawingml/2006/main" xmlns:r="http://schemas.openxmlformats.org/officeDocument/2006/relationships" xmlns:p="http://schemas.openxmlformats.org/presentationml/2006/main" preserve="1">
   <p:cSld name="비교">
     <p:spTree>
       <p:nvGrpSpPr>
@@ -2860,33 +3226,7 @@
       </p:grpSpPr>
       <p:sp>
         <p:nvSpPr>
-          <p:cNvPr id="2" name="제목 1"/>
-          <p:cNvSpPr>
-            <a:spLocks noGrp="1"/>
-          </p:cNvSpPr>
-          <p:nvPr>
-            <p:ph type="title"/>
-          </p:nvPr>
-        </p:nvSpPr>
-        <p:spPr/>
-        <p:txBody>
-          <a:bodyPr/>
-          <a:lstStyle>
-            <a:lvl1pPr>
-              <a:defRPr/>
-            </a:lvl1pPr>
-          </a:lstStyle>
-          <a:p>
-            <a:r>
-              <a:rPr lang="ko-KR" altLang="en-US"/>
-              <a:t>마스터 제목 스타일 편집</a:t>
-            </a:r>
-          </a:p>
-        </p:txBody>
-      </p:sp>
-      <p:sp>
-        <p:nvSpPr>
-          <p:cNvPr id="3" name="텍스트 개체 틀 2"/>
+          <p:cNvPr id="3" name="Text Placeholder 2"/>
           <p:cNvSpPr>
             <a:spLocks noGrp="1"/>
           </p:cNvSpPr>
@@ -2896,16 +3236,24 @@
         </p:nvSpPr>
         <p:spPr>
           <a:xfrm>
-            <a:off x="457200" y="1535113"/>
-            <a:ext cx="4040188" cy="639762"/>
+            <a:off x="685800" y="2048256"/>
+            <a:ext cx="3657600" cy="640080"/>
           </a:xfrm>
         </p:spPr>
         <p:txBody>
-          <a:bodyPr anchor="b"/>
+          <a:bodyPr anchor="ctr">
+            <a:normAutofit/>
+          </a:bodyPr>
           <a:lstStyle>
             <a:lvl1pPr marL="0" indent="0">
               <a:buNone/>
-              <a:defRPr sz="2400" b="1"/>
+              <a:defRPr sz="2000" b="1">
+                <a:solidFill>
+                  <a:schemeClr val="accent1">
+                    <a:lumMod val="75000"/>
+                  </a:schemeClr>
+                </a:solidFill>
+              </a:defRPr>
             </a:lvl1pPr>
             <a:lvl2pPr marL="457200" indent="0">
               <a:buNone/>
@@ -2944,14 +3292,14 @@
             <a:pPr lvl="0"/>
             <a:r>
               <a:rPr lang="ko-KR" altLang="en-US"/>
-              <a:t>마스터 텍스트 스타일을 편집합니다</a:t>
-            </a:r>
-          </a:p>
-        </p:txBody>
-      </p:sp>
-      <p:sp>
-        <p:nvSpPr>
-          <p:cNvPr id="4" name="내용 개체 틀 3"/>
+              <a:t>마스터 텍스트 스타일을 편집하려면 클릭</a:t>
+            </a:r>
+          </a:p>
+        </p:txBody>
+      </p:sp>
+      <p:sp>
+        <p:nvSpPr>
+          <p:cNvPr id="4" name="Content Placeholder 3"/>
           <p:cNvSpPr>
             <a:spLocks noGrp="1"/>
           </p:cNvSpPr>
@@ -2961,21 +3309,21 @@
         </p:nvSpPr>
         <p:spPr>
           <a:xfrm>
-            <a:off x="457200" y="2174875"/>
-            <a:ext cx="4040188" cy="3951288"/>
+            <a:off x="685800" y="2743200"/>
+            <a:ext cx="3657600" cy="3291840"/>
           </a:xfrm>
         </p:spPr>
         <p:txBody>
           <a:bodyPr/>
           <a:lstStyle>
             <a:lvl1pPr>
-              <a:defRPr sz="2400"/>
+              <a:defRPr sz="2000"/>
             </a:lvl1pPr>
             <a:lvl2pPr>
-              <a:defRPr sz="2000"/>
+              <a:defRPr sz="1800"/>
             </a:lvl2pPr>
             <a:lvl3pPr>
-              <a:defRPr sz="1800"/>
+              <a:defRPr sz="1600"/>
             </a:lvl3pPr>
             <a:lvl4pPr>
               <a:defRPr sz="1600"/>
@@ -3000,42 +3348,43 @@
             <a:pPr lvl="0"/>
             <a:r>
               <a:rPr lang="ko-KR" altLang="en-US"/>
-              <a:t>마스터 텍스트 스타일을 편집합니다</a:t>
+              <a:t>마스터 텍스트 스타일을 편집하려면 클릭</a:t>
             </a:r>
           </a:p>
           <a:p>
             <a:pPr lvl="1"/>
             <a:r>
               <a:rPr lang="ko-KR" altLang="en-US"/>
-              <a:t>둘째 수준</a:t>
+              <a:t>두 번째 수준</a:t>
             </a:r>
           </a:p>
           <a:p>
             <a:pPr lvl="2"/>
             <a:r>
               <a:rPr lang="ko-KR" altLang="en-US"/>
-              <a:t>셋째 수준</a:t>
+              <a:t>세 번째 수준</a:t>
             </a:r>
           </a:p>
           <a:p>
             <a:pPr lvl="3"/>
             <a:r>
               <a:rPr lang="ko-KR" altLang="en-US"/>
-              <a:t>넷째 수준</a:t>
+              <a:t>네 번째 수준</a:t>
             </a:r>
           </a:p>
           <a:p>
             <a:pPr lvl="4"/>
             <a:r>
               <a:rPr lang="ko-KR" altLang="en-US"/>
-              <a:t>다섯째 수준</a:t>
-            </a:r>
-          </a:p>
-        </p:txBody>
-      </p:sp>
-      <p:sp>
-        <p:nvSpPr>
-          <p:cNvPr id="5" name="텍스트 개체 틀 4"/>
+              <a:t>다섯 번째 수준</a:t>
+            </a:r>
+            <a:endParaRPr lang="en-US" dirty="0"/>
+          </a:p>
+        </p:txBody>
+      </p:sp>
+      <p:sp>
+        <p:nvSpPr>
+          <p:cNvPr id="5" name="Text Placeholder 4"/>
           <p:cNvSpPr>
             <a:spLocks noGrp="1"/>
           </p:cNvSpPr>
@@ -3045,16 +3394,24 @@
         </p:nvSpPr>
         <p:spPr>
           <a:xfrm>
-            <a:off x="4645025" y="1535113"/>
-            <a:ext cx="4041775" cy="639762"/>
+            <a:off x="4820793" y="2048256"/>
+            <a:ext cx="3657600" cy="640080"/>
           </a:xfrm>
         </p:spPr>
         <p:txBody>
-          <a:bodyPr anchor="b"/>
+          <a:bodyPr anchor="ctr">
+            <a:normAutofit/>
+          </a:bodyPr>
           <a:lstStyle>
             <a:lvl1pPr marL="0" indent="0">
               <a:buNone/>
-              <a:defRPr sz="2400" b="1"/>
+              <a:defRPr sz="2000" b="1">
+                <a:solidFill>
+                  <a:schemeClr val="accent1">
+                    <a:lumMod val="75000"/>
+                  </a:schemeClr>
+                </a:solidFill>
+              </a:defRPr>
             </a:lvl1pPr>
             <a:lvl2pPr marL="457200" indent="0">
               <a:buNone/>
@@ -3093,14 +3450,14 @@
             <a:pPr lvl="0"/>
             <a:r>
               <a:rPr lang="ko-KR" altLang="en-US"/>
-              <a:t>마스터 텍스트 스타일을 편집합니다</a:t>
-            </a:r>
-          </a:p>
-        </p:txBody>
-      </p:sp>
-      <p:sp>
-        <p:nvSpPr>
-          <p:cNvPr id="6" name="내용 개체 틀 5"/>
+              <a:t>마스터 텍스트 스타일을 편집하려면 클릭</a:t>
+            </a:r>
+          </a:p>
+        </p:txBody>
+      </p:sp>
+      <p:sp>
+        <p:nvSpPr>
+          <p:cNvPr id="6" name="Content Placeholder 5"/>
           <p:cNvSpPr>
             <a:spLocks noGrp="1"/>
           </p:cNvSpPr>
@@ -3110,21 +3467,21 @@
         </p:nvSpPr>
         <p:spPr>
           <a:xfrm>
-            <a:off x="4645025" y="2174875"/>
-            <a:ext cx="4041775" cy="3951288"/>
+            <a:off x="4820793" y="2743200"/>
+            <a:ext cx="3657600" cy="3291840"/>
           </a:xfrm>
         </p:spPr>
         <p:txBody>
           <a:bodyPr/>
           <a:lstStyle>
             <a:lvl1pPr>
-              <a:defRPr sz="2400"/>
+              <a:defRPr sz="2000"/>
             </a:lvl1pPr>
             <a:lvl2pPr>
-              <a:defRPr sz="2000"/>
+              <a:defRPr sz="1800"/>
             </a:lvl2pPr>
             <a:lvl3pPr>
-              <a:defRPr sz="1800"/>
+              <a:defRPr sz="1600"/>
             </a:lvl3pPr>
             <a:lvl4pPr>
               <a:defRPr sz="1600"/>
@@ -3149,42 +3506,43 @@
             <a:pPr lvl="0"/>
             <a:r>
               <a:rPr lang="ko-KR" altLang="en-US"/>
-              <a:t>마스터 텍스트 스타일을 편집합니다</a:t>
+              <a:t>마스터 텍스트 스타일을 편집하려면 클릭</a:t>
             </a:r>
           </a:p>
           <a:p>
             <a:pPr lvl="1"/>
             <a:r>
               <a:rPr lang="ko-KR" altLang="en-US"/>
-              <a:t>둘째 수준</a:t>
+              <a:t>두 번째 수준</a:t>
             </a:r>
           </a:p>
           <a:p>
             <a:pPr lvl="2"/>
             <a:r>
               <a:rPr lang="ko-KR" altLang="en-US"/>
-              <a:t>셋째 수준</a:t>
+              <a:t>세 번째 수준</a:t>
             </a:r>
           </a:p>
           <a:p>
             <a:pPr lvl="3"/>
             <a:r>
               <a:rPr lang="ko-KR" altLang="en-US"/>
-              <a:t>넷째 수준</a:t>
+              <a:t>네 번째 수준</a:t>
             </a:r>
           </a:p>
           <a:p>
             <a:pPr lvl="4"/>
             <a:r>
               <a:rPr lang="ko-KR" altLang="en-US"/>
-              <a:t>다섯째 수준</a:t>
-            </a:r>
-          </a:p>
-        </p:txBody>
-      </p:sp>
-      <p:sp>
-        <p:nvSpPr>
-          <p:cNvPr id="7" name="날짜 개체 틀 6"/>
+              <a:t>다섯 번째 수준</a:t>
+            </a:r>
+            <a:endParaRPr lang="en-US" dirty="0"/>
+          </a:p>
+        </p:txBody>
+      </p:sp>
+      <p:sp>
+        <p:nvSpPr>
+          <p:cNvPr id="7" name="Date Placeholder 6"/>
           <p:cNvSpPr>
             <a:spLocks noGrp="1"/>
           </p:cNvSpPr>
@@ -3207,7 +3565,7 @@
       </p:sp>
       <p:sp>
         <p:nvSpPr>
-          <p:cNvPr id="8" name="바닥글 개체 틀 7"/>
+          <p:cNvPr id="8" name="Footer Placeholder 7"/>
           <p:cNvSpPr>
             <a:spLocks noGrp="1"/>
           </p:cNvSpPr>
@@ -3226,7 +3584,7 @@
       </p:sp>
       <p:sp>
         <p:nvSpPr>
-          <p:cNvPr id="9" name="슬라이드 번호 개체 틀 8"/>
+          <p:cNvPr id="9" name="Slide Number Placeholder 8"/>
           <p:cNvSpPr>
             <a:spLocks noGrp="1"/>
           </p:cNvSpPr>
@@ -3247,10 +3605,33 @@
           </a:p>
         </p:txBody>
       </p:sp>
+      <p:sp>
+        <p:nvSpPr>
+          <p:cNvPr id="10" name="Title 9"/>
+          <p:cNvSpPr>
+            <a:spLocks noGrp="1"/>
+          </p:cNvSpPr>
+          <p:nvPr>
+            <p:ph type="title"/>
+          </p:nvPr>
+        </p:nvSpPr>
+        <p:spPr/>
+        <p:txBody>
+          <a:bodyPr/>
+          <a:lstStyle/>
+          <a:p>
+            <a:r>
+              <a:rPr lang="ko-KR" altLang="en-US"/>
+              <a:t>마스터 제목 스타일 편집</a:t>
+            </a:r>
+            <a:endParaRPr lang="en-US" dirty="0"/>
+          </a:p>
+        </p:txBody>
+      </p:sp>
     </p:spTree>
     <p:extLst>
       <p:ext uri="{BB962C8B-B14F-4D97-AF65-F5344CB8AC3E}">
-        <p14:creationId xmlns:p14="http://schemas.microsoft.com/office/powerpoint/2010/main" val="1693484332"/>
+        <p14:creationId xmlns:p14="http://schemas.microsoft.com/office/powerpoint/2010/main" val="2357324202"/>
       </p:ext>
     </p:extLst>
   </p:cSld>
@@ -3260,8 +3641,8 @@
 </p:sldLayout>
 </file>
 
-<file path=ppt/slideLayouts/slideLayout7.xml><?xml version="1.0" encoding="utf-8"?>
-<p:sldLayout xmlns:a="http://schemas.openxmlformats.org/drawingml/2006/main" xmlns:r="http://schemas.openxmlformats.org/officeDocument/2006/relationships" xmlns:p="http://schemas.openxmlformats.org/presentationml/2006/main" type="titleOnly" preserve="1">
+<file path=ppt/slideLayouts/slideLayout6.xml><?xml version="1.0" encoding="utf-8"?>
+<p:sldLayout xmlns:a="http://schemas.openxmlformats.org/drawingml/2006/main" xmlns:r="http://schemas.openxmlformats.org/officeDocument/2006/relationships" xmlns:p="http://schemas.openxmlformats.org/presentationml/2006/main" preserve="1">
   <p:cSld name="제목만">
     <p:spTree>
       <p:nvGrpSpPr>
@@ -3279,7 +3660,92 @@
       </p:grpSpPr>
       <p:sp>
         <p:nvSpPr>
-          <p:cNvPr id="2" name="제목 1"/>
+          <p:cNvPr id="3" name="Date Placeholder 2"/>
+          <p:cNvSpPr>
+            <a:spLocks noGrp="1"/>
+          </p:cNvSpPr>
+          <p:nvPr>
+            <p:ph type="dt" sz="half" idx="10"/>
+          </p:nvPr>
+        </p:nvSpPr>
+        <p:spPr/>
+        <p:txBody>
+          <a:bodyPr/>
+          <a:lstStyle>
+            <a:lvl1pPr>
+              <a:defRPr>
+                <a:solidFill>
+                  <a:schemeClr val="accent1">
+                    <a:lumMod val="50000"/>
+                  </a:schemeClr>
+                </a:solidFill>
+              </a:defRPr>
+            </a:lvl1pPr>
+          </a:lstStyle>
+          <a:p>
+            <a:fld id="{606CF9F9-D6A0-44AF-9347-9D35EE806363}" type="datetimeFigureOut">
+              <a:rPr lang="ko-KR" altLang="en-US" smtClean="0"/>
+              <a:t>2021. 11. 1.</a:t>
+            </a:fld>
+            <a:endParaRPr lang="ko-KR" altLang="en-US"/>
+          </a:p>
+        </p:txBody>
+      </p:sp>
+      <p:sp>
+        <p:nvSpPr>
+          <p:cNvPr id="4" name="Footer Placeholder 3"/>
+          <p:cNvSpPr>
+            <a:spLocks noGrp="1"/>
+          </p:cNvSpPr>
+          <p:nvPr>
+            <p:ph type="ftr" sz="quarter" idx="11"/>
+          </p:nvPr>
+        </p:nvSpPr>
+        <p:spPr/>
+        <p:txBody>
+          <a:bodyPr/>
+          <a:lstStyle>
+            <a:lvl1pPr>
+              <a:defRPr>
+                <a:solidFill>
+                  <a:schemeClr val="accent1">
+                    <a:lumMod val="50000"/>
+                  </a:schemeClr>
+                </a:solidFill>
+              </a:defRPr>
+            </a:lvl1pPr>
+          </a:lstStyle>
+          <a:p>
+            <a:endParaRPr lang="ko-KR" altLang="en-US"/>
+          </a:p>
+        </p:txBody>
+      </p:sp>
+      <p:sp>
+        <p:nvSpPr>
+          <p:cNvPr id="5" name="Slide Number Placeholder 4"/>
+          <p:cNvSpPr>
+            <a:spLocks noGrp="1"/>
+          </p:cNvSpPr>
+          <p:nvPr>
+            <p:ph type="sldNum" sz="quarter" idx="12"/>
+          </p:nvPr>
+        </p:nvSpPr>
+        <p:spPr/>
+        <p:txBody>
+          <a:bodyPr/>
+          <a:lstStyle/>
+          <a:p>
+            <a:fld id="{4655D361-B732-4CD6-8B12-FDB6C56F7EA5}" type="slidenum">
+              <a:rPr lang="ko-KR" altLang="en-US" smtClean="0"/>
+              <a:t>‹#›</a:t>
+            </a:fld>
+            <a:endParaRPr lang="ko-KR" altLang="en-US"/>
+          </a:p>
+        </p:txBody>
+      </p:sp>
+      <p:sp>
+        <p:nvSpPr>
+          <p:cNvPr id="6" name="Title 5"/>
           <p:cNvSpPr>
             <a:spLocks noGrp="1"/>
           </p:cNvSpPr>
@@ -3296,78 +3762,14 @@
               <a:rPr lang="ko-KR" altLang="en-US"/>
               <a:t>마스터 제목 스타일 편집</a:t>
             </a:r>
-          </a:p>
-        </p:txBody>
-      </p:sp>
-      <p:sp>
-        <p:nvSpPr>
-          <p:cNvPr id="3" name="날짜 개체 틀 2"/>
-          <p:cNvSpPr>
-            <a:spLocks noGrp="1"/>
-          </p:cNvSpPr>
-          <p:nvPr>
-            <p:ph type="dt" sz="half" idx="10"/>
-          </p:nvPr>
-        </p:nvSpPr>
-        <p:spPr/>
-        <p:txBody>
-          <a:bodyPr/>
-          <a:lstStyle/>
-          <a:p>
-            <a:fld id="{606CF9F9-D6A0-44AF-9347-9D35EE806363}" type="datetimeFigureOut">
-              <a:rPr lang="ko-KR" altLang="en-US" smtClean="0"/>
-              <a:t>2021. 11. 1.</a:t>
-            </a:fld>
-            <a:endParaRPr lang="ko-KR" altLang="en-US"/>
-          </a:p>
-        </p:txBody>
-      </p:sp>
-      <p:sp>
-        <p:nvSpPr>
-          <p:cNvPr id="4" name="바닥글 개체 틀 3"/>
-          <p:cNvSpPr>
-            <a:spLocks noGrp="1"/>
-          </p:cNvSpPr>
-          <p:nvPr>
-            <p:ph type="ftr" sz="quarter" idx="11"/>
-          </p:nvPr>
-        </p:nvSpPr>
-        <p:spPr/>
-        <p:txBody>
-          <a:bodyPr/>
-          <a:lstStyle/>
-          <a:p>
-            <a:endParaRPr lang="ko-KR" altLang="en-US"/>
-          </a:p>
-        </p:txBody>
-      </p:sp>
-      <p:sp>
-        <p:nvSpPr>
-          <p:cNvPr id="5" name="슬라이드 번호 개체 틀 4"/>
-          <p:cNvSpPr>
-            <a:spLocks noGrp="1"/>
-          </p:cNvSpPr>
-          <p:nvPr>
-            <p:ph type="sldNum" sz="quarter" idx="12"/>
-          </p:nvPr>
-        </p:nvSpPr>
-        <p:spPr/>
-        <p:txBody>
-          <a:bodyPr/>
-          <a:lstStyle/>
-          <a:p>
-            <a:fld id="{4655D361-B732-4CD6-8B12-FDB6C56F7EA5}" type="slidenum">
-              <a:rPr lang="ko-KR" altLang="en-US" smtClean="0"/>
-              <a:t>‹#›</a:t>
-            </a:fld>
-            <a:endParaRPr lang="ko-KR" altLang="en-US"/>
+            <a:endParaRPr lang="en-US"/>
           </a:p>
         </p:txBody>
       </p:sp>
     </p:spTree>
     <p:extLst>
       <p:ext uri="{BB962C8B-B14F-4D97-AF65-F5344CB8AC3E}">
-        <p14:creationId xmlns:p14="http://schemas.microsoft.com/office/powerpoint/2010/main" val="3295936620"/>
+        <p14:creationId xmlns:p14="http://schemas.microsoft.com/office/powerpoint/2010/main" val="3480117802"/>
       </p:ext>
     </p:extLst>
   </p:cSld>
@@ -3377,7 +3779,7 @@
 </p:sldLayout>
 </file>
 
-<file path=ppt/slideLayouts/slideLayout8.xml><?xml version="1.0" encoding="utf-8"?>
+<file path=ppt/slideLayouts/slideLayout7.xml><?xml version="1.0" encoding="utf-8"?>
 <p:sldLayout xmlns:a="http://schemas.openxmlformats.org/drawingml/2006/main" xmlns:r="http://schemas.openxmlformats.org/officeDocument/2006/relationships" xmlns:p="http://schemas.openxmlformats.org/presentationml/2006/main" type="blank" preserve="1">
   <p:cSld name="빈 화면">
     <p:spTree>
@@ -3396,7 +3798,7 @@
       </p:grpSpPr>
       <p:sp>
         <p:nvSpPr>
-          <p:cNvPr id="2" name="날짜 개체 틀 1"/>
+          <p:cNvPr id="2" name="Date Placeholder 1"/>
           <p:cNvSpPr>
             <a:spLocks noGrp="1"/>
           </p:cNvSpPr>
@@ -3419,7 +3821,7 @@
       </p:sp>
       <p:sp>
         <p:nvSpPr>
-          <p:cNvPr id="3" name="바닥글 개체 틀 2"/>
+          <p:cNvPr id="3" name="Footer Placeholder 2"/>
           <p:cNvSpPr>
             <a:spLocks noGrp="1"/>
           </p:cNvSpPr>
@@ -3438,7 +3840,7 @@
       </p:sp>
       <p:sp>
         <p:nvSpPr>
-          <p:cNvPr id="4" name="슬라이드 번호 개체 틀 3"/>
+          <p:cNvPr id="4" name="Slide Number Placeholder 3"/>
           <p:cNvSpPr>
             <a:spLocks noGrp="1"/>
           </p:cNvSpPr>
@@ -3462,7 +3864,7 @@
     </p:spTree>
     <p:extLst>
       <p:ext uri="{BB962C8B-B14F-4D97-AF65-F5344CB8AC3E}">
-        <p14:creationId xmlns:p14="http://schemas.microsoft.com/office/powerpoint/2010/main" val="1075698144"/>
+        <p14:creationId xmlns:p14="http://schemas.microsoft.com/office/powerpoint/2010/main" val="3061759560"/>
       </p:ext>
     </p:extLst>
   </p:cSld>
@@ -3472,8 +3874,8 @@
 </p:sldLayout>
 </file>
 
-<file path=ppt/slideLayouts/slideLayout9.xml><?xml version="1.0" encoding="utf-8"?>
-<p:sldLayout xmlns:a="http://schemas.openxmlformats.org/drawingml/2006/main" xmlns:r="http://schemas.openxmlformats.org/officeDocument/2006/relationships" xmlns:p="http://schemas.openxmlformats.org/presentationml/2006/main" type="objTx" preserve="1">
+<file path=ppt/slideLayouts/slideLayout8.xml><?xml version="1.0" encoding="utf-8"?>
+<p:sldLayout xmlns:a="http://schemas.openxmlformats.org/drawingml/2006/main" xmlns:r="http://schemas.openxmlformats.org/officeDocument/2006/relationships" xmlns:p="http://schemas.openxmlformats.org/presentationml/2006/main" showMasterSp="0" type="objTx" preserve="1">
   <p:cSld name="캡션 있는 콘텐츠">
     <p:spTree>
       <p:nvGrpSpPr>
@@ -3491,7 +3893,72 @@
       </p:grpSpPr>
       <p:sp>
         <p:nvSpPr>
-          <p:cNvPr id="2" name="제목 1"/>
+          <p:cNvPr id="8" name="Rectangle 7"/>
+          <p:cNvSpPr/>
+          <p:nvPr/>
+        </p:nvSpPr>
+        <p:spPr>
+          <a:xfrm>
+            <a:off x="6227806" y="1"/>
+            <a:ext cx="2916194" cy="6857999"/>
+          </a:xfrm>
+          <a:prstGeom prst="rect">
+            <a:avLst/>
+          </a:prstGeom>
+          <a:blipFill dpi="0" rotWithShape="1">
+            <a:blip r:embed="rId2">
+              <a:alphaModFix amt="60000"/>
+              <a:lum bright="70000" contrast="-70000"/>
+              <a:extLst>
+                <a:ext uri="{BEBA8EAE-BF5A-486C-A8C5-ECC9F3942E4B}">
+                  <a14:imgProps xmlns:a14="http://schemas.microsoft.com/office/drawing/2010/main">
+                    <a14:imgLayer r:embed="rId3">
+                      <a14:imgEffect>
+                        <a14:sharpenSoften amount="61000"/>
+                      </a14:imgEffect>
+                    </a14:imgLayer>
+                  </a14:imgProps>
+                </a:ext>
+                <a:ext uri="{28A0092B-C50C-407E-A947-70E740481C1C}">
+                  <a14:useLocalDpi xmlns:a14="http://schemas.microsoft.com/office/drawing/2010/main" val="0"/>
+                </a:ext>
+              </a:extLst>
+            </a:blip>
+            <a:srcRect/>
+            <a:tile tx="0" ty="-704850" sx="92000" sy="89000" flip="xy" algn="ctr"/>
+          </a:blipFill>
+          <a:ln>
+            <a:noFill/>
+          </a:ln>
+        </p:spPr>
+        <p:style>
+          <a:lnRef idx="2">
+            <a:schemeClr val="accent1">
+              <a:shade val="50000"/>
+            </a:schemeClr>
+          </a:lnRef>
+          <a:fillRef idx="1">
+            <a:schemeClr val="accent1"/>
+          </a:fillRef>
+          <a:effectRef idx="0">
+            <a:schemeClr val="accent1"/>
+          </a:effectRef>
+          <a:fontRef idx="minor">
+            <a:schemeClr val="lt1"/>
+          </a:fontRef>
+        </p:style>
+        <p:txBody>
+          <a:bodyPr rtlCol="0" anchor="ctr"/>
+          <a:lstStyle/>
+          <a:p>
+            <a:pPr algn="ctr"/>
+            <a:endParaRPr lang="en-US" dirty="0"/>
+          </a:p>
+        </p:txBody>
+      </p:sp>
+      <p:sp>
+        <p:nvSpPr>
+          <p:cNvPr id="2" name="Title 1"/>
           <p:cNvSpPr>
             <a:spLocks noGrp="1"/>
           </p:cNvSpPr>
@@ -3501,15 +3968,17 @@
         </p:nvSpPr>
         <p:spPr>
           <a:xfrm>
-            <a:off x="457200" y="273050"/>
-            <a:ext cx="3008313" cy="1162050"/>
+            <a:off x="6412230" y="685800"/>
+            <a:ext cx="2400300" cy="1737360"/>
           </a:xfrm>
         </p:spPr>
         <p:txBody>
-          <a:bodyPr anchor="b"/>
+          <a:bodyPr anchor="b">
+            <a:normAutofit/>
+          </a:bodyPr>
           <a:lstStyle>
-            <a:lvl1pPr algn="l">
-              <a:defRPr sz="2000" b="1"/>
+            <a:lvl1pPr>
+              <a:defRPr sz="2800" b="0"/>
             </a:lvl1pPr>
           </a:lstStyle>
           <a:p>
@@ -3517,12 +3986,13 @@
               <a:rPr lang="ko-KR" altLang="en-US"/>
               <a:t>마스터 제목 스타일 편집</a:t>
             </a:r>
-          </a:p>
-        </p:txBody>
-      </p:sp>
-      <p:sp>
-        <p:nvSpPr>
-          <p:cNvPr id="3" name="내용 개체 틀 2"/>
+            <a:endParaRPr lang="en-US" dirty="0"/>
+          </a:p>
+        </p:txBody>
+      </p:sp>
+      <p:sp>
+        <p:nvSpPr>
+          <p:cNvPr id="3" name="Content Placeholder 2"/>
           <p:cNvSpPr>
             <a:spLocks noGrp="1"/>
           </p:cNvSpPr>
@@ -3532,27 +4002,27 @@
         </p:nvSpPr>
         <p:spPr>
           <a:xfrm>
-            <a:off x="3575050" y="273050"/>
-            <a:ext cx="5111750" cy="5853113"/>
+            <a:off x="628650" y="685800"/>
+            <a:ext cx="5033772" cy="5020056"/>
           </a:xfrm>
         </p:spPr>
         <p:txBody>
           <a:bodyPr/>
           <a:lstStyle>
             <a:lvl1pPr>
-              <a:defRPr sz="3200"/>
+              <a:defRPr sz="2000"/>
             </a:lvl1pPr>
             <a:lvl2pPr>
-              <a:defRPr sz="2800"/>
+              <a:defRPr sz="1800"/>
             </a:lvl2pPr>
             <a:lvl3pPr>
-              <a:defRPr sz="2400"/>
+              <a:defRPr sz="1600"/>
             </a:lvl3pPr>
             <a:lvl4pPr>
-              <a:defRPr sz="2000"/>
+              <a:defRPr sz="1600"/>
             </a:lvl4pPr>
             <a:lvl5pPr>
-              <a:defRPr sz="2000"/>
+              <a:defRPr sz="1600"/>
             </a:lvl5pPr>
             <a:lvl6pPr>
               <a:defRPr sz="2000"/>
@@ -3571,42 +4041,43 @@
             <a:pPr lvl="0"/>
             <a:r>
               <a:rPr lang="ko-KR" altLang="en-US"/>
-              <a:t>마스터 텍스트 스타일을 편집합니다</a:t>
+              <a:t>마스터 텍스트 스타일을 편집하려면 클릭</a:t>
             </a:r>
           </a:p>
           <a:p>
             <a:pPr lvl="1"/>
             <a:r>
               <a:rPr lang="ko-KR" altLang="en-US"/>
-              <a:t>둘째 수준</a:t>
+              <a:t>두 번째 수준</a:t>
             </a:r>
           </a:p>
           <a:p>
             <a:pPr lvl="2"/>
             <a:r>
               <a:rPr lang="ko-KR" altLang="en-US"/>
-              <a:t>셋째 수준</a:t>
+              <a:t>세 번째 수준</a:t>
             </a:r>
           </a:p>
           <a:p>
             <a:pPr lvl="3"/>
             <a:r>
               <a:rPr lang="ko-KR" altLang="en-US"/>
-              <a:t>넷째 수준</a:t>
+              <a:t>네 번째 수준</a:t>
             </a:r>
           </a:p>
           <a:p>
             <a:pPr lvl="4"/>
             <a:r>
               <a:rPr lang="ko-KR" altLang="en-US"/>
-              <a:t>다섯째 수준</a:t>
-            </a:r>
-          </a:p>
-        </p:txBody>
-      </p:sp>
-      <p:sp>
-        <p:nvSpPr>
-          <p:cNvPr id="4" name="텍스트 개체 틀 3"/>
+              <a:t>다섯 번째 수준</a:t>
+            </a:r>
+            <a:endParaRPr lang="en-US" dirty="0"/>
+          </a:p>
+        </p:txBody>
+      </p:sp>
+      <p:sp>
+        <p:nvSpPr>
+          <p:cNvPr id="4" name="Text Placeholder 3"/>
           <p:cNvSpPr>
             <a:spLocks noGrp="1"/>
           </p:cNvSpPr>
@@ -3616,16 +4087,30 @@
         </p:nvSpPr>
         <p:spPr>
           <a:xfrm>
-            <a:off x="457200" y="1435100"/>
-            <a:ext cx="3008313" cy="4691063"/>
+            <a:off x="6412230" y="2423160"/>
+            <a:ext cx="2400300" cy="3291840"/>
           </a:xfrm>
         </p:spPr>
         <p:txBody>
-          <a:bodyPr/>
+          <a:bodyPr>
+            <a:normAutofit/>
+          </a:bodyPr>
           <a:lstStyle>
             <a:lvl1pPr marL="0" indent="0">
+              <a:lnSpc>
+                <a:spcPct val="100000"/>
+              </a:lnSpc>
+              <a:spcBef>
+                <a:spcPts val="1000"/>
+              </a:spcBef>
               <a:buNone/>
-              <a:defRPr sz="1400"/>
+              <a:defRPr sz="1350">
+                <a:solidFill>
+                  <a:schemeClr val="accent1">
+                    <a:lumMod val="50000"/>
+                  </a:schemeClr>
+                </a:solidFill>
+              </a:defRPr>
             </a:lvl1pPr>
             <a:lvl2pPr marL="457200" indent="0">
               <a:buNone/>
@@ -3664,14 +4149,179 @@
             <a:pPr lvl="0"/>
             <a:r>
               <a:rPr lang="ko-KR" altLang="en-US"/>
-              <a:t>마스터 텍스트 스타일을 편집합니다</a:t>
-            </a:r>
-          </a:p>
-        </p:txBody>
-      </p:sp>
-      <p:sp>
-        <p:nvSpPr>
-          <p:cNvPr id="5" name="날짜 개체 틀 4"/>
+              <a:t>마스터 텍스트 스타일을 편집하려면 클릭</a:t>
+            </a:r>
+          </a:p>
+        </p:txBody>
+      </p:sp>
+      <p:grpSp>
+        <p:nvGrpSpPr>
+          <p:cNvPr id="12" name="Group 11"/>
+          <p:cNvGrpSpPr/>
+          <p:nvPr/>
+        </p:nvGrpSpPr>
+        <p:grpSpPr>
+          <a:xfrm>
+            <a:off x="8522664" y="6255258"/>
+            <a:ext cx="393192" cy="393192"/>
+            <a:chOff x="8532189" y="5068824"/>
+            <a:chExt cx="393192" cy="393192"/>
+          </a:xfrm>
+        </p:grpSpPr>
+        <p:sp>
+          <p:nvSpPr>
+            <p:cNvPr id="13" name="Oval 12"/>
+            <p:cNvSpPr>
+              <a:spLocks noChangeAspect="1"/>
+            </p:cNvSpPr>
+            <p:nvPr/>
+          </p:nvSpPr>
+          <p:spPr>
+            <a:xfrm>
+              <a:off x="8532189" y="5068824"/>
+              <a:ext cx="393192" cy="393192"/>
+            </a:xfrm>
+            <a:prstGeom prst="ellipse">
+              <a:avLst/>
+            </a:prstGeom>
+            <a:blipFill dpi="0" rotWithShape="1">
+              <a:blip r:embed="rId4">
+                <a:duotone>
+                  <a:schemeClr val="accent1">
+                    <a:shade val="45000"/>
+                    <a:satMod val="135000"/>
+                  </a:schemeClr>
+                  <a:prstClr val="white"/>
+                </a:duotone>
+                <a:extLst>
+                  <a:ext uri="{BEBA8EAE-BF5A-486C-A8C5-ECC9F3942E4B}">
+                    <a14:imgProps xmlns:a14="http://schemas.microsoft.com/office/drawing/2010/main">
+                      <a14:imgLayer r:embed="rId5">
+                        <a14:imgEffect>
+                          <a14:saturation sat="95000"/>
+                        </a14:imgEffect>
+                        <a14:imgEffect>
+                          <a14:brightnessContrast bright="-40000" contrast="20000"/>
+                        </a14:imgEffect>
+                      </a14:imgLayer>
+                    </a14:imgProps>
+                  </a:ext>
+                </a:extLst>
+              </a:blip>
+              <a:srcRect/>
+              <a:tile tx="50800" ty="0" sx="85000" sy="85000" flip="none" algn="tl"/>
+            </a:blipFill>
+            <a:ln w="25400" cap="flat" cmpd="sng" algn="ctr">
+              <a:noFill/>
+              <a:prstDash val="solid"/>
+            </a:ln>
+            <a:effectLst/>
+          </p:spPr>
+          <p:txBody>
+            <a:bodyPr lIns="0" tIns="0" rIns="0" bIns="0" rtlCol="0" anchor="ctr"/>
+            <a:lstStyle/>
+            <a:p>
+              <a:pPr marL="0" marR="0" lvl="0" indent="0" algn="ctr" defTabSz="914400" eaLnBrk="1" fontAlgn="auto" latinLnBrk="0" hangingPunct="1">
+                <a:lnSpc>
+                  <a:spcPct val="100000"/>
+                </a:lnSpc>
+                <a:spcBef>
+                  <a:spcPts val="0"/>
+                </a:spcBef>
+                <a:spcAft>
+                  <a:spcPts val="0"/>
+                </a:spcAft>
+                <a:buClrTx/>
+                <a:buSzTx/>
+                <a:buFontTx/>
+                <a:buNone/>
+                <a:tabLst/>
+                <a:defRPr/>
+              </a:pPr>
+              <a:endParaRPr kumimoji="0" lang="en-US" sz="2000" b="0" i="0" u="none" strike="noStrike" kern="0" cap="none" spc="0" normalizeH="0" baseline="0" noProof="0" dirty="0">
+                <a:ln>
+                  <a:noFill/>
+                </a:ln>
+                <a:solidFill>
+                  <a:prstClr val="white"/>
+                </a:solidFill>
+                <a:effectLst/>
+                <a:uLnTx/>
+                <a:uFillTx/>
+                <a:latin typeface="Rockwell Extra Bold" pitchFamily="18" charset="0"/>
+                <a:ea typeface="+mn-ea"/>
+                <a:cs typeface="+mn-cs"/>
+              </a:endParaRPr>
+            </a:p>
+          </p:txBody>
+        </p:sp>
+        <p:sp>
+          <p:nvSpPr>
+            <p:cNvPr id="14" name="Oval 13"/>
+            <p:cNvSpPr>
+              <a:spLocks noChangeAspect="1"/>
+            </p:cNvSpPr>
+            <p:nvPr/>
+          </p:nvSpPr>
+          <p:spPr>
+            <a:xfrm>
+              <a:off x="8568766" y="5105400"/>
+              <a:ext cx="320039" cy="320040"/>
+            </a:xfrm>
+            <a:prstGeom prst="ellipse">
+              <a:avLst/>
+            </a:prstGeom>
+            <a:noFill/>
+            <a:ln w="12700" cap="flat" cmpd="sng" algn="ctr">
+              <a:solidFill>
+                <a:srgbClr val="FFFFFF"/>
+              </a:solidFill>
+              <a:prstDash val="solid"/>
+            </a:ln>
+            <a:effectLst/>
+          </p:spPr>
+          <p:txBody>
+            <a:bodyPr rtlCol="0" anchor="ctr"/>
+            <a:lstStyle/>
+            <a:p>
+              <a:pPr marL="0" marR="0" lvl="0" indent="0" algn="ctr" defTabSz="914400" eaLnBrk="1" fontAlgn="auto" latinLnBrk="0" hangingPunct="1">
+                <a:lnSpc>
+                  <a:spcPct val="100000"/>
+                </a:lnSpc>
+                <a:spcBef>
+                  <a:spcPts val="0"/>
+                </a:spcBef>
+                <a:spcAft>
+                  <a:spcPts val="0"/>
+                </a:spcAft>
+                <a:buClrTx/>
+                <a:buSzTx/>
+                <a:buFontTx/>
+                <a:buNone/>
+                <a:tabLst/>
+                <a:defRPr/>
+              </a:pPr>
+              <a:endParaRPr kumimoji="0" lang="en-US" sz="1800" b="0" i="0" u="none" strike="noStrike" kern="0" cap="none" spc="0" normalizeH="0" baseline="0" noProof="0" dirty="0">
+                <a:ln>
+                  <a:noFill/>
+                </a:ln>
+                <a:solidFill>
+                  <a:prstClr val="white"/>
+                </a:solidFill>
+                <a:effectLst/>
+                <a:uLnTx/>
+                <a:uFillTx/>
+                <a:latin typeface="Calibri"/>
+                <a:ea typeface="+mn-ea"/>
+                <a:cs typeface="+mn-cs"/>
+              </a:endParaRPr>
+            </a:p>
+          </p:txBody>
+        </p:sp>
+      </p:grpSp>
+      <p:sp>
+        <p:nvSpPr>
+          <p:cNvPr id="9" name="Date Placeholder 8"/>
           <p:cNvSpPr>
             <a:spLocks noGrp="1"/>
           </p:cNvSpPr>
@@ -3694,7 +4344,7 @@
       </p:sp>
       <p:sp>
         <p:nvSpPr>
-          <p:cNvPr id="6" name="바닥글 개체 틀 5"/>
+          <p:cNvPr id="10" name="Footer Placeholder 9"/>
           <p:cNvSpPr>
             <a:spLocks noGrp="1"/>
           </p:cNvSpPr>
@@ -3713,7 +4363,7 @@
       </p:sp>
       <p:sp>
         <p:nvSpPr>
-          <p:cNvPr id="7" name="슬라이드 번호 개체 틀 6"/>
+          <p:cNvPr id="11" name="Slide Number Placeholder 10"/>
           <p:cNvSpPr>
             <a:spLocks noGrp="1"/>
           </p:cNvSpPr>
@@ -3737,7 +4387,497 @@
     </p:spTree>
     <p:extLst>
       <p:ext uri="{BB962C8B-B14F-4D97-AF65-F5344CB8AC3E}">
-        <p14:creationId xmlns:p14="http://schemas.microsoft.com/office/powerpoint/2010/main" val="1765262491"/>
+        <p14:creationId xmlns:p14="http://schemas.microsoft.com/office/powerpoint/2010/main" val="1458893739"/>
+      </p:ext>
+    </p:extLst>
+  </p:cSld>
+  <p:clrMapOvr>
+    <a:masterClrMapping/>
+  </p:clrMapOvr>
+</p:sldLayout>
+</file>
+
+<file path=ppt/slideLayouts/slideLayout9.xml><?xml version="1.0" encoding="utf-8"?>
+<p:sldLayout xmlns:a="http://schemas.openxmlformats.org/drawingml/2006/main" xmlns:r="http://schemas.openxmlformats.org/officeDocument/2006/relationships" xmlns:p="http://schemas.openxmlformats.org/presentationml/2006/main" showMasterSp="0" type="picTx" preserve="1">
+  <p:cSld name="캡션 있는 그림">
+    <p:spTree>
+      <p:nvGrpSpPr>
+        <p:cNvPr id="1" name=""/>
+        <p:cNvGrpSpPr/>
+        <p:nvPr/>
+      </p:nvGrpSpPr>
+      <p:grpSpPr>
+        <a:xfrm>
+          <a:off x="0" y="0"/>
+          <a:ext cx="0" cy="0"/>
+          <a:chOff x="0" y="0"/>
+          <a:chExt cx="0" cy="0"/>
+        </a:xfrm>
+      </p:grpSpPr>
+      <p:sp>
+        <p:nvSpPr>
+          <p:cNvPr id="11" name="Rectangle 10"/>
+          <p:cNvSpPr/>
+          <p:nvPr/>
+        </p:nvSpPr>
+        <p:spPr>
+          <a:xfrm>
+            <a:off x="6227806" y="1"/>
+            <a:ext cx="2916194" cy="6857999"/>
+          </a:xfrm>
+          <a:prstGeom prst="rect">
+            <a:avLst/>
+          </a:prstGeom>
+          <a:blipFill dpi="0" rotWithShape="1">
+            <a:blip r:embed="rId2">
+              <a:alphaModFix amt="60000"/>
+              <a:lum bright="70000" contrast="-70000"/>
+              <a:extLst>
+                <a:ext uri="{BEBA8EAE-BF5A-486C-A8C5-ECC9F3942E4B}">
+                  <a14:imgProps xmlns:a14="http://schemas.microsoft.com/office/drawing/2010/main">
+                    <a14:imgLayer r:embed="rId3">
+                      <a14:imgEffect>
+                        <a14:sharpenSoften amount="61000"/>
+                      </a14:imgEffect>
+                    </a14:imgLayer>
+                  </a14:imgProps>
+                </a:ext>
+                <a:ext uri="{28A0092B-C50C-407E-A947-70E740481C1C}">
+                  <a14:useLocalDpi xmlns:a14="http://schemas.microsoft.com/office/drawing/2010/main" val="0"/>
+                </a:ext>
+              </a:extLst>
+            </a:blip>
+            <a:srcRect/>
+            <a:tile tx="0" ty="-704850" sx="92000" sy="89000" flip="xy" algn="ctr"/>
+          </a:blipFill>
+          <a:ln>
+            <a:noFill/>
+          </a:ln>
+        </p:spPr>
+        <p:style>
+          <a:lnRef idx="2">
+            <a:schemeClr val="accent1">
+              <a:shade val="50000"/>
+            </a:schemeClr>
+          </a:lnRef>
+          <a:fillRef idx="1">
+            <a:schemeClr val="accent1"/>
+          </a:fillRef>
+          <a:effectRef idx="0">
+            <a:schemeClr val="accent1"/>
+          </a:effectRef>
+          <a:fontRef idx="minor">
+            <a:schemeClr val="lt1"/>
+          </a:fontRef>
+        </p:style>
+        <p:txBody>
+          <a:bodyPr rtlCol="0" anchor="ctr"/>
+          <a:lstStyle/>
+          <a:p>
+            <a:pPr algn="ctr"/>
+            <a:endParaRPr lang="en-US"/>
+          </a:p>
+        </p:txBody>
+      </p:sp>
+      <p:sp>
+        <p:nvSpPr>
+          <p:cNvPr id="2" name="Title 1"/>
+          <p:cNvSpPr>
+            <a:spLocks noGrp="1"/>
+          </p:cNvSpPr>
+          <p:nvPr>
+            <p:ph type="title"/>
+          </p:nvPr>
+        </p:nvSpPr>
+        <p:spPr>
+          <a:xfrm>
+            <a:off x="6412230" y="685800"/>
+            <a:ext cx="2400300" cy="1737360"/>
+          </a:xfrm>
+        </p:spPr>
+        <p:txBody>
+          <a:bodyPr anchor="b">
+            <a:normAutofit/>
+          </a:bodyPr>
+          <a:lstStyle>
+            <a:lvl1pPr>
+              <a:defRPr sz="2800" b="0"/>
+            </a:lvl1pPr>
+          </a:lstStyle>
+          <a:p>
+            <a:r>
+              <a:rPr lang="ko-KR" altLang="en-US"/>
+              <a:t>마스터 제목 스타일 편집</a:t>
+            </a:r>
+            <a:endParaRPr lang="en-US" dirty="0"/>
+          </a:p>
+        </p:txBody>
+      </p:sp>
+      <p:sp>
+        <p:nvSpPr>
+          <p:cNvPr id="3" name="Picture Placeholder 2"/>
+          <p:cNvSpPr>
+            <a:spLocks noGrp="1"/>
+          </p:cNvSpPr>
+          <p:nvPr>
+            <p:ph type="pic" idx="1"/>
+          </p:nvPr>
+        </p:nvSpPr>
+        <p:spPr>
+          <a:xfrm>
+            <a:off x="0" y="0"/>
+            <a:ext cx="6227805" cy="6858000"/>
+          </a:xfrm>
+          <a:solidFill>
+            <a:schemeClr val="tx2">
+              <a:lumMod val="20000"/>
+              <a:lumOff val="80000"/>
+            </a:schemeClr>
+          </a:solidFill>
+        </p:spPr>
+        <p:txBody>
+          <a:bodyPr/>
+          <a:lstStyle>
+            <a:lvl1pPr marL="0" indent="0">
+              <a:buNone/>
+              <a:defRPr sz="3200"/>
+            </a:lvl1pPr>
+            <a:lvl2pPr marL="457200" indent="0">
+              <a:buNone/>
+              <a:defRPr sz="2800"/>
+            </a:lvl2pPr>
+            <a:lvl3pPr marL="914400" indent="0">
+              <a:buNone/>
+              <a:defRPr sz="2400"/>
+            </a:lvl3pPr>
+            <a:lvl4pPr marL="1371600" indent="0">
+              <a:buNone/>
+              <a:defRPr sz="2000"/>
+            </a:lvl4pPr>
+            <a:lvl5pPr marL="1828800" indent="0">
+              <a:buNone/>
+              <a:defRPr sz="2000"/>
+            </a:lvl5pPr>
+            <a:lvl6pPr marL="2286000" indent="0">
+              <a:buNone/>
+              <a:defRPr sz="2000"/>
+            </a:lvl6pPr>
+            <a:lvl7pPr marL="2743200" indent="0">
+              <a:buNone/>
+              <a:defRPr sz="2000"/>
+            </a:lvl7pPr>
+            <a:lvl8pPr marL="3200400" indent="0">
+              <a:buNone/>
+              <a:defRPr sz="2000"/>
+            </a:lvl8pPr>
+            <a:lvl9pPr marL="3657600" indent="0">
+              <a:buNone/>
+              <a:defRPr sz="2000"/>
+            </a:lvl9pPr>
+          </a:lstStyle>
+          <a:p>
+            <a:r>
+              <a:rPr lang="ko-KR" altLang="en-US"/>
+              <a:t>그림을 추가하려면 아이콘을 클릭하십시오</a:t>
+            </a:r>
+            <a:endParaRPr lang="en-US" dirty="0"/>
+          </a:p>
+        </p:txBody>
+      </p:sp>
+      <p:sp>
+        <p:nvSpPr>
+          <p:cNvPr id="4" name="Text Placeholder 3"/>
+          <p:cNvSpPr>
+            <a:spLocks noGrp="1"/>
+          </p:cNvSpPr>
+          <p:nvPr>
+            <p:ph type="body" sz="half" idx="2"/>
+          </p:nvPr>
+        </p:nvSpPr>
+        <p:spPr>
+          <a:xfrm>
+            <a:off x="6412230" y="2423160"/>
+            <a:ext cx="2400300" cy="3291840"/>
+          </a:xfrm>
+        </p:spPr>
+        <p:txBody>
+          <a:bodyPr>
+            <a:normAutofit/>
+          </a:bodyPr>
+          <a:lstStyle>
+            <a:lvl1pPr marL="0" indent="0">
+              <a:lnSpc>
+                <a:spcPct val="100000"/>
+              </a:lnSpc>
+              <a:spcBef>
+                <a:spcPts val="1000"/>
+              </a:spcBef>
+              <a:buNone/>
+              <a:defRPr sz="1350">
+                <a:solidFill>
+                  <a:schemeClr val="accent1">
+                    <a:lumMod val="50000"/>
+                  </a:schemeClr>
+                </a:solidFill>
+              </a:defRPr>
+            </a:lvl1pPr>
+            <a:lvl2pPr marL="457200" indent="0">
+              <a:buNone/>
+              <a:defRPr sz="1200"/>
+            </a:lvl2pPr>
+            <a:lvl3pPr marL="914400" indent="0">
+              <a:buNone/>
+              <a:defRPr sz="1000"/>
+            </a:lvl3pPr>
+            <a:lvl4pPr marL="1371600" indent="0">
+              <a:buNone/>
+              <a:defRPr sz="900"/>
+            </a:lvl4pPr>
+            <a:lvl5pPr marL="1828800" indent="0">
+              <a:buNone/>
+              <a:defRPr sz="900"/>
+            </a:lvl5pPr>
+            <a:lvl6pPr marL="2286000" indent="0">
+              <a:buNone/>
+              <a:defRPr sz="900"/>
+            </a:lvl6pPr>
+            <a:lvl7pPr marL="2743200" indent="0">
+              <a:buNone/>
+              <a:defRPr sz="900"/>
+            </a:lvl7pPr>
+            <a:lvl8pPr marL="3200400" indent="0">
+              <a:buNone/>
+              <a:defRPr sz="900"/>
+            </a:lvl8pPr>
+            <a:lvl9pPr marL="3657600" indent="0">
+              <a:buNone/>
+              <a:defRPr sz="900"/>
+            </a:lvl9pPr>
+          </a:lstStyle>
+          <a:p>
+            <a:pPr lvl="0"/>
+            <a:r>
+              <a:rPr lang="ko-KR" altLang="en-US"/>
+              <a:t>마스터 텍스트 스타일을 편집하려면 클릭</a:t>
+            </a:r>
+          </a:p>
+        </p:txBody>
+      </p:sp>
+      <p:grpSp>
+        <p:nvGrpSpPr>
+          <p:cNvPr id="12" name="Group 11"/>
+          <p:cNvGrpSpPr/>
+          <p:nvPr/>
+        </p:nvGrpSpPr>
+        <p:grpSpPr>
+          <a:xfrm>
+            <a:off x="8522664" y="6255258"/>
+            <a:ext cx="393192" cy="393192"/>
+            <a:chOff x="8532189" y="5068824"/>
+            <a:chExt cx="393192" cy="393192"/>
+          </a:xfrm>
+        </p:grpSpPr>
+        <p:sp>
+          <p:nvSpPr>
+            <p:cNvPr id="13" name="Oval 12"/>
+            <p:cNvSpPr>
+              <a:spLocks noChangeAspect="1"/>
+            </p:cNvSpPr>
+            <p:nvPr/>
+          </p:nvSpPr>
+          <p:spPr>
+            <a:xfrm>
+              <a:off x="8532189" y="5068824"/>
+              <a:ext cx="393192" cy="393192"/>
+            </a:xfrm>
+            <a:prstGeom prst="ellipse">
+              <a:avLst/>
+            </a:prstGeom>
+            <a:blipFill dpi="0" rotWithShape="1">
+              <a:blip r:embed="rId4">
+                <a:duotone>
+                  <a:schemeClr val="accent1">
+                    <a:shade val="45000"/>
+                    <a:satMod val="135000"/>
+                  </a:schemeClr>
+                  <a:prstClr val="white"/>
+                </a:duotone>
+                <a:extLst>
+                  <a:ext uri="{BEBA8EAE-BF5A-486C-A8C5-ECC9F3942E4B}">
+                    <a14:imgProps xmlns:a14="http://schemas.microsoft.com/office/drawing/2010/main">
+                      <a14:imgLayer r:embed="rId5">
+                        <a14:imgEffect>
+                          <a14:saturation sat="95000"/>
+                        </a14:imgEffect>
+                        <a14:imgEffect>
+                          <a14:brightnessContrast bright="-40000" contrast="20000"/>
+                        </a14:imgEffect>
+                      </a14:imgLayer>
+                    </a14:imgProps>
+                  </a:ext>
+                </a:extLst>
+              </a:blip>
+              <a:srcRect/>
+              <a:tile tx="50800" ty="0" sx="85000" sy="85000" flip="none" algn="tl"/>
+            </a:blipFill>
+            <a:ln w="25400" cap="flat" cmpd="sng" algn="ctr">
+              <a:noFill/>
+              <a:prstDash val="solid"/>
+            </a:ln>
+            <a:effectLst/>
+          </p:spPr>
+          <p:txBody>
+            <a:bodyPr lIns="0" tIns="0" rIns="0" bIns="0" rtlCol="0" anchor="ctr"/>
+            <a:lstStyle/>
+            <a:p>
+              <a:pPr marL="0" marR="0" lvl="0" indent="0" algn="ctr" defTabSz="914400" eaLnBrk="1" fontAlgn="auto" latinLnBrk="0" hangingPunct="1">
+                <a:lnSpc>
+                  <a:spcPct val="100000"/>
+                </a:lnSpc>
+                <a:spcBef>
+                  <a:spcPts val="0"/>
+                </a:spcBef>
+                <a:spcAft>
+                  <a:spcPts val="0"/>
+                </a:spcAft>
+                <a:buClrTx/>
+                <a:buSzTx/>
+                <a:buFontTx/>
+                <a:buNone/>
+                <a:tabLst/>
+                <a:defRPr/>
+              </a:pPr>
+              <a:endParaRPr kumimoji="0" lang="en-US" sz="2000" b="0" i="0" u="none" strike="noStrike" kern="0" cap="none" spc="0" normalizeH="0" baseline="0" noProof="0" dirty="0">
+                <a:ln>
+                  <a:noFill/>
+                </a:ln>
+                <a:solidFill>
+                  <a:prstClr val="white"/>
+                </a:solidFill>
+                <a:effectLst/>
+                <a:uLnTx/>
+                <a:uFillTx/>
+                <a:latin typeface="Rockwell Extra Bold" pitchFamily="18" charset="0"/>
+                <a:ea typeface="+mn-ea"/>
+                <a:cs typeface="+mn-cs"/>
+              </a:endParaRPr>
+            </a:p>
+          </p:txBody>
+        </p:sp>
+        <p:sp>
+          <p:nvSpPr>
+            <p:cNvPr id="14" name="Oval 13"/>
+            <p:cNvSpPr>
+              <a:spLocks noChangeAspect="1"/>
+            </p:cNvSpPr>
+            <p:nvPr/>
+          </p:nvSpPr>
+          <p:spPr>
+            <a:xfrm>
+              <a:off x="8568766" y="5105400"/>
+              <a:ext cx="320039" cy="320040"/>
+            </a:xfrm>
+            <a:prstGeom prst="ellipse">
+              <a:avLst/>
+            </a:prstGeom>
+            <a:noFill/>
+            <a:ln w="12700" cap="flat" cmpd="sng" algn="ctr">
+              <a:solidFill>
+                <a:srgbClr val="FFFFFF"/>
+              </a:solidFill>
+              <a:prstDash val="solid"/>
+            </a:ln>
+            <a:effectLst/>
+          </p:spPr>
+          <p:txBody>
+            <a:bodyPr rtlCol="0" anchor="ctr"/>
+            <a:lstStyle/>
+            <a:p>
+              <a:pPr marL="0" marR="0" lvl="0" indent="0" algn="ctr" defTabSz="914400" eaLnBrk="1" fontAlgn="auto" latinLnBrk="0" hangingPunct="1">
+                <a:lnSpc>
+                  <a:spcPct val="100000"/>
+                </a:lnSpc>
+                <a:spcBef>
+                  <a:spcPts val="0"/>
+                </a:spcBef>
+                <a:spcAft>
+                  <a:spcPts val="0"/>
+                </a:spcAft>
+                <a:buClrTx/>
+                <a:buSzTx/>
+                <a:buFontTx/>
+                <a:buNone/>
+                <a:tabLst/>
+                <a:defRPr/>
+              </a:pPr>
+              <a:endParaRPr kumimoji="0" lang="en-US" sz="1800" b="0" i="0" u="none" strike="noStrike" kern="0" cap="none" spc="0" normalizeH="0" baseline="0" noProof="0" dirty="0">
+                <a:ln>
+                  <a:noFill/>
+                </a:ln>
+                <a:solidFill>
+                  <a:prstClr val="white"/>
+                </a:solidFill>
+                <a:effectLst/>
+                <a:uLnTx/>
+                <a:uFillTx/>
+                <a:latin typeface="Calibri"/>
+                <a:ea typeface="+mn-ea"/>
+                <a:cs typeface="+mn-cs"/>
+              </a:endParaRPr>
+            </a:p>
+          </p:txBody>
+        </p:sp>
+      </p:grpSp>
+      <p:sp>
+        <p:nvSpPr>
+          <p:cNvPr id="8" name="Date Placeholder 7"/>
+          <p:cNvSpPr>
+            <a:spLocks noGrp="1"/>
+          </p:cNvSpPr>
+          <p:nvPr>
+            <p:ph type="dt" sz="half" idx="10"/>
+          </p:nvPr>
+        </p:nvSpPr>
+        <p:spPr/>
+        <p:txBody>
+          <a:bodyPr/>
+          <a:lstStyle/>
+          <a:p>
+            <a:fld id="{606CF9F9-D6A0-44AF-9347-9D35EE806363}" type="datetimeFigureOut">
+              <a:rPr lang="ko-KR" altLang="en-US" smtClean="0"/>
+              <a:t>2021. 11. 1.</a:t>
+            </a:fld>
+            <a:endParaRPr lang="ko-KR" altLang="en-US"/>
+          </a:p>
+        </p:txBody>
+      </p:sp>
+      <p:sp>
+        <p:nvSpPr>
+          <p:cNvPr id="10" name="Slide Number Placeholder 9"/>
+          <p:cNvSpPr>
+            <a:spLocks noGrp="1"/>
+          </p:cNvSpPr>
+          <p:nvPr>
+            <p:ph type="sldNum" sz="quarter" idx="12"/>
+          </p:nvPr>
+        </p:nvSpPr>
+        <p:spPr/>
+        <p:txBody>
+          <a:bodyPr/>
+          <a:lstStyle/>
+          <a:p>
+            <a:fld id="{4655D361-B732-4CD6-8B12-FDB6C56F7EA5}" type="slidenum">
+              <a:rPr lang="ko-KR" altLang="en-US" smtClean="0"/>
+              <a:t>‹#›</a:t>
+            </a:fld>
+            <a:endParaRPr lang="ko-KR" altLang="en-US"/>
+          </a:p>
+        </p:txBody>
+      </p:sp>
+    </p:spTree>
+    <p:extLst>
+      <p:ext uri="{BB962C8B-B14F-4D97-AF65-F5344CB8AC3E}">
+        <p14:creationId xmlns:p14="http://schemas.microsoft.com/office/powerpoint/2010/main" val="3258629978"/>
       </p:ext>
     </p:extLst>
   </p:cSld>
@@ -3769,9 +4909,174 @@
           <a:chExt cx="0" cy="0"/>
         </a:xfrm>
       </p:grpSpPr>
-      <p:sp>
-        <p:nvSpPr>
-          <p:cNvPr id="2" name="제목 개체 틀 1"/>
+      <p:grpSp>
+        <p:nvGrpSpPr>
+          <p:cNvPr id="12" name="Group 11"/>
+          <p:cNvGrpSpPr/>
+          <p:nvPr/>
+        </p:nvGrpSpPr>
+        <p:grpSpPr>
+          <a:xfrm>
+            <a:off x="8522664" y="6255258"/>
+            <a:ext cx="393192" cy="393192"/>
+            <a:chOff x="8532189" y="5068824"/>
+            <a:chExt cx="393192" cy="393192"/>
+          </a:xfrm>
+        </p:grpSpPr>
+        <p:sp>
+          <p:nvSpPr>
+            <p:cNvPr id="8" name="Oval 7"/>
+            <p:cNvSpPr>
+              <a:spLocks noChangeAspect="1"/>
+            </p:cNvSpPr>
+            <p:nvPr/>
+          </p:nvSpPr>
+          <p:spPr>
+            <a:xfrm>
+              <a:off x="8532189" y="5068824"/>
+              <a:ext cx="393192" cy="393192"/>
+            </a:xfrm>
+            <a:prstGeom prst="ellipse">
+              <a:avLst/>
+            </a:prstGeom>
+            <a:blipFill dpi="0" rotWithShape="1">
+              <a:blip r:embed="rId14">
+                <a:duotone>
+                  <a:schemeClr val="accent1">
+                    <a:shade val="45000"/>
+                    <a:satMod val="135000"/>
+                  </a:schemeClr>
+                  <a:prstClr val="white"/>
+                </a:duotone>
+                <a:extLst>
+                  <a:ext uri="{BEBA8EAE-BF5A-486C-A8C5-ECC9F3942E4B}">
+                    <a14:imgProps xmlns:a14="http://schemas.microsoft.com/office/drawing/2010/main">
+                      <a14:imgLayer r:embed="rId15">
+                        <a14:imgEffect>
+                          <a14:saturation sat="95000"/>
+                        </a14:imgEffect>
+                        <a14:imgEffect>
+                          <a14:brightnessContrast bright="-40000" contrast="20000"/>
+                        </a14:imgEffect>
+                      </a14:imgLayer>
+                    </a14:imgProps>
+                  </a:ext>
+                </a:extLst>
+              </a:blip>
+              <a:srcRect/>
+              <a:tile tx="50800" ty="0" sx="85000" sy="85000" flip="none" algn="tl"/>
+            </a:blipFill>
+            <a:ln w="25400" cap="flat" cmpd="sng" algn="ctr">
+              <a:noFill/>
+              <a:prstDash val="solid"/>
+            </a:ln>
+            <a:effectLst/>
+          </p:spPr>
+          <p:txBody>
+            <a:bodyPr lIns="0" tIns="0" rIns="0" bIns="0" rtlCol="0" anchor="ctr"/>
+            <a:lstStyle/>
+            <a:p>
+              <a:pPr marL="0" marR="0" lvl="0" indent="0" algn="ctr" defTabSz="914400" eaLnBrk="1" fontAlgn="auto" latinLnBrk="0" hangingPunct="1">
+                <a:lnSpc>
+                  <a:spcPct val="100000"/>
+                </a:lnSpc>
+                <a:spcBef>
+                  <a:spcPts val="0"/>
+                </a:spcBef>
+                <a:spcAft>
+                  <a:spcPts val="0"/>
+                </a:spcAft>
+                <a:buClrTx/>
+                <a:buSzTx/>
+                <a:buFontTx/>
+                <a:buNone/>
+                <a:tabLst/>
+                <a:defRPr/>
+              </a:pPr>
+              <a:endParaRPr kumimoji="0" lang="en-US" sz="2000" b="0" i="0" u="none" strike="noStrike" kern="0" cap="none" spc="0" normalizeH="0" baseline="0" noProof="0" dirty="0">
+                <a:ln>
+                  <a:noFill/>
+                </a:ln>
+                <a:solidFill>
+                  <a:prstClr val="white"/>
+                </a:solidFill>
+                <a:effectLst/>
+                <a:uLnTx/>
+                <a:uFillTx/>
+                <a:latin typeface="Rockwell Extra Bold" pitchFamily="18" charset="0"/>
+                <a:ea typeface="+mn-ea"/>
+                <a:cs typeface="+mn-cs"/>
+              </a:endParaRPr>
+            </a:p>
+          </p:txBody>
+        </p:sp>
+        <p:sp>
+          <p:nvSpPr>
+            <p:cNvPr id="9" name="Oval 8"/>
+            <p:cNvSpPr>
+              <a:spLocks noChangeAspect="1"/>
+            </p:cNvSpPr>
+            <p:nvPr/>
+          </p:nvSpPr>
+          <p:spPr>
+            <a:xfrm>
+              <a:off x="8568766" y="5105400"/>
+              <a:ext cx="320039" cy="320040"/>
+            </a:xfrm>
+            <a:prstGeom prst="ellipse">
+              <a:avLst/>
+            </a:prstGeom>
+            <a:noFill/>
+            <a:ln w="12700" cap="flat" cmpd="sng" algn="ctr">
+              <a:solidFill>
+                <a:srgbClr val="FFFFFF"/>
+              </a:solidFill>
+              <a:prstDash val="solid"/>
+            </a:ln>
+            <a:effectLst/>
+          </p:spPr>
+          <p:txBody>
+            <a:bodyPr rtlCol="0" anchor="ctr"/>
+            <a:lstStyle/>
+            <a:p>
+              <a:pPr marL="0" marR="0" lvl="0" indent="0" algn="ctr" defTabSz="914400" eaLnBrk="1" fontAlgn="auto" latinLnBrk="0" hangingPunct="1">
+                <a:lnSpc>
+                  <a:spcPct val="100000"/>
+                </a:lnSpc>
+                <a:spcBef>
+                  <a:spcPts val="0"/>
+                </a:spcBef>
+                <a:spcAft>
+                  <a:spcPts val="0"/>
+                </a:spcAft>
+                <a:buClrTx/>
+                <a:buSzTx/>
+                <a:buFontTx/>
+                <a:buNone/>
+                <a:tabLst/>
+                <a:defRPr/>
+              </a:pPr>
+              <a:endParaRPr kumimoji="0" lang="en-US" sz="1800" b="0" i="0" u="none" strike="noStrike" kern="0" cap="none" spc="0" normalizeH="0" baseline="0" noProof="0" dirty="0">
+                <a:ln>
+                  <a:noFill/>
+                </a:ln>
+                <a:solidFill>
+                  <a:prstClr val="white"/>
+                </a:solidFill>
+                <a:effectLst/>
+                <a:uLnTx/>
+                <a:uFillTx/>
+                <a:latin typeface="Calibri"/>
+                <a:ea typeface="+mn-ea"/>
+                <a:cs typeface="+mn-cs"/>
+              </a:endParaRPr>
+            </a:p>
+          </p:txBody>
+        </p:sp>
+      </p:grpSp>
+      <p:sp>
+        <p:nvSpPr>
+          <p:cNvPr id="2" name="Title Placeholder 1"/>
           <p:cNvSpPr>
             <a:spLocks noGrp="1"/>
           </p:cNvSpPr>
@@ -3781,8 +5086,8 @@
         </p:nvSpPr>
         <p:spPr>
           <a:xfrm>
-            <a:off x="457200" y="274638"/>
-            <a:ext cx="8229600" cy="1143000"/>
+            <a:off x="685800" y="484632"/>
+            <a:ext cx="7772400" cy="1609344"/>
           </a:xfrm>
           <a:prstGeom prst="rect">
             <a:avLst/>
@@ -3798,12 +5103,13 @@
               <a:rPr lang="ko-KR" altLang="en-US"/>
               <a:t>마스터 제목 스타일 편집</a:t>
             </a:r>
-          </a:p>
-        </p:txBody>
-      </p:sp>
-      <p:sp>
-        <p:nvSpPr>
-          <p:cNvPr id="3" name="텍스트 개체 틀 2"/>
+            <a:endParaRPr lang="en-US" dirty="0"/>
+          </a:p>
+        </p:txBody>
+      </p:sp>
+      <p:sp>
+        <p:nvSpPr>
+          <p:cNvPr id="3" name="Text Placeholder 2"/>
           <p:cNvSpPr>
             <a:spLocks noGrp="1"/>
           </p:cNvSpPr>
@@ -3813,8 +5119,8 @@
         </p:nvSpPr>
         <p:spPr>
           <a:xfrm>
-            <a:off x="457200" y="1600200"/>
-            <a:ext cx="8229600" cy="4525963"/>
+            <a:off x="685800" y="2121408"/>
+            <a:ext cx="7772400" cy="4050792"/>
           </a:xfrm>
           <a:prstGeom prst="rect">
             <a:avLst/>
@@ -3829,42 +5135,43 @@
             <a:pPr lvl="0"/>
             <a:r>
               <a:rPr lang="ko-KR" altLang="en-US"/>
-              <a:t>마스터 텍스트 스타일을 편집합니다</a:t>
+              <a:t>마스터 텍스트 스타일을 편집하려면 클릭</a:t>
             </a:r>
           </a:p>
           <a:p>
             <a:pPr lvl="1"/>
             <a:r>
               <a:rPr lang="ko-KR" altLang="en-US"/>
-              <a:t>둘째 수준</a:t>
+              <a:t>두 번째 수준</a:t>
             </a:r>
           </a:p>
           <a:p>
             <a:pPr lvl="2"/>
             <a:r>
               <a:rPr lang="ko-KR" altLang="en-US"/>
-              <a:t>셋째 수준</a:t>
+              <a:t>세 번째 수준</a:t>
             </a:r>
           </a:p>
           <a:p>
             <a:pPr lvl="3"/>
             <a:r>
               <a:rPr lang="ko-KR" altLang="en-US"/>
-              <a:t>넷째 수준</a:t>
+              <a:t>네 번째 수준</a:t>
             </a:r>
           </a:p>
           <a:p>
             <a:pPr lvl="4"/>
             <a:r>
               <a:rPr lang="ko-KR" altLang="en-US"/>
-              <a:t>다섯째 수준</a:t>
-            </a:r>
-          </a:p>
-        </p:txBody>
-      </p:sp>
-      <p:sp>
-        <p:nvSpPr>
-          <p:cNvPr id="4" name="날짜 개체 틀 3"/>
+              <a:t>다섯 번째 수준</a:t>
+            </a:r>
+            <a:endParaRPr lang="en-US" dirty="0"/>
+          </a:p>
+        </p:txBody>
+      </p:sp>
+      <p:sp>
+        <p:nvSpPr>
+          <p:cNvPr id="4" name="Date Placeholder 3"/>
           <p:cNvSpPr>
             <a:spLocks noGrp="1"/>
           </p:cNvSpPr>
@@ -3874,8 +5181,8 @@
         </p:nvSpPr>
         <p:spPr>
           <a:xfrm>
-            <a:off x="457200" y="6356350"/>
-            <a:ext cx="2133600" cy="365125"/>
+            <a:off x="5992368" y="6272785"/>
+            <a:ext cx="2455164" cy="365125"/>
           </a:xfrm>
           <a:prstGeom prst="rect">
             <a:avLst/>
@@ -3884,11 +5191,11 @@
         <p:txBody>
           <a:bodyPr vert="horz" lIns="91440" tIns="45720" rIns="91440" bIns="45720" rtlCol="0" anchor="ctr"/>
           <a:lstStyle>
-            <a:lvl1pPr algn="l">
-              <a:defRPr sz="1200">
+            <a:lvl1pPr algn="r">
+              <a:defRPr sz="1000">
                 <a:solidFill>
-                  <a:schemeClr val="tx1">
-                    <a:tint val="75000"/>
+                  <a:schemeClr val="accent1">
+                    <a:lumMod val="50000"/>
                   </a:schemeClr>
                 </a:solidFill>
               </a:defRPr>
@@ -3905,7 +5212,7 @@
       </p:sp>
       <p:sp>
         <p:nvSpPr>
-          <p:cNvPr id="5" name="바닥글 개체 틀 4"/>
+          <p:cNvPr id="5" name="Footer Placeholder 4"/>
           <p:cNvSpPr>
             <a:spLocks noGrp="1"/>
           </p:cNvSpPr>
@@ -3915,8 +5222,8 @@
         </p:nvSpPr>
         <p:spPr>
           <a:xfrm>
-            <a:off x="3124200" y="6356350"/>
-            <a:ext cx="2895600" cy="365125"/>
+            <a:off x="685800" y="6272785"/>
+            <a:ext cx="4745736" cy="365125"/>
           </a:xfrm>
           <a:prstGeom prst="rect">
             <a:avLst/>
@@ -3925,11 +5232,11 @@
         <p:txBody>
           <a:bodyPr vert="horz" lIns="91440" tIns="45720" rIns="91440" bIns="45720" rtlCol="0" anchor="ctr"/>
           <a:lstStyle>
-            <a:lvl1pPr algn="ctr">
-              <a:defRPr sz="1200">
+            <a:lvl1pPr algn="l">
+              <a:defRPr sz="1000">
                 <a:solidFill>
-                  <a:schemeClr val="tx1">
-                    <a:tint val="75000"/>
+                  <a:schemeClr val="accent1">
+                    <a:lumMod val="50000"/>
                   </a:schemeClr>
                 </a:solidFill>
               </a:defRPr>
@@ -3942,7 +5249,7 @@
       </p:sp>
       <p:sp>
         <p:nvSpPr>
-          <p:cNvPr id="6" name="슬라이드 번호 개체 틀 5"/>
+          <p:cNvPr id="6" name="Slide Number Placeholder 5"/>
           <p:cNvSpPr>
             <a:spLocks noGrp="1"/>
           </p:cNvSpPr>
@@ -3952,8 +5259,8 @@
         </p:nvSpPr>
         <p:spPr>
           <a:xfrm>
-            <a:off x="6553200" y="6356350"/>
-            <a:ext cx="2133600" cy="365125"/>
+            <a:off x="8483346" y="6272785"/>
+            <a:ext cx="480060" cy="365125"/>
           </a:xfrm>
           <a:prstGeom prst="rect">
             <a:avLst/>
@@ -3962,13 +5269,12 @@
         <p:txBody>
           <a:bodyPr vert="horz" lIns="91440" tIns="45720" rIns="91440" bIns="45720" rtlCol="0" anchor="ctr"/>
           <a:lstStyle>
-            <a:lvl1pPr algn="r">
-              <a:defRPr sz="1200">
+            <a:lvl1pPr algn="ctr">
+              <a:defRPr sz="1100" b="1" spc="-70" baseline="0">
                 <a:solidFill>
-                  <a:schemeClr val="tx1">
-                    <a:tint val="75000"/>
-                  </a:schemeClr>
+                  <a:srgbClr val="FFFFFF"/>
                 </a:solidFill>
+                <a:latin typeface="+mn-lt"/>
               </a:defRPr>
             </a:lvl1pPr>
           </a:lstStyle>
@@ -3984,124 +5290,68 @@
     </p:spTree>
     <p:extLst>
       <p:ext uri="{BB962C8B-B14F-4D97-AF65-F5344CB8AC3E}">
-        <p14:creationId xmlns:p14="http://schemas.microsoft.com/office/powerpoint/2010/main" val="606765318"/>
+        <p14:creationId xmlns:p14="http://schemas.microsoft.com/office/powerpoint/2010/main" val="4100732876"/>
       </p:ext>
     </p:extLst>
   </p:cSld>
   <p:clrMap bg1="lt1" tx1="dk1" bg2="lt2" tx2="dk2" accent1="accent1" accent2="accent2" accent3="accent3" accent4="accent4" accent5="accent5" accent6="accent6" hlink="hlink" folHlink="folHlink"/>
   <p:sldLayoutIdLst>
-    <p:sldLayoutId id="2147483649" r:id="rId1"/>
-    <p:sldLayoutId id="2147483660" r:id="rId2"/>
-    <p:sldLayoutId id="2147483650" r:id="rId3"/>
-    <p:sldLayoutId id="2147483651" r:id="rId4"/>
-    <p:sldLayoutId id="2147483652" r:id="rId5"/>
-    <p:sldLayoutId id="2147483653" r:id="rId6"/>
-    <p:sldLayoutId id="2147483654" r:id="rId7"/>
-    <p:sldLayoutId id="2147483655" r:id="rId8"/>
-    <p:sldLayoutId id="2147483656" r:id="rId9"/>
-    <p:sldLayoutId id="2147483657" r:id="rId10"/>
-    <p:sldLayoutId id="2147483658" r:id="rId11"/>
-    <p:sldLayoutId id="2147483659" r:id="rId12"/>
+    <p:sldLayoutId id="2147483727" r:id="rId1"/>
+    <p:sldLayoutId id="2147483728" r:id="rId2"/>
+    <p:sldLayoutId id="2147483729" r:id="rId3"/>
+    <p:sldLayoutId id="2147483730" r:id="rId4"/>
+    <p:sldLayoutId id="2147483731" r:id="rId5"/>
+    <p:sldLayoutId id="2147483732" r:id="rId6"/>
+    <p:sldLayoutId id="2147483733" r:id="rId7"/>
+    <p:sldLayoutId id="2147483734" r:id="rId8"/>
+    <p:sldLayoutId id="2147483735" r:id="rId9"/>
+    <p:sldLayoutId id="2147483736" r:id="rId10"/>
+    <p:sldLayoutId id="2147483737" r:id="rId11"/>
+    <p:sldLayoutId id="2147483738" r:id="rId12"/>
   </p:sldLayoutIdLst>
   <p:txStyles>
     <p:titleStyle>
-      <a:lvl1pPr algn="ctr" defTabSz="914400" rtl="0" eaLnBrk="1" latinLnBrk="1" hangingPunct="1">
+      <a:lvl1pPr algn="l" defTabSz="914400" rtl="0" eaLnBrk="1" latinLnBrk="0" hangingPunct="1">
+        <a:lnSpc>
+          <a:spcPct val="90000"/>
+        </a:lnSpc>
         <a:spcBef>
           <a:spcPct val="0"/>
         </a:spcBef>
         <a:buNone/>
-        <a:defRPr sz="4400" kern="1200">
-          <a:solidFill>
-            <a:schemeClr val="tx1"/>
-          </a:solidFill>
-          <a:latin typeface="나눔고딕" pitchFamily="50" charset="-127"/>
-          <a:ea typeface="나눔고딕" pitchFamily="50" charset="-127"/>
+        <a:defRPr sz="4200" b="0" kern="1200" cap="all" baseline="0">
+          <a:blipFill>
+            <a:blip r:embed="rId16">
+              <a:extLst>
+                <a:ext uri="{28A0092B-C50C-407E-A947-70E740481C1C}">
+                  <a14:useLocalDpi xmlns:a14="http://schemas.microsoft.com/office/drawing/2010/main" val="0"/>
+                </a:ext>
+              </a:extLst>
+            </a:blip>
+            <a:tile tx="6350" ty="-127000" sx="65000" sy="64000" flip="none" algn="tl"/>
+          </a:blipFill>
+          <a:latin typeface="+mj-lt"/>
+          <a:ea typeface="+mj-ea"/>
           <a:cs typeface="+mj-cs"/>
         </a:defRPr>
       </a:lvl1pPr>
     </p:titleStyle>
     <p:bodyStyle>
-      <a:lvl1pPr marL="342900" indent="-342900" algn="l" defTabSz="914400" rtl="0" eaLnBrk="1" latinLnBrk="1" hangingPunct="1">
+      <a:lvl1pPr marL="182880" indent="-182880" algn="l" defTabSz="914400" rtl="0" eaLnBrk="1" latinLnBrk="0" hangingPunct="1">
+        <a:lnSpc>
+          <a:spcPct val="90000"/>
+        </a:lnSpc>
         <a:spcBef>
-          <a:spcPct val="20000"/>
+          <a:spcPts val="1200"/>
         </a:spcBef>
-        <a:buFont typeface="Arial" pitchFamily="34" charset="0"/>
-        <a:buChar char="•"/>
-        <a:defRPr sz="3200" kern="1200">
-          <a:solidFill>
-            <a:schemeClr val="tx1"/>
-          </a:solidFill>
-          <a:latin typeface="나눔고딕" pitchFamily="50" charset="-127"/>
-          <a:ea typeface="나눔고딕" pitchFamily="50" charset="-127"/>
-          <a:cs typeface="+mn-cs"/>
-        </a:defRPr>
-      </a:lvl1pPr>
-      <a:lvl2pPr marL="742950" indent="-285750" algn="l" defTabSz="914400" rtl="0" eaLnBrk="1" latinLnBrk="1" hangingPunct="1">
-        <a:spcBef>
-          <a:spcPct val="20000"/>
-        </a:spcBef>
-        <a:buFont typeface="Arial" pitchFamily="34" charset="0"/>
-        <a:buChar char="–"/>
-        <a:defRPr sz="2800" kern="1200">
-          <a:solidFill>
-            <a:schemeClr val="tx1"/>
-          </a:solidFill>
-          <a:latin typeface="나눔고딕" pitchFamily="50" charset="-127"/>
-          <a:ea typeface="나눔고딕" pitchFamily="50" charset="-127"/>
-          <a:cs typeface="+mn-cs"/>
-        </a:defRPr>
-      </a:lvl2pPr>
-      <a:lvl3pPr marL="1143000" indent="-228600" algn="l" defTabSz="914400" rtl="0" eaLnBrk="1" latinLnBrk="1" hangingPunct="1">
-        <a:spcBef>
-          <a:spcPct val="20000"/>
-        </a:spcBef>
-        <a:buFont typeface="Arial" pitchFamily="34" charset="0"/>
-        <a:buChar char="•"/>
-        <a:defRPr sz="2400" kern="1200">
-          <a:solidFill>
-            <a:schemeClr val="tx1"/>
-          </a:solidFill>
-          <a:latin typeface="나눔고딕" pitchFamily="50" charset="-127"/>
-          <a:ea typeface="나눔고딕" pitchFamily="50" charset="-127"/>
-          <a:cs typeface="+mn-cs"/>
-        </a:defRPr>
-      </a:lvl3pPr>
-      <a:lvl4pPr marL="1600200" indent="-228600" algn="l" defTabSz="914400" rtl="0" eaLnBrk="1" latinLnBrk="1" hangingPunct="1">
-        <a:spcBef>
-          <a:spcPct val="20000"/>
-        </a:spcBef>
-        <a:buFont typeface="Arial" pitchFamily="34" charset="0"/>
-        <a:buChar char="–"/>
-        <a:defRPr sz="2000" kern="1200">
-          <a:solidFill>
-            <a:schemeClr val="tx1"/>
-          </a:solidFill>
-          <a:latin typeface="나눔고딕" pitchFamily="50" charset="-127"/>
-          <a:ea typeface="나눔고딕" pitchFamily="50" charset="-127"/>
-          <a:cs typeface="+mn-cs"/>
-        </a:defRPr>
-      </a:lvl4pPr>
-      <a:lvl5pPr marL="2057400" indent="-228600" algn="l" defTabSz="914400" rtl="0" eaLnBrk="1" latinLnBrk="1" hangingPunct="1">
-        <a:spcBef>
-          <a:spcPct val="20000"/>
-        </a:spcBef>
-        <a:buFont typeface="Arial" pitchFamily="34" charset="0"/>
-        <a:buChar char="»"/>
-        <a:defRPr sz="2000" kern="1200">
-          <a:solidFill>
-            <a:schemeClr val="tx1"/>
-          </a:solidFill>
-          <a:latin typeface="나눔고딕" pitchFamily="50" charset="-127"/>
-          <a:ea typeface="나눔고딕" pitchFamily="50" charset="-127"/>
-          <a:cs typeface="+mn-cs"/>
-        </a:defRPr>
-      </a:lvl5pPr>
-      <a:lvl6pPr marL="2514600" indent="-228600" algn="l" defTabSz="914400" rtl="0" eaLnBrk="1" latinLnBrk="1" hangingPunct="1">
-        <a:spcBef>
-          <a:spcPct val="20000"/>
-        </a:spcBef>
-        <a:buFont typeface="Arial" pitchFamily="34" charset="0"/>
-        <a:buChar char="•"/>
+        <a:buClr>
+          <a:schemeClr val="accent1">
+            <a:lumMod val="75000"/>
+          </a:schemeClr>
+        </a:buClr>
+        <a:buSzPct val="85000"/>
+        <a:buFont typeface="Wingdings" pitchFamily="2" charset="2"/>
+        <a:buChar char="§"/>
         <a:defRPr sz="2000" kern="1200">
           <a:solidFill>
             <a:schemeClr val="tx1"/>
@@ -4110,14 +5360,161 @@
           <a:ea typeface="+mn-ea"/>
           <a:cs typeface="+mn-cs"/>
         </a:defRPr>
+      </a:lvl1pPr>
+      <a:lvl2pPr marL="457200" indent="-182880" algn="l" defTabSz="914400" rtl="0" eaLnBrk="1" latinLnBrk="0" hangingPunct="1">
+        <a:lnSpc>
+          <a:spcPct val="90000"/>
+        </a:lnSpc>
+        <a:spcBef>
+          <a:spcPts val="400"/>
+        </a:spcBef>
+        <a:spcAft>
+          <a:spcPts val="200"/>
+        </a:spcAft>
+        <a:buClr>
+          <a:schemeClr val="accent1">
+            <a:lumMod val="75000"/>
+          </a:schemeClr>
+        </a:buClr>
+        <a:buSzPct val="85000"/>
+        <a:buFont typeface="Wingdings" pitchFamily="2" charset="2"/>
+        <a:buChar char="§"/>
+        <a:defRPr sz="1800" kern="1200">
+          <a:solidFill>
+            <a:schemeClr val="tx1"/>
+          </a:solidFill>
+          <a:latin typeface="+mn-lt"/>
+          <a:ea typeface="+mn-ea"/>
+          <a:cs typeface="+mn-cs"/>
+        </a:defRPr>
+      </a:lvl2pPr>
+      <a:lvl3pPr marL="731520" indent="-182880" algn="l" defTabSz="914400" rtl="0" eaLnBrk="1" latinLnBrk="0" hangingPunct="1">
+        <a:lnSpc>
+          <a:spcPct val="90000"/>
+        </a:lnSpc>
+        <a:spcBef>
+          <a:spcPts val="400"/>
+        </a:spcBef>
+        <a:spcAft>
+          <a:spcPts val="200"/>
+        </a:spcAft>
+        <a:buClr>
+          <a:schemeClr val="accent1">
+            <a:lumMod val="75000"/>
+          </a:schemeClr>
+        </a:buClr>
+        <a:buSzPct val="85000"/>
+        <a:buFont typeface="Wingdings" pitchFamily="2" charset="2"/>
+        <a:buChar char="§"/>
+        <a:defRPr sz="1600" kern="1200">
+          <a:solidFill>
+            <a:schemeClr val="tx1"/>
+          </a:solidFill>
+          <a:latin typeface="+mn-lt"/>
+          <a:ea typeface="+mn-ea"/>
+          <a:cs typeface="+mn-cs"/>
+        </a:defRPr>
+      </a:lvl3pPr>
+      <a:lvl4pPr marL="1005840" indent="-182880" algn="l" defTabSz="914400" rtl="0" eaLnBrk="1" latinLnBrk="0" hangingPunct="1">
+        <a:lnSpc>
+          <a:spcPct val="90000"/>
+        </a:lnSpc>
+        <a:spcBef>
+          <a:spcPts val="400"/>
+        </a:spcBef>
+        <a:spcAft>
+          <a:spcPts val="200"/>
+        </a:spcAft>
+        <a:buClr>
+          <a:schemeClr val="accent1">
+            <a:lumMod val="75000"/>
+          </a:schemeClr>
+        </a:buClr>
+        <a:buSzPct val="85000"/>
+        <a:buFont typeface="Wingdings" pitchFamily="2" charset="2"/>
+        <a:buChar char="§"/>
+        <a:defRPr sz="1600" kern="1200">
+          <a:solidFill>
+            <a:schemeClr val="tx1"/>
+          </a:solidFill>
+          <a:latin typeface="+mn-lt"/>
+          <a:ea typeface="+mn-ea"/>
+          <a:cs typeface="+mn-cs"/>
+        </a:defRPr>
+      </a:lvl4pPr>
+      <a:lvl5pPr marL="1280160" indent="-182880" algn="l" defTabSz="914400" rtl="0" eaLnBrk="1" latinLnBrk="0" hangingPunct="1">
+        <a:lnSpc>
+          <a:spcPct val="90000"/>
+        </a:lnSpc>
+        <a:spcBef>
+          <a:spcPts val="400"/>
+        </a:spcBef>
+        <a:spcAft>
+          <a:spcPts val="200"/>
+        </a:spcAft>
+        <a:buClr>
+          <a:schemeClr val="accent1">
+            <a:lumMod val="75000"/>
+          </a:schemeClr>
+        </a:buClr>
+        <a:buSzPct val="85000"/>
+        <a:buFont typeface="Wingdings" pitchFamily="2" charset="2"/>
+        <a:buChar char="§"/>
+        <a:defRPr sz="1600" kern="1200">
+          <a:solidFill>
+            <a:schemeClr val="tx1"/>
+          </a:solidFill>
+          <a:latin typeface="+mn-lt"/>
+          <a:ea typeface="+mn-ea"/>
+          <a:cs typeface="+mn-cs"/>
+        </a:defRPr>
+      </a:lvl5pPr>
+      <a:lvl6pPr marL="1600000" indent="-228600" algn="l" defTabSz="914400" rtl="0" eaLnBrk="1" latinLnBrk="0" hangingPunct="1">
+        <a:lnSpc>
+          <a:spcPct val="90000"/>
+        </a:lnSpc>
+        <a:spcBef>
+          <a:spcPts val="400"/>
+        </a:spcBef>
+        <a:spcAft>
+          <a:spcPts val="200"/>
+        </a:spcAft>
+        <a:buClr>
+          <a:schemeClr val="accent1">
+            <a:lumMod val="75000"/>
+          </a:schemeClr>
+        </a:buClr>
+        <a:buSzPct val="85000"/>
+        <a:buFont typeface="Wingdings" pitchFamily="2" charset="2"/>
+        <a:buChar char="§"/>
+        <a:defRPr sz="1600" kern="1200">
+          <a:solidFill>
+            <a:schemeClr val="tx1"/>
+          </a:solidFill>
+          <a:latin typeface="+mn-lt"/>
+          <a:ea typeface="+mn-ea"/>
+          <a:cs typeface="+mn-cs"/>
+        </a:defRPr>
       </a:lvl6pPr>
-      <a:lvl7pPr marL="2971800" indent="-228600" algn="l" defTabSz="914400" rtl="0" eaLnBrk="1" latinLnBrk="1" hangingPunct="1">
+      <a:lvl7pPr marL="1900000" indent="-228600" algn="l" defTabSz="914400" rtl="0" eaLnBrk="1" latinLnBrk="0" hangingPunct="1">
+        <a:lnSpc>
+          <a:spcPct val="90000"/>
+        </a:lnSpc>
         <a:spcBef>
-          <a:spcPct val="20000"/>
+          <a:spcPts val="400"/>
         </a:spcBef>
-        <a:buFont typeface="Arial" pitchFamily="34" charset="0"/>
-        <a:buChar char="•"/>
-        <a:defRPr sz="2000" kern="1200">
+        <a:spcAft>
+          <a:spcPts val="200"/>
+        </a:spcAft>
+        <a:buClr>
+          <a:schemeClr val="accent1">
+            <a:lumMod val="75000"/>
+          </a:schemeClr>
+        </a:buClr>
+        <a:buSzPct val="85000"/>
+        <a:buFont typeface="Wingdings" pitchFamily="2" charset="2"/>
+        <a:buChar char="§"/>
+        <a:defRPr sz="1600" kern="1200">
           <a:solidFill>
             <a:schemeClr val="tx1"/>
           </a:solidFill>
@@ -4126,13 +5523,25 @@
           <a:cs typeface="+mn-cs"/>
         </a:defRPr>
       </a:lvl7pPr>
-      <a:lvl8pPr marL="3429000" indent="-228600" algn="l" defTabSz="914400" rtl="0" eaLnBrk="1" latinLnBrk="1" hangingPunct="1">
+      <a:lvl8pPr marL="2200000" indent="-228600" algn="l" defTabSz="914400" rtl="0" eaLnBrk="1" latinLnBrk="0" hangingPunct="1">
+        <a:lnSpc>
+          <a:spcPct val="90000"/>
+        </a:lnSpc>
         <a:spcBef>
-          <a:spcPct val="20000"/>
+          <a:spcPts val="400"/>
         </a:spcBef>
-        <a:buFont typeface="Arial" pitchFamily="34" charset="0"/>
-        <a:buChar char="•"/>
-        <a:defRPr sz="2000" kern="1200">
+        <a:spcAft>
+          <a:spcPts val="200"/>
+        </a:spcAft>
+        <a:buClr>
+          <a:schemeClr val="accent1">
+            <a:lumMod val="75000"/>
+          </a:schemeClr>
+        </a:buClr>
+        <a:buSzPct val="85000"/>
+        <a:buFont typeface="Wingdings" pitchFamily="2" charset="2"/>
+        <a:buChar char="§"/>
+        <a:defRPr sz="1600" kern="1200">
           <a:solidFill>
             <a:schemeClr val="tx1"/>
           </a:solidFill>
@@ -4141,13 +5550,25 @@
           <a:cs typeface="+mn-cs"/>
         </a:defRPr>
       </a:lvl8pPr>
-      <a:lvl9pPr marL="3886200" indent="-228600" algn="l" defTabSz="914400" rtl="0" eaLnBrk="1" latinLnBrk="1" hangingPunct="1">
+      <a:lvl9pPr marL="2500000" indent="-228600" algn="l" defTabSz="914400" rtl="0" eaLnBrk="1" latinLnBrk="0" hangingPunct="1">
+        <a:lnSpc>
+          <a:spcPct val="90000"/>
+        </a:lnSpc>
         <a:spcBef>
-          <a:spcPct val="20000"/>
+          <a:spcPts val="400"/>
         </a:spcBef>
-        <a:buFont typeface="Arial" pitchFamily="34" charset="0"/>
-        <a:buChar char="•"/>
-        <a:defRPr sz="2000" kern="1200">
+        <a:spcAft>
+          <a:spcPts val="200"/>
+        </a:spcAft>
+        <a:buClr>
+          <a:schemeClr val="accent1">
+            <a:lumMod val="75000"/>
+          </a:schemeClr>
+        </a:buClr>
+        <a:buSzPct val="85000"/>
+        <a:buFont typeface="Wingdings" pitchFamily="2" charset="2"/>
+        <a:buChar char="§"/>
+        <a:defRPr sz="1600" kern="1200">
           <a:solidFill>
             <a:schemeClr val="tx1"/>
           </a:solidFill>
@@ -4159,9 +5580,9 @@
     </p:bodyStyle>
     <p:otherStyle>
       <a:defPPr>
-        <a:defRPr lang="ko-KR"/>
+        <a:defRPr lang="en-US"/>
       </a:defPPr>
-      <a:lvl1pPr marL="0" algn="l" defTabSz="914400" rtl="0" eaLnBrk="1" latinLnBrk="1" hangingPunct="1">
+      <a:lvl1pPr marL="0" algn="l" defTabSz="914400" rtl="0" eaLnBrk="1" latinLnBrk="0" hangingPunct="1">
         <a:defRPr sz="1800" kern="1200">
           <a:solidFill>
             <a:schemeClr val="tx1"/>
@@ -4171,7 +5592,7 @@
           <a:cs typeface="+mn-cs"/>
         </a:defRPr>
       </a:lvl1pPr>
-      <a:lvl2pPr marL="457200" algn="l" defTabSz="914400" rtl="0" eaLnBrk="1" latinLnBrk="1" hangingPunct="1">
+      <a:lvl2pPr marL="457200" algn="l" defTabSz="914400" rtl="0" eaLnBrk="1" latinLnBrk="0" hangingPunct="1">
         <a:defRPr sz="1800" kern="1200">
           <a:solidFill>
             <a:schemeClr val="tx1"/>
@@ -4181,7 +5602,7 @@
           <a:cs typeface="+mn-cs"/>
         </a:defRPr>
       </a:lvl2pPr>
-      <a:lvl3pPr marL="914400" algn="l" defTabSz="914400" rtl="0" eaLnBrk="1" latinLnBrk="1" hangingPunct="1">
+      <a:lvl3pPr marL="914400" algn="l" defTabSz="914400" rtl="0" eaLnBrk="1" latinLnBrk="0" hangingPunct="1">
         <a:defRPr sz="1800" kern="1200">
           <a:solidFill>
             <a:schemeClr val="tx1"/>
@@ -4191,7 +5612,7 @@
           <a:cs typeface="+mn-cs"/>
         </a:defRPr>
       </a:lvl3pPr>
-      <a:lvl4pPr marL="1371600" algn="l" defTabSz="914400" rtl="0" eaLnBrk="1" latinLnBrk="1" hangingPunct="1">
+      <a:lvl4pPr marL="1371600" algn="l" defTabSz="914400" rtl="0" eaLnBrk="1" latinLnBrk="0" hangingPunct="1">
         <a:defRPr sz="1800" kern="1200">
           <a:solidFill>
             <a:schemeClr val="tx1"/>
@@ -4201,7 +5622,7 @@
           <a:cs typeface="+mn-cs"/>
         </a:defRPr>
       </a:lvl4pPr>
-      <a:lvl5pPr marL="1828800" algn="l" defTabSz="914400" rtl="0" eaLnBrk="1" latinLnBrk="1" hangingPunct="1">
+      <a:lvl5pPr marL="1828800" algn="l" defTabSz="914400" rtl="0" eaLnBrk="1" latinLnBrk="0" hangingPunct="1">
         <a:defRPr sz="1800" kern="1200">
           <a:solidFill>
             <a:schemeClr val="tx1"/>
@@ -4211,7 +5632,7 @@
           <a:cs typeface="+mn-cs"/>
         </a:defRPr>
       </a:lvl5pPr>
-      <a:lvl6pPr marL="2286000" algn="l" defTabSz="914400" rtl="0" eaLnBrk="1" latinLnBrk="1" hangingPunct="1">
+      <a:lvl6pPr marL="2286000" algn="l" defTabSz="914400" rtl="0" eaLnBrk="1" latinLnBrk="0" hangingPunct="1">
         <a:defRPr sz="1800" kern="1200">
           <a:solidFill>
             <a:schemeClr val="tx1"/>
@@ -4221,7 +5642,7 @@
           <a:cs typeface="+mn-cs"/>
         </a:defRPr>
       </a:lvl6pPr>
-      <a:lvl7pPr marL="2743200" algn="l" defTabSz="914400" rtl="0" eaLnBrk="1" latinLnBrk="1" hangingPunct="1">
+      <a:lvl7pPr marL="2743200" algn="l" defTabSz="914400" rtl="0" eaLnBrk="1" latinLnBrk="0" hangingPunct="1">
         <a:defRPr sz="1800" kern="1200">
           <a:solidFill>
             <a:schemeClr val="tx1"/>
@@ -4231,7 +5652,7 @@
           <a:cs typeface="+mn-cs"/>
         </a:defRPr>
       </a:lvl7pPr>
-      <a:lvl8pPr marL="3200400" algn="l" defTabSz="914400" rtl="0" eaLnBrk="1" latinLnBrk="1" hangingPunct="1">
+      <a:lvl8pPr marL="3200400" algn="l" defTabSz="914400" rtl="0" eaLnBrk="1" latinLnBrk="0" hangingPunct="1">
         <a:defRPr sz="1800" kern="1200">
           <a:solidFill>
             <a:schemeClr val="tx1"/>
@@ -4241,7 +5662,7 @@
           <a:cs typeface="+mn-cs"/>
         </a:defRPr>
       </a:lvl8pPr>
-      <a:lvl9pPr marL="3657600" algn="l" defTabSz="914400" rtl="0" eaLnBrk="1" latinLnBrk="1" hangingPunct="1">
+      <a:lvl9pPr marL="3657600" algn="l" defTabSz="914400" rtl="0" eaLnBrk="1" latinLnBrk="0" hangingPunct="1">
         <a:defRPr sz="1800" kern="1200">
           <a:solidFill>
             <a:schemeClr val="tx1"/>
@@ -4290,7 +5711,9 @@
           </a:xfrm>
         </p:spPr>
         <p:txBody>
-          <a:bodyPr/>
+          <a:bodyPr>
+            <a:normAutofit fontScale="90000"/>
+          </a:bodyPr>
           <a:lstStyle/>
           <a:p>
             <a:r>
@@ -4414,19 +5837,100 @@
             <p:ph type="title"/>
           </p:nvPr>
         </p:nvSpPr>
-        <p:spPr/>
+        <p:spPr>
+          <a:xfrm>
+            <a:off x="685799" y="260648"/>
+            <a:ext cx="7772400" cy="1609344"/>
+          </a:xfrm>
+        </p:spPr>
         <p:txBody>
           <a:bodyPr/>
           <a:lstStyle/>
           <a:p>
             <a:r>
-              <a:rPr lang="en-US" altLang="ko-KR" dirty="0"/>
-              <a:t>@@@</a:t>
-            </a:r>
-            <a:r>
               <a:rPr lang="ko-KR" altLang="en-US" dirty="0"/>
-              <a:t> 페이지</a:t>
-            </a:r>
+              <a:t>로그인 페이지</a:t>
+            </a:r>
+          </a:p>
+        </p:txBody>
+      </p:sp>
+      <p:pic>
+        <p:nvPicPr>
+          <p:cNvPr id="9" name="그림 8" descr="텍스트이(가) 표시된 사진&#10;&#10;자동 생성된 설명">
+            <a:extLst>
+              <a:ext uri="{FF2B5EF4-FFF2-40B4-BE49-F238E27FC236}">
+                <a16:creationId xmlns:a16="http://schemas.microsoft.com/office/drawing/2014/main" id="{BDB7CFAE-1439-A94E-9547-21AE29EA66C6}"/>
+              </a:ext>
+            </a:extLst>
+          </p:cNvPr>
+          <p:cNvPicPr>
+            <a:picLocks noChangeAspect="1"/>
+          </p:cNvPicPr>
+          <p:nvPr/>
+        </p:nvPicPr>
+        <p:blipFill>
+          <a:blip r:embed="rId2">
+            <a:extLst>
+              <a:ext uri="{28A0092B-C50C-407E-A947-70E740481C1C}">
+                <a14:useLocalDpi xmlns:a14="http://schemas.microsoft.com/office/drawing/2010/main" val="0"/>
+              </a:ext>
+            </a:extLst>
+          </a:blip>
+          <a:stretch>
+            <a:fillRect/>
+          </a:stretch>
+        </p:blipFill>
+        <p:spPr>
+          <a:xfrm>
+            <a:off x="2039458" y="1344132"/>
+            <a:ext cx="5065083" cy="5517232"/>
+          </a:xfrm>
+          <a:prstGeom prst="rect">
+            <a:avLst/>
+          </a:prstGeom>
+        </p:spPr>
+      </p:pic>
+      <p:sp>
+        <p:nvSpPr>
+          <p:cNvPr id="10" name="TextBox 9">
+            <a:extLst>
+              <a:ext uri="{FF2B5EF4-FFF2-40B4-BE49-F238E27FC236}">
+                <a16:creationId xmlns:a16="http://schemas.microsoft.com/office/drawing/2014/main" id="{C95FD869-53DB-1C44-BE84-E808DA31CF19}"/>
+              </a:ext>
+            </a:extLst>
+          </p:cNvPr>
+          <p:cNvSpPr txBox="1"/>
+          <p:nvPr/>
+        </p:nvSpPr>
+        <p:spPr>
+          <a:xfrm>
+            <a:off x="6948264" y="1308748"/>
+            <a:ext cx="1152128" cy="646331"/>
+          </a:xfrm>
+          <a:prstGeom prst="rect">
+            <a:avLst/>
+          </a:prstGeom>
+          <a:noFill/>
+        </p:spPr>
+        <p:txBody>
+          <a:bodyPr wrap="square" rtlCol="0">
+            <a:spAutoFit/>
+          </a:bodyPr>
+          <a:lstStyle/>
+          <a:p>
+            <a:r>
+              <a:rPr kumimoji="1" lang="ko-Kore-KR" altLang="en-US" dirty="0"/>
+              <a:t>작업자</a:t>
+            </a:r>
+            <a:r>
+              <a:rPr kumimoji="1" lang="ko-KR" altLang="en-US" dirty="0"/>
+              <a:t> </a:t>
+            </a:r>
+            <a:r>
+              <a:rPr kumimoji="1" lang="ko-KR" altLang="en-US" dirty="0" err="1"/>
+              <a:t>홍용우</a:t>
+            </a:r>
+            <a:endParaRPr kumimoji="1" lang="ko-Kore-KR" altLang="en-US" dirty="0"/>
           </a:p>
         </p:txBody>
       </p:sp>
@@ -4476,13 +5980,89 @@
           <a:lstStyle/>
           <a:p>
             <a:r>
-              <a:rPr lang="en-US" altLang="ko-KR" dirty="0"/>
-              <a:t>@@@</a:t>
-            </a:r>
-            <a:r>
               <a:rPr lang="ko-KR" altLang="en-US" dirty="0"/>
-              <a:t> 페이지</a:t>
-            </a:r>
+              <a:t>관리자 페이지</a:t>
+            </a:r>
+          </a:p>
+        </p:txBody>
+      </p:sp>
+      <p:pic>
+        <p:nvPicPr>
+          <p:cNvPr id="4" name="그림 3">
+            <a:extLst>
+              <a:ext uri="{FF2B5EF4-FFF2-40B4-BE49-F238E27FC236}">
+                <a16:creationId xmlns:a16="http://schemas.microsoft.com/office/drawing/2014/main" id="{27FD1EFD-6AF5-7D4B-9DFB-7AE99A485734}"/>
+              </a:ext>
+            </a:extLst>
+          </p:cNvPr>
+          <p:cNvPicPr>
+            <a:picLocks noChangeAspect="1"/>
+          </p:cNvPicPr>
+          <p:nvPr/>
+        </p:nvPicPr>
+        <p:blipFill>
+          <a:blip r:embed="rId2">
+            <a:extLst>
+              <a:ext uri="{28A0092B-C50C-407E-A947-70E740481C1C}">
+                <a14:useLocalDpi xmlns:a14="http://schemas.microsoft.com/office/drawing/2010/main" val="0"/>
+              </a:ext>
+            </a:extLst>
+          </a:blip>
+          <a:stretch>
+            <a:fillRect/>
+          </a:stretch>
+        </p:blipFill>
+        <p:spPr>
+          <a:xfrm>
+            <a:off x="0" y="2198077"/>
+            <a:ext cx="9144000" cy="2461846"/>
+          </a:xfrm>
+          <a:prstGeom prst="rect">
+            <a:avLst/>
+          </a:prstGeom>
+        </p:spPr>
+      </p:pic>
+      <p:sp>
+        <p:nvSpPr>
+          <p:cNvPr id="5" name="TextBox 4">
+            <a:extLst>
+              <a:ext uri="{FF2B5EF4-FFF2-40B4-BE49-F238E27FC236}">
+                <a16:creationId xmlns:a16="http://schemas.microsoft.com/office/drawing/2014/main" id="{E6C6C0A9-5AD5-9244-BD38-90103C68516D}"/>
+              </a:ext>
+            </a:extLst>
+          </p:cNvPr>
+          <p:cNvSpPr txBox="1"/>
+          <p:nvPr/>
+        </p:nvSpPr>
+        <p:spPr>
+          <a:xfrm>
+            <a:off x="7236296" y="4795678"/>
+            <a:ext cx="1152128" cy="646331"/>
+          </a:xfrm>
+          <a:prstGeom prst="rect">
+            <a:avLst/>
+          </a:prstGeom>
+          <a:noFill/>
+        </p:spPr>
+        <p:txBody>
+          <a:bodyPr wrap="square" rtlCol="0">
+            <a:spAutoFit/>
+          </a:bodyPr>
+          <a:lstStyle/>
+          <a:p>
+            <a:r>
+              <a:rPr kumimoji="1" lang="ko-Kore-KR" altLang="en-US" dirty="0"/>
+              <a:t>작업자</a:t>
+            </a:r>
+            <a:r>
+              <a:rPr kumimoji="1" lang="ko-KR" altLang="en-US" dirty="0"/>
+              <a:t> </a:t>
+            </a:r>
+            <a:r>
+              <a:rPr kumimoji="1" lang="ko-KR" altLang="en-US" dirty="0" err="1"/>
+              <a:t>홍용우</a:t>
+            </a:r>
+            <a:endParaRPr kumimoji="1" lang="ko-Kore-KR" altLang="en-US" dirty="0"/>
           </a:p>
         </p:txBody>
       </p:sp>
@@ -4526,19 +6106,100 @@
             <p:ph type="title"/>
           </p:nvPr>
         </p:nvSpPr>
-        <p:spPr/>
+        <p:spPr>
+          <a:xfrm>
+            <a:off x="683714" y="116632"/>
+            <a:ext cx="7772400" cy="1609344"/>
+          </a:xfrm>
+        </p:spPr>
         <p:txBody>
           <a:bodyPr/>
           <a:lstStyle/>
           <a:p>
             <a:r>
-              <a:rPr lang="en-US" altLang="ko-KR" dirty="0"/>
-              <a:t>@@@</a:t>
-            </a:r>
-            <a:r>
               <a:rPr lang="ko-KR" altLang="en-US" dirty="0"/>
-              <a:t> 페이지</a:t>
-            </a:r>
+              <a:t>약관동의 페이지</a:t>
+            </a:r>
+          </a:p>
+        </p:txBody>
+      </p:sp>
+      <p:pic>
+        <p:nvPicPr>
+          <p:cNvPr id="4" name="그림 3" descr="테이블이(가) 표시된 사진&#10;&#10;자동 생성된 설명">
+            <a:extLst>
+              <a:ext uri="{FF2B5EF4-FFF2-40B4-BE49-F238E27FC236}">
+                <a16:creationId xmlns:a16="http://schemas.microsoft.com/office/drawing/2014/main" id="{472C78FA-F4AF-E048-8593-023451369DE2}"/>
+              </a:ext>
+            </a:extLst>
+          </p:cNvPr>
+          <p:cNvPicPr>
+            <a:picLocks noChangeAspect="1"/>
+          </p:cNvPicPr>
+          <p:nvPr/>
+        </p:nvPicPr>
+        <p:blipFill>
+          <a:blip r:embed="rId2">
+            <a:extLst>
+              <a:ext uri="{28A0092B-C50C-407E-A947-70E740481C1C}">
+                <a14:useLocalDpi xmlns:a14="http://schemas.microsoft.com/office/drawing/2010/main" val="0"/>
+              </a:ext>
+            </a:extLst>
+          </a:blip>
+          <a:stretch>
+            <a:fillRect/>
+          </a:stretch>
+        </p:blipFill>
+        <p:spPr>
+          <a:xfrm>
+            <a:off x="2083203" y="1268760"/>
+            <a:ext cx="4977594" cy="5496312"/>
+          </a:xfrm>
+          <a:prstGeom prst="rect">
+            <a:avLst/>
+          </a:prstGeom>
+        </p:spPr>
+      </p:pic>
+      <p:sp>
+        <p:nvSpPr>
+          <p:cNvPr id="5" name="TextBox 4">
+            <a:extLst>
+              <a:ext uri="{FF2B5EF4-FFF2-40B4-BE49-F238E27FC236}">
+                <a16:creationId xmlns:a16="http://schemas.microsoft.com/office/drawing/2014/main" id="{DAA385A3-6C25-1347-A077-992EC233C880}"/>
+              </a:ext>
+            </a:extLst>
+          </p:cNvPr>
+          <p:cNvSpPr txBox="1"/>
+          <p:nvPr/>
+        </p:nvSpPr>
+        <p:spPr>
+          <a:xfrm>
+            <a:off x="7308158" y="1340768"/>
+            <a:ext cx="1152128" cy="646331"/>
+          </a:xfrm>
+          <a:prstGeom prst="rect">
+            <a:avLst/>
+          </a:prstGeom>
+          <a:noFill/>
+        </p:spPr>
+        <p:txBody>
+          <a:bodyPr wrap="square" rtlCol="0">
+            <a:spAutoFit/>
+          </a:bodyPr>
+          <a:lstStyle/>
+          <a:p>
+            <a:r>
+              <a:rPr kumimoji="1" lang="ko-Kore-KR" altLang="en-US" dirty="0"/>
+              <a:t>작업자</a:t>
+            </a:r>
+            <a:r>
+              <a:rPr kumimoji="1" lang="ko-KR" altLang="en-US" dirty="0"/>
+              <a:t> </a:t>
+            </a:r>
+            <a:r>
+              <a:rPr kumimoji="1" lang="ko-KR" altLang="en-US" dirty="0" err="1"/>
+              <a:t>홍용우</a:t>
+            </a:r>
+            <a:endParaRPr kumimoji="1" lang="ko-Kore-KR" altLang="en-US" dirty="0"/>
           </a:p>
         </p:txBody>
       </p:sp>
@@ -4582,19 +6243,100 @@
             <p:ph type="title"/>
           </p:nvPr>
         </p:nvSpPr>
-        <p:spPr/>
+        <p:spPr>
+          <a:xfrm>
+            <a:off x="685800" y="116632"/>
+            <a:ext cx="7772400" cy="1609344"/>
+          </a:xfrm>
+        </p:spPr>
         <p:txBody>
           <a:bodyPr/>
           <a:lstStyle/>
           <a:p>
             <a:r>
-              <a:rPr lang="en-US" altLang="ko-KR" dirty="0"/>
-              <a:t>@@@</a:t>
-            </a:r>
-            <a:r>
               <a:rPr lang="ko-KR" altLang="en-US" dirty="0"/>
-              <a:t> 페이지</a:t>
-            </a:r>
+              <a:t>회원가입 페이지</a:t>
+            </a:r>
+          </a:p>
+        </p:txBody>
+      </p:sp>
+      <p:pic>
+        <p:nvPicPr>
+          <p:cNvPr id="4" name="그림 3">
+            <a:extLst>
+              <a:ext uri="{FF2B5EF4-FFF2-40B4-BE49-F238E27FC236}">
+                <a16:creationId xmlns:a16="http://schemas.microsoft.com/office/drawing/2014/main" id="{349FF15B-1C8C-EF42-A3C2-31615821C634}"/>
+              </a:ext>
+            </a:extLst>
+          </p:cNvPr>
+          <p:cNvPicPr>
+            <a:picLocks noChangeAspect="1"/>
+          </p:cNvPicPr>
+          <p:nvPr/>
+        </p:nvPicPr>
+        <p:blipFill>
+          <a:blip r:embed="rId2">
+            <a:extLst>
+              <a:ext uri="{28A0092B-C50C-407E-A947-70E740481C1C}">
+                <a14:useLocalDpi xmlns:a14="http://schemas.microsoft.com/office/drawing/2010/main" val="0"/>
+              </a:ext>
+            </a:extLst>
+          </a:blip>
+          <a:stretch>
+            <a:fillRect/>
+          </a:stretch>
+        </p:blipFill>
+        <p:spPr>
+          <a:xfrm>
+            <a:off x="2123728" y="1284912"/>
+            <a:ext cx="5040560" cy="5573088"/>
+          </a:xfrm>
+          <a:prstGeom prst="rect">
+            <a:avLst/>
+          </a:prstGeom>
+        </p:spPr>
+      </p:pic>
+      <p:sp>
+        <p:nvSpPr>
+          <p:cNvPr id="5" name="TextBox 4">
+            <a:extLst>
+              <a:ext uri="{FF2B5EF4-FFF2-40B4-BE49-F238E27FC236}">
+                <a16:creationId xmlns:a16="http://schemas.microsoft.com/office/drawing/2014/main" id="{F2DED74F-DD3E-6441-8A5F-73B1E5FD0B1E}"/>
+              </a:ext>
+            </a:extLst>
+          </p:cNvPr>
+          <p:cNvSpPr txBox="1"/>
+          <p:nvPr/>
+        </p:nvSpPr>
+        <p:spPr>
+          <a:xfrm>
+            <a:off x="7369898" y="1340768"/>
+            <a:ext cx="1152128" cy="646331"/>
+          </a:xfrm>
+          <a:prstGeom prst="rect">
+            <a:avLst/>
+          </a:prstGeom>
+          <a:noFill/>
+        </p:spPr>
+        <p:txBody>
+          <a:bodyPr wrap="square" rtlCol="0">
+            <a:spAutoFit/>
+          </a:bodyPr>
+          <a:lstStyle/>
+          <a:p>
+            <a:r>
+              <a:rPr kumimoji="1" lang="ko-Kore-KR" altLang="en-US" dirty="0"/>
+              <a:t>작업자</a:t>
+            </a:r>
+            <a:r>
+              <a:rPr kumimoji="1" lang="ko-KR" altLang="en-US" dirty="0"/>
+              <a:t> </a:t>
+            </a:r>
+            <a:r>
+              <a:rPr kumimoji="1" lang="ko-KR" altLang="en-US" dirty="0" err="1"/>
+              <a:t>홍용우</a:t>
+            </a:r>
+            <a:endParaRPr kumimoji="1" lang="ko-Kore-KR" altLang="en-US" dirty="0"/>
           </a:p>
         </p:txBody>
       </p:sp>
@@ -4638,19 +6380,104 @@
             <p:ph type="title"/>
           </p:nvPr>
         </p:nvSpPr>
-        <p:spPr/>
+        <p:spPr>
+          <a:xfrm>
+            <a:off x="685800" y="267600"/>
+            <a:ext cx="7772400" cy="1609344"/>
+          </a:xfrm>
+        </p:spPr>
         <p:txBody>
           <a:bodyPr/>
           <a:lstStyle/>
           <a:p>
             <a:r>
-              <a:rPr lang="en-US" altLang="ko-KR" dirty="0"/>
-              <a:t>@@@</a:t>
+              <a:rPr lang="ko-KR" altLang="en-US" dirty="0" err="1"/>
+              <a:t>게시글</a:t>
             </a:r>
             <a:r>
               <a:rPr lang="ko-KR" altLang="en-US" dirty="0"/>
-              <a:t> 페이지</a:t>
-            </a:r>
+              <a:t> 리스트 페이지</a:t>
+            </a:r>
+          </a:p>
+        </p:txBody>
+      </p:sp>
+      <p:pic>
+        <p:nvPicPr>
+          <p:cNvPr id="4" name="그림 3">
+            <a:extLst>
+              <a:ext uri="{FF2B5EF4-FFF2-40B4-BE49-F238E27FC236}">
+                <a16:creationId xmlns:a16="http://schemas.microsoft.com/office/drawing/2014/main" id="{5F495C31-1815-C74D-89D3-062CA997EB78}"/>
+              </a:ext>
+            </a:extLst>
+          </p:cNvPr>
+          <p:cNvPicPr>
+            <a:picLocks noChangeAspect="1"/>
+          </p:cNvPicPr>
+          <p:nvPr/>
+        </p:nvPicPr>
+        <p:blipFill>
+          <a:blip r:embed="rId2">
+            <a:extLst>
+              <a:ext uri="{28A0092B-C50C-407E-A947-70E740481C1C}">
+                <a14:useLocalDpi xmlns:a14="http://schemas.microsoft.com/office/drawing/2010/main" val="0"/>
+              </a:ext>
+            </a:extLst>
+          </a:blip>
+          <a:stretch>
+            <a:fillRect/>
+          </a:stretch>
+        </p:blipFill>
+        <p:spPr>
+          <a:xfrm>
+            <a:off x="1619672" y="1484784"/>
+            <a:ext cx="6086946" cy="5149624"/>
+          </a:xfrm>
+          <a:prstGeom prst="rect">
+            <a:avLst/>
+          </a:prstGeom>
+        </p:spPr>
+      </p:pic>
+      <p:sp>
+        <p:nvSpPr>
+          <p:cNvPr id="6" name="TextBox 5">
+            <a:extLst>
+              <a:ext uri="{FF2B5EF4-FFF2-40B4-BE49-F238E27FC236}">
+                <a16:creationId xmlns:a16="http://schemas.microsoft.com/office/drawing/2014/main" id="{54542384-2DC6-7E42-9AD1-169062F33F30}"/>
+              </a:ext>
+            </a:extLst>
+          </p:cNvPr>
+          <p:cNvSpPr txBox="1"/>
+          <p:nvPr/>
+        </p:nvSpPr>
+        <p:spPr>
+          <a:xfrm>
+            <a:off x="7740352" y="1556792"/>
+            <a:ext cx="1152128" cy="646331"/>
+          </a:xfrm>
+          <a:prstGeom prst="rect">
+            <a:avLst/>
+          </a:prstGeom>
+          <a:noFill/>
+        </p:spPr>
+        <p:txBody>
+          <a:bodyPr wrap="square" rtlCol="0">
+            <a:spAutoFit/>
+          </a:bodyPr>
+          <a:lstStyle/>
+          <a:p>
+            <a:r>
+              <a:rPr kumimoji="1" lang="ko-Kore-KR" altLang="en-US" dirty="0"/>
+              <a:t>작업자</a:t>
+            </a:r>
+            <a:r>
+              <a:rPr kumimoji="1" lang="ko-KR" altLang="en-US" dirty="0"/>
+              <a:t> </a:t>
+            </a:r>
+            <a:r>
+              <a:rPr kumimoji="1" lang="ko-KR" altLang="en-US" dirty="0" err="1"/>
+              <a:t>강현태</a:t>
+            </a:r>
+            <a:endParaRPr kumimoji="1" lang="ko-Kore-KR" altLang="en-US" dirty="0"/>
           </a:p>
         </p:txBody>
       </p:sp>
@@ -4658,6 +6485,691 @@
     <p:extLst>
       <p:ext uri="{BB962C8B-B14F-4D97-AF65-F5344CB8AC3E}">
         <p14:creationId xmlns:p14="http://schemas.microsoft.com/office/powerpoint/2010/main" val="3049297472"/>
+      </p:ext>
+    </p:extLst>
+  </p:cSld>
+  <p:clrMapOvr>
+    <a:masterClrMapping/>
+  </p:clrMapOvr>
+</p:sld>
+</file>
+
+<file path=ppt/slides/slide15.xml><?xml version="1.0" encoding="utf-8"?>
+<p:sld xmlns:a="http://schemas.openxmlformats.org/drawingml/2006/main" xmlns:r="http://schemas.openxmlformats.org/officeDocument/2006/relationships" xmlns:p="http://schemas.openxmlformats.org/presentationml/2006/main">
+  <p:cSld>
+    <p:spTree>
+      <p:nvGrpSpPr>
+        <p:cNvPr id="1" name=""/>
+        <p:cNvGrpSpPr/>
+        <p:nvPr/>
+      </p:nvGrpSpPr>
+      <p:grpSpPr>
+        <a:xfrm>
+          <a:off x="0" y="0"/>
+          <a:ext cx="0" cy="0"/>
+          <a:chOff x="0" y="0"/>
+          <a:chExt cx="0" cy="0"/>
+        </a:xfrm>
+      </p:grpSpPr>
+      <p:sp>
+        <p:nvSpPr>
+          <p:cNvPr id="2" name="제목 1"/>
+          <p:cNvSpPr>
+            <a:spLocks noGrp="1"/>
+          </p:cNvSpPr>
+          <p:nvPr>
+            <p:ph type="title"/>
+          </p:nvPr>
+        </p:nvSpPr>
+        <p:spPr>
+          <a:xfrm>
+            <a:off x="685800" y="260648"/>
+            <a:ext cx="7772400" cy="1609344"/>
+          </a:xfrm>
+        </p:spPr>
+        <p:txBody>
+          <a:bodyPr/>
+          <a:lstStyle/>
+          <a:p>
+            <a:r>
+              <a:rPr lang="ko-KR" altLang="en-US" dirty="0"/>
+              <a:t>글 작성 페이지</a:t>
+            </a:r>
+          </a:p>
+        </p:txBody>
+      </p:sp>
+      <p:pic>
+        <p:nvPicPr>
+          <p:cNvPr id="5" name="그림 4">
+            <a:extLst>
+              <a:ext uri="{FF2B5EF4-FFF2-40B4-BE49-F238E27FC236}">
+                <a16:creationId xmlns:a16="http://schemas.microsoft.com/office/drawing/2014/main" id="{09779B2B-14EB-D841-9716-1966BB9E3091}"/>
+              </a:ext>
+            </a:extLst>
+          </p:cNvPr>
+          <p:cNvPicPr>
+            <a:picLocks noChangeAspect="1"/>
+          </p:cNvPicPr>
+          <p:nvPr/>
+        </p:nvPicPr>
+        <p:blipFill>
+          <a:blip r:embed="rId2">
+            <a:extLst>
+              <a:ext uri="{28A0092B-C50C-407E-A947-70E740481C1C}">
+                <a14:useLocalDpi xmlns:a14="http://schemas.microsoft.com/office/drawing/2010/main" val="0"/>
+              </a:ext>
+            </a:extLst>
+          </a:blip>
+          <a:stretch>
+            <a:fillRect/>
+          </a:stretch>
+        </p:blipFill>
+        <p:spPr>
+          <a:xfrm>
+            <a:off x="1835696" y="1417638"/>
+            <a:ext cx="5269458" cy="5269458"/>
+          </a:xfrm>
+          <a:prstGeom prst="rect">
+            <a:avLst/>
+          </a:prstGeom>
+        </p:spPr>
+      </p:pic>
+      <p:sp>
+        <p:nvSpPr>
+          <p:cNvPr id="6" name="TextBox 5">
+            <a:extLst>
+              <a:ext uri="{FF2B5EF4-FFF2-40B4-BE49-F238E27FC236}">
+                <a16:creationId xmlns:a16="http://schemas.microsoft.com/office/drawing/2014/main" id="{A4BE9F59-3BCC-B044-B1FE-6E19F693B446}"/>
+              </a:ext>
+            </a:extLst>
+          </p:cNvPr>
+          <p:cNvSpPr txBox="1"/>
+          <p:nvPr/>
+        </p:nvSpPr>
+        <p:spPr>
+          <a:xfrm>
+            <a:off x="7164288" y="1417638"/>
+            <a:ext cx="1152128" cy="646331"/>
+          </a:xfrm>
+          <a:prstGeom prst="rect">
+            <a:avLst/>
+          </a:prstGeom>
+          <a:noFill/>
+        </p:spPr>
+        <p:txBody>
+          <a:bodyPr wrap="square" rtlCol="0">
+            <a:spAutoFit/>
+          </a:bodyPr>
+          <a:lstStyle/>
+          <a:p>
+            <a:r>
+              <a:rPr kumimoji="1" lang="ko-Kore-KR" altLang="en-US" dirty="0"/>
+              <a:t>작업자</a:t>
+            </a:r>
+            <a:r>
+              <a:rPr kumimoji="1" lang="ko-KR" altLang="en-US" dirty="0"/>
+              <a:t> </a:t>
+            </a:r>
+            <a:r>
+              <a:rPr kumimoji="1" lang="ko-KR" altLang="en-US" dirty="0" err="1"/>
+              <a:t>강현태</a:t>
+            </a:r>
+            <a:endParaRPr kumimoji="1" lang="ko-Kore-KR" altLang="en-US" dirty="0"/>
+          </a:p>
+        </p:txBody>
+      </p:sp>
+    </p:spTree>
+    <p:extLst>
+      <p:ext uri="{BB962C8B-B14F-4D97-AF65-F5344CB8AC3E}">
+        <p14:creationId xmlns:p14="http://schemas.microsoft.com/office/powerpoint/2010/main" val="642693818"/>
+      </p:ext>
+    </p:extLst>
+  </p:cSld>
+  <p:clrMapOvr>
+    <a:masterClrMapping/>
+  </p:clrMapOvr>
+</p:sld>
+</file>
+
+<file path=ppt/slides/slide16.xml><?xml version="1.0" encoding="utf-8"?>
+<p:sld xmlns:a="http://schemas.openxmlformats.org/drawingml/2006/main" xmlns:r="http://schemas.openxmlformats.org/officeDocument/2006/relationships" xmlns:p="http://schemas.openxmlformats.org/presentationml/2006/main">
+  <p:cSld>
+    <p:spTree>
+      <p:nvGrpSpPr>
+        <p:cNvPr id="1" name=""/>
+        <p:cNvGrpSpPr/>
+        <p:nvPr/>
+      </p:nvGrpSpPr>
+      <p:grpSpPr>
+        <a:xfrm>
+          <a:off x="0" y="0"/>
+          <a:ext cx="0" cy="0"/>
+          <a:chOff x="0" y="0"/>
+          <a:chExt cx="0" cy="0"/>
+        </a:xfrm>
+      </p:grpSpPr>
+      <p:sp>
+        <p:nvSpPr>
+          <p:cNvPr id="2" name="제목 1"/>
+          <p:cNvSpPr>
+            <a:spLocks noGrp="1"/>
+          </p:cNvSpPr>
+          <p:nvPr>
+            <p:ph type="title"/>
+          </p:nvPr>
+        </p:nvSpPr>
+        <p:spPr>
+          <a:xfrm>
+            <a:off x="701762" y="260648"/>
+            <a:ext cx="7772400" cy="1609344"/>
+          </a:xfrm>
+        </p:spPr>
+        <p:txBody>
+          <a:bodyPr/>
+          <a:lstStyle/>
+          <a:p>
+            <a:r>
+              <a:rPr lang="ko-KR" altLang="en-US" dirty="0"/>
+              <a:t>글 상세보기 페이지</a:t>
+            </a:r>
+          </a:p>
+        </p:txBody>
+      </p:sp>
+      <p:pic>
+        <p:nvPicPr>
+          <p:cNvPr id="4" name="그림 3">
+            <a:extLst>
+              <a:ext uri="{FF2B5EF4-FFF2-40B4-BE49-F238E27FC236}">
+                <a16:creationId xmlns:a16="http://schemas.microsoft.com/office/drawing/2014/main" id="{1D61F9BB-9AE9-B14E-8334-83DB3F15838F}"/>
+              </a:ext>
+            </a:extLst>
+          </p:cNvPr>
+          <p:cNvPicPr>
+            <a:picLocks noChangeAspect="1"/>
+          </p:cNvPicPr>
+          <p:nvPr/>
+        </p:nvPicPr>
+        <p:blipFill>
+          <a:blip r:embed="rId2">
+            <a:extLst>
+              <a:ext uri="{28A0092B-C50C-407E-A947-70E740481C1C}">
+                <a14:useLocalDpi xmlns:a14="http://schemas.microsoft.com/office/drawing/2010/main" val="0"/>
+              </a:ext>
+            </a:extLst>
+          </a:blip>
+          <a:stretch>
+            <a:fillRect/>
+          </a:stretch>
+        </p:blipFill>
+        <p:spPr>
+          <a:xfrm>
+            <a:off x="1979712" y="1484784"/>
+            <a:ext cx="5216500" cy="5235892"/>
+          </a:xfrm>
+          <a:prstGeom prst="rect">
+            <a:avLst/>
+          </a:prstGeom>
+        </p:spPr>
+      </p:pic>
+      <p:sp>
+        <p:nvSpPr>
+          <p:cNvPr id="6" name="TextBox 5">
+            <a:extLst>
+              <a:ext uri="{FF2B5EF4-FFF2-40B4-BE49-F238E27FC236}">
+                <a16:creationId xmlns:a16="http://schemas.microsoft.com/office/drawing/2014/main" id="{F1634908-B9D2-D447-BFF1-4AFAA8CD78FF}"/>
+              </a:ext>
+            </a:extLst>
+          </p:cNvPr>
+          <p:cNvSpPr txBox="1"/>
+          <p:nvPr/>
+        </p:nvSpPr>
+        <p:spPr>
+          <a:xfrm>
+            <a:off x="7236296" y="1502586"/>
+            <a:ext cx="1152128" cy="646331"/>
+          </a:xfrm>
+          <a:prstGeom prst="rect">
+            <a:avLst/>
+          </a:prstGeom>
+          <a:noFill/>
+        </p:spPr>
+        <p:txBody>
+          <a:bodyPr wrap="square" rtlCol="0">
+            <a:spAutoFit/>
+          </a:bodyPr>
+          <a:lstStyle/>
+          <a:p>
+            <a:r>
+              <a:rPr kumimoji="1" lang="ko-Kore-KR" altLang="en-US" dirty="0"/>
+              <a:t>작업자</a:t>
+            </a:r>
+            <a:r>
+              <a:rPr kumimoji="1" lang="ko-KR" altLang="en-US" dirty="0"/>
+              <a:t> </a:t>
+            </a:r>
+            <a:r>
+              <a:rPr kumimoji="1" lang="ko-KR" altLang="en-US" dirty="0" err="1"/>
+              <a:t>강현태</a:t>
+            </a:r>
+            <a:endParaRPr kumimoji="1" lang="ko-Kore-KR" altLang="en-US" dirty="0"/>
+          </a:p>
+        </p:txBody>
+      </p:sp>
+    </p:spTree>
+    <p:extLst>
+      <p:ext uri="{BB962C8B-B14F-4D97-AF65-F5344CB8AC3E}">
+        <p14:creationId xmlns:p14="http://schemas.microsoft.com/office/powerpoint/2010/main" val="4234670500"/>
+      </p:ext>
+    </p:extLst>
+  </p:cSld>
+  <p:clrMapOvr>
+    <a:masterClrMapping/>
+  </p:clrMapOvr>
+</p:sld>
+</file>
+
+<file path=ppt/slides/slide17.xml><?xml version="1.0" encoding="utf-8"?>
+<p:sld xmlns:a="http://schemas.openxmlformats.org/drawingml/2006/main" xmlns:r="http://schemas.openxmlformats.org/officeDocument/2006/relationships" xmlns:p="http://schemas.openxmlformats.org/presentationml/2006/main">
+  <p:cSld>
+    <p:spTree>
+      <p:nvGrpSpPr>
+        <p:cNvPr id="1" name=""/>
+        <p:cNvGrpSpPr/>
+        <p:nvPr/>
+      </p:nvGrpSpPr>
+      <p:grpSpPr>
+        <a:xfrm>
+          <a:off x="0" y="0"/>
+          <a:ext cx="0" cy="0"/>
+          <a:chOff x="0" y="0"/>
+          <a:chExt cx="0" cy="0"/>
+        </a:xfrm>
+      </p:grpSpPr>
+      <p:sp>
+        <p:nvSpPr>
+          <p:cNvPr id="2" name="제목 1"/>
+          <p:cNvSpPr>
+            <a:spLocks noGrp="1"/>
+          </p:cNvSpPr>
+          <p:nvPr>
+            <p:ph type="title"/>
+          </p:nvPr>
+        </p:nvSpPr>
+        <p:spPr>
+          <a:xfrm>
+            <a:off x="701762" y="260648"/>
+            <a:ext cx="7772400" cy="1609344"/>
+          </a:xfrm>
+        </p:spPr>
+        <p:txBody>
+          <a:bodyPr/>
+          <a:lstStyle/>
+          <a:p>
+            <a:r>
+              <a:rPr lang="ko-KR" altLang="en-US" dirty="0"/>
+              <a:t>리뷰 페이지</a:t>
+            </a:r>
+          </a:p>
+        </p:txBody>
+      </p:sp>
+      <p:sp>
+        <p:nvSpPr>
+          <p:cNvPr id="6" name="TextBox 5">
+            <a:extLst>
+              <a:ext uri="{FF2B5EF4-FFF2-40B4-BE49-F238E27FC236}">
+                <a16:creationId xmlns:a16="http://schemas.microsoft.com/office/drawing/2014/main" id="{F1634908-B9D2-D447-BFF1-4AFAA8CD78FF}"/>
+              </a:ext>
+            </a:extLst>
+          </p:cNvPr>
+          <p:cNvSpPr txBox="1"/>
+          <p:nvPr/>
+        </p:nvSpPr>
+        <p:spPr>
+          <a:xfrm>
+            <a:off x="7236296" y="1502586"/>
+            <a:ext cx="1152128" cy="646331"/>
+          </a:xfrm>
+          <a:prstGeom prst="rect">
+            <a:avLst/>
+          </a:prstGeom>
+          <a:noFill/>
+        </p:spPr>
+        <p:txBody>
+          <a:bodyPr wrap="square" rtlCol="0">
+            <a:spAutoFit/>
+          </a:bodyPr>
+          <a:lstStyle/>
+          <a:p>
+            <a:r>
+              <a:rPr kumimoji="1" lang="ko-Kore-KR" altLang="en-US" dirty="0"/>
+              <a:t>작업자</a:t>
+            </a:r>
+            <a:r>
+              <a:rPr kumimoji="1" lang="ko-KR" altLang="en-US" dirty="0"/>
+              <a:t> </a:t>
+            </a:r>
+            <a:r>
+              <a:rPr kumimoji="1" lang="ko-KR" altLang="en-US" dirty="0" err="1"/>
+              <a:t>최재일</a:t>
+            </a:r>
+            <a:endParaRPr kumimoji="1" lang="ko-Kore-KR" altLang="en-US" dirty="0"/>
+          </a:p>
+        </p:txBody>
+      </p:sp>
+      <p:pic>
+        <p:nvPicPr>
+          <p:cNvPr id="5" name="그림 4" descr="테이블이(가) 표시된 사진&#10;&#10;자동 생성된 설명">
+            <a:extLst>
+              <a:ext uri="{FF2B5EF4-FFF2-40B4-BE49-F238E27FC236}">
+                <a16:creationId xmlns:a16="http://schemas.microsoft.com/office/drawing/2014/main" id="{DB662A96-AEF9-C641-8C99-6BA5E1C32B7F}"/>
+              </a:ext>
+            </a:extLst>
+          </p:cNvPr>
+          <p:cNvPicPr>
+            <a:picLocks noChangeAspect="1"/>
+          </p:cNvPicPr>
+          <p:nvPr/>
+        </p:nvPicPr>
+        <p:blipFill>
+          <a:blip r:embed="rId2">
+            <a:extLst>
+              <a:ext uri="{28A0092B-C50C-407E-A947-70E740481C1C}">
+                <a14:useLocalDpi xmlns:a14="http://schemas.microsoft.com/office/drawing/2010/main" val="0"/>
+              </a:ext>
+            </a:extLst>
+          </a:blip>
+          <a:stretch>
+            <a:fillRect/>
+          </a:stretch>
+        </p:blipFill>
+        <p:spPr>
+          <a:xfrm>
+            <a:off x="107504" y="1565985"/>
+            <a:ext cx="6964030" cy="5031367"/>
+          </a:xfrm>
+          <a:prstGeom prst="rect">
+            <a:avLst/>
+          </a:prstGeom>
+        </p:spPr>
+      </p:pic>
+    </p:spTree>
+    <p:extLst>
+      <p:ext uri="{BB962C8B-B14F-4D97-AF65-F5344CB8AC3E}">
+        <p14:creationId xmlns:p14="http://schemas.microsoft.com/office/powerpoint/2010/main" val="897974494"/>
+      </p:ext>
+    </p:extLst>
+  </p:cSld>
+  <p:clrMapOvr>
+    <a:masterClrMapping/>
+  </p:clrMapOvr>
+</p:sld>
+</file>
+
+<file path=ppt/slides/slide18.xml><?xml version="1.0" encoding="utf-8"?>
+<p:sld xmlns:a="http://schemas.openxmlformats.org/drawingml/2006/main" xmlns:r="http://schemas.openxmlformats.org/officeDocument/2006/relationships" xmlns:p="http://schemas.openxmlformats.org/presentationml/2006/main">
+  <p:cSld>
+    <p:spTree>
+      <p:nvGrpSpPr>
+        <p:cNvPr id="1" name=""/>
+        <p:cNvGrpSpPr/>
+        <p:nvPr/>
+      </p:nvGrpSpPr>
+      <p:grpSpPr>
+        <a:xfrm>
+          <a:off x="0" y="0"/>
+          <a:ext cx="0" cy="0"/>
+          <a:chOff x="0" y="0"/>
+          <a:chExt cx="0" cy="0"/>
+        </a:xfrm>
+      </p:grpSpPr>
+      <p:sp>
+        <p:nvSpPr>
+          <p:cNvPr id="2" name="제목 1"/>
+          <p:cNvSpPr>
+            <a:spLocks noGrp="1"/>
+          </p:cNvSpPr>
+          <p:nvPr>
+            <p:ph type="title"/>
+          </p:nvPr>
+        </p:nvSpPr>
+        <p:spPr>
+          <a:xfrm>
+            <a:off x="701762" y="260648"/>
+            <a:ext cx="7772400" cy="1609344"/>
+          </a:xfrm>
+        </p:spPr>
+        <p:txBody>
+          <a:bodyPr/>
+          <a:lstStyle/>
+          <a:p>
+            <a:r>
+              <a:rPr lang="ko-KR" altLang="en-US" dirty="0"/>
+              <a:t>리뷰 글쓰기 페이지</a:t>
+            </a:r>
+          </a:p>
+        </p:txBody>
+      </p:sp>
+      <p:sp>
+        <p:nvSpPr>
+          <p:cNvPr id="5" name="TextBox 4">
+            <a:extLst>
+              <a:ext uri="{FF2B5EF4-FFF2-40B4-BE49-F238E27FC236}">
+                <a16:creationId xmlns:a16="http://schemas.microsoft.com/office/drawing/2014/main" id="{22BADDDA-8EE1-BD44-8C0A-DD8C6577ECBB}"/>
+              </a:ext>
+            </a:extLst>
+          </p:cNvPr>
+          <p:cNvSpPr txBox="1"/>
+          <p:nvPr/>
+        </p:nvSpPr>
+        <p:spPr>
+          <a:xfrm>
+            <a:off x="7164288" y="1628800"/>
+            <a:ext cx="1152128" cy="646331"/>
+          </a:xfrm>
+          <a:prstGeom prst="rect">
+            <a:avLst/>
+          </a:prstGeom>
+          <a:noFill/>
+        </p:spPr>
+        <p:txBody>
+          <a:bodyPr wrap="square" rtlCol="0">
+            <a:spAutoFit/>
+          </a:bodyPr>
+          <a:lstStyle/>
+          <a:p>
+            <a:r>
+              <a:rPr kumimoji="1" lang="ko-Kore-KR" altLang="en-US" dirty="0"/>
+              <a:t>작업자</a:t>
+            </a:r>
+            <a:r>
+              <a:rPr kumimoji="1" lang="ko-KR" altLang="en-US" dirty="0"/>
+              <a:t> </a:t>
+            </a:r>
+            <a:r>
+              <a:rPr kumimoji="1" lang="ko-KR" altLang="en-US" dirty="0" err="1"/>
+              <a:t>최재일</a:t>
+            </a:r>
+            <a:endParaRPr kumimoji="1" lang="ko-Kore-KR" altLang="en-US" dirty="0"/>
+          </a:p>
+        </p:txBody>
+      </p:sp>
+      <p:pic>
+        <p:nvPicPr>
+          <p:cNvPr id="7" name="그림 6" descr="텍스트, 테이블이(가) 표시된 사진&#10;&#10;자동 생성된 설명">
+            <a:extLst>
+              <a:ext uri="{FF2B5EF4-FFF2-40B4-BE49-F238E27FC236}">
+                <a16:creationId xmlns:a16="http://schemas.microsoft.com/office/drawing/2014/main" id="{0990BC09-D38B-E542-B5F8-469CF0EEAC20}"/>
+              </a:ext>
+            </a:extLst>
+          </p:cNvPr>
+          <p:cNvPicPr>
+            <a:picLocks noChangeAspect="1"/>
+          </p:cNvPicPr>
+          <p:nvPr/>
+        </p:nvPicPr>
+        <p:blipFill>
+          <a:blip r:embed="rId2">
+            <a:extLst>
+              <a:ext uri="{28A0092B-C50C-407E-A947-70E740481C1C}">
+                <a14:useLocalDpi xmlns:a14="http://schemas.microsoft.com/office/drawing/2010/main" val="0"/>
+              </a:ext>
+            </a:extLst>
+          </a:blip>
+          <a:stretch>
+            <a:fillRect/>
+          </a:stretch>
+        </p:blipFill>
+        <p:spPr>
+          <a:xfrm>
+            <a:off x="701762" y="1661844"/>
+            <a:ext cx="6220992" cy="4618178"/>
+          </a:xfrm>
+          <a:prstGeom prst="rect">
+            <a:avLst/>
+          </a:prstGeom>
+        </p:spPr>
+      </p:pic>
+    </p:spTree>
+    <p:extLst>
+      <p:ext uri="{BB962C8B-B14F-4D97-AF65-F5344CB8AC3E}">
+        <p14:creationId xmlns:p14="http://schemas.microsoft.com/office/powerpoint/2010/main" val="977266274"/>
+      </p:ext>
+    </p:extLst>
+  </p:cSld>
+  <p:clrMapOvr>
+    <a:masterClrMapping/>
+  </p:clrMapOvr>
+</p:sld>
+</file>
+
+<file path=ppt/slides/slide19.xml><?xml version="1.0" encoding="utf-8"?>
+<p:sld xmlns:a="http://schemas.openxmlformats.org/drawingml/2006/main" xmlns:r="http://schemas.openxmlformats.org/officeDocument/2006/relationships" xmlns:p="http://schemas.openxmlformats.org/presentationml/2006/main">
+  <p:cSld>
+    <p:spTree>
+      <p:nvGrpSpPr>
+        <p:cNvPr id="1" name=""/>
+        <p:cNvGrpSpPr/>
+        <p:nvPr/>
+      </p:nvGrpSpPr>
+      <p:grpSpPr>
+        <a:xfrm>
+          <a:off x="0" y="0"/>
+          <a:ext cx="0" cy="0"/>
+          <a:chOff x="0" y="0"/>
+          <a:chExt cx="0" cy="0"/>
+        </a:xfrm>
+      </p:grpSpPr>
+      <p:sp>
+        <p:nvSpPr>
+          <p:cNvPr id="2" name="제목 1"/>
+          <p:cNvSpPr>
+            <a:spLocks noGrp="1"/>
+          </p:cNvSpPr>
+          <p:nvPr>
+            <p:ph type="title"/>
+          </p:nvPr>
+        </p:nvSpPr>
+        <p:spPr>
+          <a:xfrm>
+            <a:off x="701762" y="260648"/>
+            <a:ext cx="7772400" cy="1609344"/>
+          </a:xfrm>
+        </p:spPr>
+        <p:txBody>
+          <a:bodyPr/>
+          <a:lstStyle/>
+          <a:p>
+            <a:r>
+              <a:rPr lang="ko-KR" altLang="en-US" dirty="0"/>
+              <a:t>상세 리뷰 페이지</a:t>
+            </a:r>
+          </a:p>
+        </p:txBody>
+      </p:sp>
+      <p:sp>
+        <p:nvSpPr>
+          <p:cNvPr id="6" name="TextBox 5">
+            <a:extLst>
+              <a:ext uri="{FF2B5EF4-FFF2-40B4-BE49-F238E27FC236}">
+                <a16:creationId xmlns:a16="http://schemas.microsoft.com/office/drawing/2014/main" id="{F1634908-B9D2-D447-BFF1-4AFAA8CD78FF}"/>
+              </a:ext>
+            </a:extLst>
+          </p:cNvPr>
+          <p:cNvSpPr txBox="1"/>
+          <p:nvPr/>
+        </p:nvSpPr>
+        <p:spPr>
+          <a:xfrm>
+            <a:off x="7236296" y="1502586"/>
+            <a:ext cx="1152128" cy="646331"/>
+          </a:xfrm>
+          <a:prstGeom prst="rect">
+            <a:avLst/>
+          </a:prstGeom>
+          <a:noFill/>
+        </p:spPr>
+        <p:txBody>
+          <a:bodyPr wrap="square" rtlCol="0">
+            <a:spAutoFit/>
+          </a:bodyPr>
+          <a:lstStyle/>
+          <a:p>
+            <a:r>
+              <a:rPr kumimoji="1" lang="ko-Kore-KR" altLang="en-US" dirty="0"/>
+              <a:t>작업자</a:t>
+            </a:r>
+            <a:r>
+              <a:rPr kumimoji="1" lang="ko-KR" altLang="en-US" dirty="0"/>
+              <a:t> </a:t>
+            </a:r>
+            <a:r>
+              <a:rPr kumimoji="1" lang="ko-KR" altLang="en-US" dirty="0" err="1"/>
+              <a:t>최재일</a:t>
+            </a:r>
+            <a:endParaRPr kumimoji="1" lang="ko-Kore-KR" altLang="en-US" dirty="0"/>
+          </a:p>
+        </p:txBody>
+      </p:sp>
+      <p:pic>
+        <p:nvPicPr>
+          <p:cNvPr id="5" name="그림 4" descr="텍스트이(가) 표시된 사진&#10;&#10;자동 생성된 설명">
+            <a:extLst>
+              <a:ext uri="{FF2B5EF4-FFF2-40B4-BE49-F238E27FC236}">
+                <a16:creationId xmlns:a16="http://schemas.microsoft.com/office/drawing/2014/main" id="{AECDDC72-B851-704D-A60B-A432D137C735}"/>
+              </a:ext>
+            </a:extLst>
+          </p:cNvPr>
+          <p:cNvPicPr>
+            <a:picLocks noChangeAspect="1"/>
+          </p:cNvPicPr>
+          <p:nvPr/>
+        </p:nvPicPr>
+        <p:blipFill>
+          <a:blip r:embed="rId2">
+            <a:extLst>
+              <a:ext uri="{28A0092B-C50C-407E-A947-70E740481C1C}">
+                <a14:useLocalDpi xmlns:a14="http://schemas.microsoft.com/office/drawing/2010/main" val="0"/>
+              </a:ext>
+            </a:extLst>
+          </a:blip>
+          <a:stretch>
+            <a:fillRect/>
+          </a:stretch>
+        </p:blipFill>
+        <p:spPr>
+          <a:xfrm>
+            <a:off x="487660" y="2060848"/>
+            <a:ext cx="6662898" cy="3671393"/>
+          </a:xfrm>
+          <a:prstGeom prst="rect">
+            <a:avLst/>
+          </a:prstGeom>
+        </p:spPr>
+      </p:pic>
+    </p:spTree>
+    <p:extLst>
+      <p:ext uri="{BB962C8B-B14F-4D97-AF65-F5344CB8AC3E}">
+        <p14:creationId xmlns:p14="http://schemas.microsoft.com/office/powerpoint/2010/main" val="3392763868"/>
       </p:ext>
     </p:extLst>
   </p:cSld>
@@ -5562,7 +8074,7 @@
           </p:nvPr>
         </p:nvPicPr>
         <p:blipFill>
-          <a:blip r:embed="rId2">
+          <a:blip r:embed="rId3">
             <a:extLst>
               <a:ext uri="{28A0092B-C50C-407E-A947-70E740481C1C}">
                 <a14:useLocalDpi xmlns:a14="http://schemas.microsoft.com/office/drawing/2010/main" val="0"/>
@@ -5575,8 +8087,8 @@
         </p:blipFill>
         <p:spPr>
           <a:xfrm>
-            <a:off x="979021" y="1600200"/>
-            <a:ext cx="7185958" cy="4525963"/>
+            <a:off x="1355836" y="2120900"/>
+            <a:ext cx="6432327" cy="4051300"/>
           </a:xfrm>
         </p:spPr>
       </p:pic>
@@ -5752,7 +8264,12 @@
             <p:ph type="title"/>
           </p:nvPr>
         </p:nvSpPr>
-        <p:spPr/>
+        <p:spPr>
+          <a:xfrm>
+            <a:off x="685800" y="116632"/>
+            <a:ext cx="7772400" cy="1609344"/>
+          </a:xfrm>
+        </p:spPr>
         <p:txBody>
           <a:bodyPr/>
           <a:lstStyle/>
@@ -8337,9 +10854,9 @@
 </file>
 
 <file path=ppt/theme/theme1.xml><?xml version="1.0" encoding="utf-8"?>
-<a:theme xmlns:a="http://schemas.openxmlformats.org/drawingml/2006/main" name="Office 테마">
+<a:theme xmlns:a="http://schemas.openxmlformats.org/drawingml/2006/main" name="목판">
   <a:themeElements>
-    <a:clrScheme name="Office">
+    <a:clrScheme name="목판">
       <a:dk1>
         <a:sysClr val="windowText" lastClr="000000"/>
       </a:dk1>
@@ -8347,48 +10864,86 @@
         <a:sysClr val="window" lastClr="FFFFFF"/>
       </a:lt1>
       <a:dk2>
-        <a:srgbClr val="1F497D"/>
+        <a:srgbClr val="696464"/>
       </a:dk2>
       <a:lt2>
-        <a:srgbClr val="EEECE1"/>
+        <a:srgbClr val="E9E5DC"/>
       </a:lt2>
       <a:accent1>
-        <a:srgbClr val="4F81BD"/>
+        <a:srgbClr val="D34817"/>
       </a:accent1>
       <a:accent2>
-        <a:srgbClr val="C0504D"/>
+        <a:srgbClr val="9B2D1F"/>
       </a:accent2>
       <a:accent3>
-        <a:srgbClr val="9BBB59"/>
+        <a:srgbClr val="A28E6A"/>
       </a:accent3>
       <a:accent4>
-        <a:srgbClr val="8064A2"/>
+        <a:srgbClr val="956251"/>
       </a:accent4>
       <a:accent5>
-        <a:srgbClr val="4BACC6"/>
+        <a:srgbClr val="918485"/>
       </a:accent5>
       <a:accent6>
-        <a:srgbClr val="F79646"/>
+        <a:srgbClr val="855D5D"/>
       </a:accent6>
       <a:hlink>
-        <a:srgbClr val="0000FF"/>
+        <a:srgbClr val="CC9900"/>
       </a:hlink>
       <a:folHlink>
-        <a:srgbClr val="800080"/>
+        <a:srgbClr val="96A9A9"/>
       </a:folHlink>
     </a:clrScheme>
-    <a:fontScheme name="Office">
+    <a:fontScheme name="목판">
       <a:majorFont>
-        <a:latin typeface="맑은 고딕"/>
+        <a:latin typeface="Rockwell Condensed" panose="02060603050405020104"/>
         <a:ea typeface=""/>
         <a:cs typeface=""/>
-        <a:font script="Jpan" typeface="ＭＳ Ｐゴシック"/>
-        <a:font script="Hang" typeface="맑은 고딕"/>
-        <a:font script="Hans" typeface="宋体"/>
-        <a:font script="Hant" typeface="新細明體"/>
+        <a:font script="Grek" typeface="Cambria"/>
+        <a:font script="Cyrl" typeface="Cambria"/>
+        <a:font script="Jpan" typeface="HG明朝B"/>
+        <a:font script="Hang" typeface="바탕"/>
+        <a:font script="Hans" typeface="方正姚体"/>
+        <a:font script="Hant" typeface="微軟正黑體"/>
         <a:font script="Arab" typeface="Times New Roman"/>
-        <a:font script="Hebr" typeface="Times New Roman"/>
-        <a:font script="Thai" typeface="Angsana New"/>
+        <a:font script="Hebr" typeface="David"/>
+        <a:font script="Thai" typeface="JasmineUPC"/>
+        <a:font script="Ethi" typeface="Nyala"/>
+        <a:font script="Beng" typeface="Vrinda"/>
+        <a:font script="Gujr" typeface="Shruti"/>
+        <a:font script="Khmr" typeface="MoolBoran"/>
+        <a:font script="Knda" typeface="Tunga"/>
+        <a:font script="Guru" typeface="Raavi"/>
+        <a:font script="Cans" typeface="Euphemia"/>
+        <a:font script="Cher" typeface="Plantagenet Cherokee"/>
+        <a:font script="Yiii" typeface="Microsoft Yi Baiti"/>
+        <a:font script="Tibt" typeface="Microsoft Himalaya"/>
+        <a:font script="Thaa" typeface="MV Boli"/>
+        <a:font script="Deva" typeface="Mangal"/>
+        <a:font script="Telu" typeface="Gautami"/>
+        <a:font script="Taml" typeface="Latha"/>
+        <a:font script="Syrc" typeface="Estrangelo Edessa"/>
+        <a:font script="Orya" typeface="Kalinga"/>
+        <a:font script="Mlym" typeface="Kartika"/>
+        <a:font script="Laoo" typeface="DokChampa"/>
+        <a:font script="Sinh" typeface="Iskoola Pota"/>
+        <a:font script="Mong" typeface="Mongolian Baiti"/>
+        <a:font script="Viet" typeface="Arial"/>
+        <a:font script="Uigh" typeface="Microsoft Uighur"/>
+      </a:majorFont>
+      <a:minorFont>
+        <a:latin typeface="Rockwell" panose="02060603020205020403"/>
+        <a:ea typeface=""/>
+        <a:cs typeface=""/>
+        <a:font script="Grek" typeface="Cambria"/>
+        <a:font script="Cyrl" typeface="Cambria"/>
+        <a:font script="Jpan" typeface="HG明朝B"/>
+        <a:font script="Hang" typeface="바탕"/>
+        <a:font script="Hans" typeface="方正姚体"/>
+        <a:font script="Hant" typeface="標楷體"/>
+        <a:font script="Arab" typeface="Times New Roman"/>
+        <a:font script="Hebr" typeface="David"/>
+        <a:font script="Thai" typeface="JasmineUPC"/>
         <a:font script="Ethi" typeface="Nyala"/>
         <a:font script="Beng" typeface="Vrinda"/>
         <a:font script="Gujr" typeface="Shruti"/>
@@ -8411,113 +10966,57 @@
         <a:font script="Mong" typeface="Mongolian Baiti"/>
         <a:font script="Viet" typeface="Times New Roman"/>
         <a:font script="Uigh" typeface="Microsoft Uighur"/>
-        <a:font script="Geor" typeface="Sylfaen"/>
-      </a:majorFont>
-      <a:minorFont>
-        <a:latin typeface="맑은 고딕"/>
-        <a:ea typeface=""/>
-        <a:cs typeface=""/>
-        <a:font script="Jpan" typeface="ＭＳ Ｐゴシック"/>
-        <a:font script="Hang" typeface="맑은 고딕"/>
-        <a:font script="Hans" typeface="宋体"/>
-        <a:font script="Hant" typeface="新細明體"/>
-        <a:font script="Arab" typeface="Arial"/>
-        <a:font script="Hebr" typeface="Arial"/>
-        <a:font script="Thai" typeface="Cordia New"/>
-        <a:font script="Ethi" typeface="Nyala"/>
-        <a:font script="Beng" typeface="Vrinda"/>
-        <a:font script="Gujr" typeface="Shruti"/>
-        <a:font script="Khmr" typeface="DaunPenh"/>
-        <a:font script="Knda" typeface="Tunga"/>
-        <a:font script="Guru" typeface="Raavi"/>
-        <a:font script="Cans" typeface="Euphemia"/>
-        <a:font script="Cher" typeface="Plantagenet Cherokee"/>
-        <a:font script="Yiii" typeface="Microsoft Yi Baiti"/>
-        <a:font script="Tibt" typeface="Microsoft Himalaya"/>
-        <a:font script="Thaa" typeface="MV Boli"/>
-        <a:font script="Deva" typeface="Mangal"/>
-        <a:font script="Telu" typeface="Gautami"/>
-        <a:font script="Taml" typeface="Latha"/>
-        <a:font script="Syrc" typeface="Estrangelo Edessa"/>
-        <a:font script="Orya" typeface="Kalinga"/>
-        <a:font script="Mlym" typeface="Kartika"/>
-        <a:font script="Laoo" typeface="DokChampa"/>
-        <a:font script="Sinh" typeface="Iskoola Pota"/>
-        <a:font script="Mong" typeface="Mongolian Baiti"/>
-        <a:font script="Viet" typeface="Arial"/>
-        <a:font script="Uigh" typeface="Microsoft Uighur"/>
-        <a:font script="Geor" typeface="Sylfaen"/>
       </a:minorFont>
     </a:fontScheme>
-    <a:fmtScheme name="Office">
+    <a:fmtScheme name="목판">
       <a:fillStyleLst>
         <a:solidFill>
           <a:schemeClr val="phClr"/>
         </a:solidFill>
-        <a:gradFill rotWithShape="1">
-          <a:gsLst>
-            <a:gs pos="0">
+        <a:blipFill rotWithShape="1">
+          <a:blip xmlns:r="http://schemas.openxmlformats.org/officeDocument/2006/relationships" r:embed="rId1">
+            <a:duotone>
               <a:schemeClr val="phClr">
-                <a:tint val="50000"/>
-                <a:satMod val="300000"/>
+                <a:tint val="70000"/>
+                <a:shade val="63000"/>
               </a:schemeClr>
-            </a:gs>
-            <a:gs pos="35000">
               <a:schemeClr val="phClr">
-                <a:tint val="37000"/>
-                <a:satMod val="300000"/>
+                <a:tint val="10000"/>
+                <a:satMod val="150000"/>
               </a:schemeClr>
-            </a:gs>
-            <a:gs pos="100000">
+            </a:duotone>
+          </a:blip>
+          <a:tile tx="0" ty="0" sx="60000" sy="59000" flip="none" algn="tl"/>
+        </a:blipFill>
+        <a:blipFill rotWithShape="1">
+          <a:blip xmlns:r="http://schemas.openxmlformats.org/officeDocument/2006/relationships" r:embed="rId1">
+            <a:duotone>
               <a:schemeClr val="phClr">
-                <a:tint val="15000"/>
-                <a:satMod val="350000"/>
+                <a:shade val="36000"/>
+                <a:satMod val="120000"/>
               </a:schemeClr>
-            </a:gs>
-          </a:gsLst>
-          <a:lin ang="16200000" scaled="1"/>
-        </a:gradFill>
-        <a:gradFill rotWithShape="1">
-          <a:gsLst>
-            <a:gs pos="0">
               <a:schemeClr val="phClr">
-                <a:shade val="51000"/>
-                <a:satMod val="130000"/>
+                <a:tint val="40000"/>
               </a:schemeClr>
-            </a:gs>
-            <a:gs pos="80000">
-              <a:schemeClr val="phClr">
-                <a:shade val="93000"/>
-                <a:satMod val="130000"/>
-              </a:schemeClr>
-            </a:gs>
-            <a:gs pos="100000">
-              <a:schemeClr val="phClr">
-                <a:shade val="94000"/>
-                <a:satMod val="135000"/>
-              </a:schemeClr>
-            </a:gs>
-          </a:gsLst>
-          <a:lin ang="16200000" scaled="0"/>
-        </a:gradFill>
+            </a:duotone>
+          </a:blip>
+          <a:tile tx="0" ty="0" sx="60000" sy="59000" flip="none" algn="tl"/>
+        </a:blipFill>
       </a:fillStyleLst>
       <a:lnStyleLst>
-        <a:ln w="9525" cap="flat" cmpd="sng" algn="ctr">
-          <a:solidFill>
-            <a:schemeClr val="phClr">
-              <a:shade val="95000"/>
-              <a:satMod val="105000"/>
-            </a:schemeClr>
-          </a:solidFill>
-          <a:prstDash val="solid"/>
-        </a:ln>
-        <a:ln w="25400" cap="flat" cmpd="sng" algn="ctr">
+        <a:ln w="6350" cap="flat" cmpd="sng" algn="ctr">
           <a:solidFill>
             <a:schemeClr val="phClr"/>
           </a:solidFill>
           <a:prstDash val="solid"/>
         </a:ln>
-        <a:ln w="38100" cap="flat" cmpd="sng" algn="ctr">
+        <a:ln w="12700" cap="flat" cmpd="sng" algn="ctr">
+          <a:solidFill>
+            <a:schemeClr val="phClr"/>
+          </a:solidFill>
+          <a:prstDash val="solid"/>
+        </a:ln>
+        <a:ln w="19050" cap="flat" cmpd="sng" algn="ctr">
           <a:solidFill>
             <a:schemeClr val="phClr"/>
           </a:solidFill>
@@ -8526,98 +11025,60 @@
       </a:lnStyleLst>
       <a:effectStyleLst>
         <a:effectStyle>
+          <a:effectLst/>
+        </a:effectStyle>
+        <a:effectStyle>
           <a:effectLst>
-            <a:outerShdw blurRad="40000" dist="20000" dir="5400000" rotWithShape="0">
-              <a:srgbClr val="000000">
-                <a:alpha val="38000"/>
-              </a:srgbClr>
-            </a:outerShdw>
+            <a:softEdge rad="12700"/>
           </a:effectLst>
         </a:effectStyle>
         <a:effectStyle>
           <a:effectLst>
-            <a:outerShdw blurRad="40000" dist="23000" dir="5400000" rotWithShape="0">
+            <a:outerShdw blurRad="50800" dist="19050" dir="5400000" algn="tl" rotWithShape="0">
               <a:srgbClr val="000000">
-                <a:alpha val="35000"/>
+                <a:alpha val="60000"/>
               </a:srgbClr>
             </a:outerShdw>
+            <a:softEdge rad="12700"/>
           </a:effectLst>
-        </a:effectStyle>
-        <a:effectStyle>
-          <a:effectLst>
-            <a:outerShdw blurRad="40000" dist="23000" dir="5400000" rotWithShape="0">
-              <a:srgbClr val="000000">
-                <a:alpha val="35000"/>
-              </a:srgbClr>
-            </a:outerShdw>
-          </a:effectLst>
-          <a:scene3d>
-            <a:camera prst="orthographicFront">
-              <a:rot lat="0" lon="0" rev="0"/>
-            </a:camera>
-            <a:lightRig rig="threePt" dir="t">
-              <a:rot lat="0" lon="0" rev="1200000"/>
-            </a:lightRig>
-          </a:scene3d>
-          <a:sp3d>
-            <a:bevelT w="63500" h="25400"/>
-          </a:sp3d>
         </a:effectStyle>
       </a:effectStyleLst>
       <a:bgFillStyleLst>
         <a:solidFill>
           <a:schemeClr val="phClr"/>
         </a:solidFill>
-        <a:gradFill rotWithShape="1">
-          <a:gsLst>
-            <a:gs pos="0">
+        <a:solidFill>
+          <a:schemeClr val="phClr">
+            <a:shade val="97000"/>
+            <a:satMod val="150000"/>
+          </a:schemeClr>
+        </a:solidFill>
+        <a:blipFill rotWithShape="1">
+          <a:blip xmlns:r="http://schemas.openxmlformats.org/officeDocument/2006/relationships" r:embed="rId1">
+            <a:duotone>
               <a:schemeClr val="phClr">
-                <a:tint val="40000"/>
-                <a:satMod val="350000"/>
+                <a:tint val="75000"/>
+                <a:shade val="58000"/>
+                <a:satMod val="120000"/>
               </a:schemeClr>
-            </a:gs>
-            <a:gs pos="40000">
               <a:schemeClr val="phClr">
-                <a:tint val="45000"/>
-                <a:shade val="99000"/>
-                <a:satMod val="350000"/>
+                <a:tint val="50000"/>
+                <a:shade val="96000"/>
               </a:schemeClr>
-            </a:gs>
-            <a:gs pos="100000">
-              <a:schemeClr val="phClr">
-                <a:shade val="20000"/>
-                <a:satMod val="255000"/>
-              </a:schemeClr>
-            </a:gs>
-          </a:gsLst>
-          <a:path path="circle">
-            <a:fillToRect l="50000" t="-80000" r="50000" b="180000"/>
-          </a:path>
-        </a:gradFill>
-        <a:gradFill rotWithShape="1">
-          <a:gsLst>
-            <a:gs pos="0">
-              <a:schemeClr val="phClr">
-                <a:tint val="80000"/>
-                <a:satMod val="300000"/>
-              </a:schemeClr>
-            </a:gs>
-            <a:gs pos="100000">
-              <a:schemeClr val="phClr">
-                <a:shade val="30000"/>
-                <a:satMod val="200000"/>
-              </a:schemeClr>
-            </a:gs>
-          </a:gsLst>
-          <a:path path="circle">
-            <a:fillToRect l="50000" t="50000" r="50000" b="50000"/>
-          </a:path>
-        </a:gradFill>
+            </a:duotone>
+          </a:blip>
+          <a:tile tx="0" ty="0" sx="100000" sy="100000" flip="none" algn="tl"/>
+        </a:blipFill>
       </a:bgFillStyleLst>
     </a:fmtScheme>
   </a:themeElements>
   <a:objectDefaults/>
   <a:extraClrSchemeLst/>
+  <a:extLst>
+    <a:ext uri="{05A4C25C-085E-4340-85A3-A5531E510DB2}">
+      <thm15:themeFamily xmlns:thm15="http://schemas.microsoft.com/office/thememl/2012/main" name="Wood Type" id="{7ACABC62-BF99-48CF-A9DC-4DB89C7B13DC}" vid="{142A1326-48AB-42A9-8428-CB14AA30176D}"/>
+    </a:ext>
+  </a:extLst>
 </a:theme>
 </file>
 
